--- a/ASWC/Presentations/ASWC_Day2_LINQ.pptx
+++ b/ASWC/Presentations/ASWC_Day2_LINQ.pptx
@@ -5,7 +5,7 @@
     <p:sldMasterId id="2147483648" r:id="rId1"/>
   </p:sldMasterIdLst>
   <p:notesMasterIdLst>
-    <p:notesMasterId r:id="rId23"/>
+    <p:notesMasterId r:id="rId24"/>
   </p:notesMasterIdLst>
   <p:sldIdLst>
     <p:sldId id="256" r:id="rId2"/>
@@ -13,22 +13,23 @@
     <p:sldId id="378" r:id="rId4"/>
     <p:sldId id="395" r:id="rId5"/>
     <p:sldId id="379" r:id="rId6"/>
-    <p:sldId id="338" r:id="rId7"/>
-    <p:sldId id="381" r:id="rId8"/>
-    <p:sldId id="257" r:id="rId9"/>
-    <p:sldId id="382" r:id="rId10"/>
-    <p:sldId id="380" r:id="rId11"/>
-    <p:sldId id="383" r:id="rId12"/>
-    <p:sldId id="384" r:id="rId13"/>
-    <p:sldId id="386" r:id="rId14"/>
-    <p:sldId id="387" r:id="rId15"/>
-    <p:sldId id="390" r:id="rId16"/>
-    <p:sldId id="388" r:id="rId17"/>
-    <p:sldId id="389" r:id="rId18"/>
-    <p:sldId id="391" r:id="rId19"/>
-    <p:sldId id="392" r:id="rId20"/>
-    <p:sldId id="393" r:id="rId21"/>
-    <p:sldId id="394" r:id="rId22"/>
+    <p:sldId id="397" r:id="rId7"/>
+    <p:sldId id="396" r:id="rId8"/>
+    <p:sldId id="381" r:id="rId9"/>
+    <p:sldId id="257" r:id="rId10"/>
+    <p:sldId id="382" r:id="rId11"/>
+    <p:sldId id="380" r:id="rId12"/>
+    <p:sldId id="383" r:id="rId13"/>
+    <p:sldId id="384" r:id="rId14"/>
+    <p:sldId id="386" r:id="rId15"/>
+    <p:sldId id="387" r:id="rId16"/>
+    <p:sldId id="390" r:id="rId17"/>
+    <p:sldId id="388" r:id="rId18"/>
+    <p:sldId id="389" r:id="rId19"/>
+    <p:sldId id="391" r:id="rId20"/>
+    <p:sldId id="392" r:id="rId21"/>
+    <p:sldId id="393" r:id="rId22"/>
+    <p:sldId id="394" r:id="rId23"/>
   </p:sldIdLst>
   <p:sldSz cx="12192000" cy="6858000"/>
   <p:notesSz cx="6858000" cy="9144000"/>
@@ -217,7 +218,7 @@
           <a:p>
             <a:fld id="{5AF45E1F-672A-488E-8B7A-DEADDD2FB2E5}" type="datetimeFigureOut">
               <a:rPr lang="da-DK" smtClean="0"/>
-              <a:t>11-02-2019</a:t>
+              <a:t>13-02-2019</a:t>
             </a:fld>
             <a:endParaRPr lang="da-DK"/>
           </a:p>
@@ -784,7 +785,7 @@
           <a:p>
             <a:fld id="{04527E70-C461-477F-BF52-CFCF7D612977}" type="datetimeFigureOut">
               <a:rPr lang="da-DK" smtClean="0"/>
-              <a:t>11-02-2019</a:t>
+              <a:t>13-02-2019</a:t>
             </a:fld>
             <a:endParaRPr lang="da-DK"/>
           </a:p>
@@ -954,7 +955,7 @@
           <a:p>
             <a:fld id="{04527E70-C461-477F-BF52-CFCF7D612977}" type="datetimeFigureOut">
               <a:rPr lang="da-DK" smtClean="0"/>
-              <a:t>11-02-2019</a:t>
+              <a:t>13-02-2019</a:t>
             </a:fld>
             <a:endParaRPr lang="da-DK"/>
           </a:p>
@@ -1134,7 +1135,7 @@
           <a:p>
             <a:fld id="{04527E70-C461-477F-BF52-CFCF7D612977}" type="datetimeFigureOut">
               <a:rPr lang="da-DK" smtClean="0"/>
-              <a:t>11-02-2019</a:t>
+              <a:t>13-02-2019</a:t>
             </a:fld>
             <a:endParaRPr lang="da-DK"/>
           </a:p>
@@ -1304,7 +1305,7 @@
           <a:p>
             <a:fld id="{04527E70-C461-477F-BF52-CFCF7D612977}" type="datetimeFigureOut">
               <a:rPr lang="da-DK" smtClean="0"/>
-              <a:t>11-02-2019</a:t>
+              <a:t>13-02-2019</a:t>
             </a:fld>
             <a:endParaRPr lang="da-DK"/>
           </a:p>
@@ -1550,7 +1551,7 @@
           <a:p>
             <a:fld id="{04527E70-C461-477F-BF52-CFCF7D612977}" type="datetimeFigureOut">
               <a:rPr lang="da-DK" smtClean="0"/>
-              <a:t>11-02-2019</a:t>
+              <a:t>13-02-2019</a:t>
             </a:fld>
             <a:endParaRPr lang="da-DK"/>
           </a:p>
@@ -1782,7 +1783,7 @@
           <a:p>
             <a:fld id="{04527E70-C461-477F-BF52-CFCF7D612977}" type="datetimeFigureOut">
               <a:rPr lang="da-DK" smtClean="0"/>
-              <a:t>11-02-2019</a:t>
+              <a:t>13-02-2019</a:t>
             </a:fld>
             <a:endParaRPr lang="da-DK"/>
           </a:p>
@@ -2149,7 +2150,7 @@
           <a:p>
             <a:fld id="{04527E70-C461-477F-BF52-CFCF7D612977}" type="datetimeFigureOut">
               <a:rPr lang="da-DK" smtClean="0"/>
-              <a:t>11-02-2019</a:t>
+              <a:t>13-02-2019</a:t>
             </a:fld>
             <a:endParaRPr lang="da-DK"/>
           </a:p>
@@ -2267,7 +2268,7 @@
           <a:p>
             <a:fld id="{04527E70-C461-477F-BF52-CFCF7D612977}" type="datetimeFigureOut">
               <a:rPr lang="da-DK" smtClean="0"/>
-              <a:t>11-02-2019</a:t>
+              <a:t>13-02-2019</a:t>
             </a:fld>
             <a:endParaRPr lang="da-DK"/>
           </a:p>
@@ -2362,7 +2363,7 @@
           <a:p>
             <a:fld id="{04527E70-C461-477F-BF52-CFCF7D612977}" type="datetimeFigureOut">
               <a:rPr lang="da-DK" smtClean="0"/>
-              <a:t>11-02-2019</a:t>
+              <a:t>13-02-2019</a:t>
             </a:fld>
             <a:endParaRPr lang="da-DK"/>
           </a:p>
@@ -2639,7 +2640,7 @@
           <a:p>
             <a:fld id="{04527E70-C461-477F-BF52-CFCF7D612977}" type="datetimeFigureOut">
               <a:rPr lang="da-DK" smtClean="0"/>
-              <a:t>11-02-2019</a:t>
+              <a:t>13-02-2019</a:t>
             </a:fld>
             <a:endParaRPr lang="da-DK"/>
           </a:p>
@@ -2892,7 +2893,7 @@
           <a:p>
             <a:fld id="{04527E70-C461-477F-BF52-CFCF7D612977}" type="datetimeFigureOut">
               <a:rPr lang="da-DK" smtClean="0"/>
-              <a:t>11-02-2019</a:t>
+              <a:t>13-02-2019</a:t>
             </a:fld>
             <a:endParaRPr lang="da-DK"/>
           </a:p>
@@ -3105,7 +3106,7 @@
           <a:p>
             <a:fld id="{04527E70-C461-477F-BF52-CFCF7D612977}" type="datetimeFigureOut">
               <a:rPr lang="da-DK" smtClean="0"/>
-              <a:t>11-02-2019</a:t>
+              <a:t>13-02-2019</a:t>
             </a:fld>
             <a:endParaRPr lang="da-DK"/>
           </a:p>
@@ -3568,15 +3569,7 @@
                   <a:srgbClr val="FF0000"/>
                 </a:solidFill>
               </a:rPr>
-              <a:t>Day </a:t>
-            </a:r>
-            <a:r>
-              <a:rPr lang="da-DK" sz="7200" smtClean="0">
-                <a:solidFill>
-                  <a:srgbClr val="FF0000"/>
-                </a:solidFill>
-              </a:rPr>
-              <a:t>2</a:t>
+              <a:t>Day 2</a:t>
             </a:r>
             <a:endParaRPr lang="da-DK" sz="7200">
               <a:solidFill>
@@ -3607,6 +3600,694 @@
 </file>
 
 <file path=ppt/slides/slide10.xml><?xml version="1.0" encoding="utf-8"?>
+<p:sld xmlns:a="http://schemas.openxmlformats.org/drawingml/2006/main" xmlns:r="http://schemas.openxmlformats.org/officeDocument/2006/relationships" xmlns:p="http://schemas.openxmlformats.org/presentationml/2006/main">
+  <p:cSld>
+    <p:spTree>
+      <p:nvGrpSpPr>
+        <p:cNvPr id="1" name=""/>
+        <p:cNvGrpSpPr/>
+        <p:nvPr/>
+      </p:nvGrpSpPr>
+      <p:grpSpPr>
+        <a:xfrm>
+          <a:off x="0" y="0"/>
+          <a:ext cx="0" cy="0"/>
+          <a:chOff x="0" y="0"/>
+          <a:chExt cx="0" cy="0"/>
+        </a:xfrm>
+      </p:grpSpPr>
+      <p:sp>
+        <p:nvSpPr>
+          <p:cNvPr id="2" name="Titel 1"/>
+          <p:cNvSpPr>
+            <a:spLocks noGrp="1"/>
+          </p:cNvSpPr>
+          <p:nvPr>
+            <p:ph type="title"/>
+          </p:nvPr>
+        </p:nvSpPr>
+        <p:spPr/>
+        <p:txBody>
+          <a:bodyPr/>
+          <a:lstStyle/>
+          <a:p>
+            <a:r>
+              <a:rPr lang="da-DK" b="1"/>
+              <a:t>LINQ – set-oriented methods</a:t>
+            </a:r>
+          </a:p>
+        </p:txBody>
+      </p:sp>
+      <p:sp>
+        <p:nvSpPr>
+          <p:cNvPr id="3" name="Pladsholder til indhold 2"/>
+          <p:cNvSpPr>
+            <a:spLocks noGrp="1"/>
+          </p:cNvSpPr>
+          <p:nvPr>
+            <p:ph idx="1"/>
+          </p:nvPr>
+        </p:nvSpPr>
+        <p:spPr>
+          <a:xfrm>
+            <a:off x="838200" y="1690688"/>
+            <a:ext cx="10515600" cy="4722469"/>
+          </a:xfrm>
+        </p:spPr>
+        <p:txBody>
+          <a:bodyPr>
+            <a:normAutofit/>
+          </a:bodyPr>
+          <a:lstStyle/>
+          <a:p>
+            <a:pPr indent="0">
+              <a:spcBef>
+                <a:spcPts val="0"/>
+              </a:spcBef>
+              <a:spcAft>
+                <a:spcPts val="0"/>
+              </a:spcAft>
+              <a:buNone/>
+            </a:pPr>
+            <a:r>
+              <a:rPr lang="en-US" sz="1800" b="1" smtClean="0">
+                <a:solidFill>
+                  <a:srgbClr val="2B91AF"/>
+                </a:solidFill>
+                <a:latin typeface="Consolas" panose="020B0609020204030204" pitchFamily="49" charset="0"/>
+                <a:ea typeface="Calibri" panose="020F0502020204030204" pitchFamily="34" charset="0"/>
+                <a:cs typeface="Consolas" panose="020B0609020204030204" pitchFamily="49" charset="0"/>
+              </a:rPr>
+              <a:t>List</a:t>
+            </a:r>
+            <a:r>
+              <a:rPr lang="en-US" sz="1800" b="1" smtClean="0">
+                <a:solidFill>
+                  <a:srgbClr val="000000"/>
+                </a:solidFill>
+                <a:latin typeface="Consolas" panose="020B0609020204030204" pitchFamily="49" charset="0"/>
+                <a:ea typeface="Calibri" panose="020F0502020204030204" pitchFamily="34" charset="0"/>
+                <a:cs typeface="Consolas" panose="020B0609020204030204" pitchFamily="49" charset="0"/>
+              </a:rPr>
+              <a:t>&lt;</a:t>
+            </a:r>
+            <a:r>
+              <a:rPr lang="en-US" sz="1800" b="1" smtClean="0">
+                <a:solidFill>
+                  <a:srgbClr val="0000FF"/>
+                </a:solidFill>
+                <a:latin typeface="Consolas" panose="020B0609020204030204" pitchFamily="49" charset="0"/>
+                <a:ea typeface="Calibri" panose="020F0502020204030204" pitchFamily="34" charset="0"/>
+                <a:cs typeface="Consolas" panose="020B0609020204030204" pitchFamily="49" charset="0"/>
+              </a:rPr>
+              <a:t>int</a:t>
+            </a:r>
+            <a:r>
+              <a:rPr lang="en-US" sz="1800" b="1">
+                <a:solidFill>
+                  <a:srgbClr val="000000"/>
+                </a:solidFill>
+                <a:latin typeface="Consolas" panose="020B0609020204030204" pitchFamily="49" charset="0"/>
+                <a:ea typeface="Calibri" panose="020F0502020204030204" pitchFamily="34" charset="0"/>
+                <a:cs typeface="Consolas" panose="020B0609020204030204" pitchFamily="49" charset="0"/>
+              </a:rPr>
+              <a:t>&gt; setA = </a:t>
+            </a:r>
+            <a:r>
+              <a:rPr lang="en-US" sz="1800" b="1">
+                <a:solidFill>
+                  <a:srgbClr val="0000FF"/>
+                </a:solidFill>
+                <a:latin typeface="Consolas" panose="020B0609020204030204" pitchFamily="49" charset="0"/>
+                <a:ea typeface="Calibri" panose="020F0502020204030204" pitchFamily="34" charset="0"/>
+                <a:cs typeface="Consolas" panose="020B0609020204030204" pitchFamily="49" charset="0"/>
+              </a:rPr>
+              <a:t>new</a:t>
+            </a:r>
+            <a:r>
+              <a:rPr lang="en-US" sz="1800" b="1">
+                <a:solidFill>
+                  <a:srgbClr val="000000"/>
+                </a:solidFill>
+                <a:latin typeface="Consolas" panose="020B0609020204030204" pitchFamily="49" charset="0"/>
+                <a:ea typeface="Calibri" panose="020F0502020204030204" pitchFamily="34" charset="0"/>
+                <a:cs typeface="Consolas" panose="020B0609020204030204" pitchFamily="49" charset="0"/>
+              </a:rPr>
+              <a:t> </a:t>
+            </a:r>
+            <a:r>
+              <a:rPr lang="en-US" sz="1800" b="1">
+                <a:solidFill>
+                  <a:srgbClr val="2B91AF"/>
+                </a:solidFill>
+                <a:latin typeface="Consolas" panose="020B0609020204030204" pitchFamily="49" charset="0"/>
+                <a:ea typeface="Calibri" panose="020F0502020204030204" pitchFamily="34" charset="0"/>
+                <a:cs typeface="Consolas" panose="020B0609020204030204" pitchFamily="49" charset="0"/>
+              </a:rPr>
+              <a:t>List</a:t>
+            </a:r>
+            <a:r>
+              <a:rPr lang="en-US" sz="1800" b="1">
+                <a:solidFill>
+                  <a:srgbClr val="000000"/>
+                </a:solidFill>
+                <a:latin typeface="Consolas" panose="020B0609020204030204" pitchFamily="49" charset="0"/>
+                <a:ea typeface="Calibri" panose="020F0502020204030204" pitchFamily="34" charset="0"/>
+                <a:cs typeface="Consolas" panose="020B0609020204030204" pitchFamily="49" charset="0"/>
+              </a:rPr>
+              <a:t>&lt;</a:t>
+            </a:r>
+            <a:r>
+              <a:rPr lang="en-US" sz="1800" b="1">
+                <a:solidFill>
+                  <a:srgbClr val="0000FF"/>
+                </a:solidFill>
+                <a:latin typeface="Consolas" panose="020B0609020204030204" pitchFamily="49" charset="0"/>
+                <a:ea typeface="Calibri" panose="020F0502020204030204" pitchFamily="34" charset="0"/>
+                <a:cs typeface="Consolas" panose="020B0609020204030204" pitchFamily="49" charset="0"/>
+              </a:rPr>
+              <a:t>int</a:t>
+            </a:r>
+            <a:r>
+              <a:rPr lang="en-US" sz="1800" b="1">
+                <a:solidFill>
+                  <a:srgbClr val="000000"/>
+                </a:solidFill>
+                <a:latin typeface="Consolas" panose="020B0609020204030204" pitchFamily="49" charset="0"/>
+                <a:ea typeface="Calibri" panose="020F0502020204030204" pitchFamily="34" charset="0"/>
+                <a:cs typeface="Consolas" panose="020B0609020204030204" pitchFamily="49" charset="0"/>
+              </a:rPr>
+              <a:t>&gt;{ 2, 6, 12, 9, 3, 7 };</a:t>
+            </a:r>
+            <a:endParaRPr lang="da-DK" sz="1800">
+              <a:latin typeface="Calibri" panose="020F0502020204030204" pitchFamily="34" charset="0"/>
+              <a:ea typeface="Calibri" panose="020F0502020204030204" pitchFamily="34" charset="0"/>
+              <a:cs typeface="Times New Roman" panose="02020603050405020304" pitchFamily="18" charset="0"/>
+            </a:endParaRPr>
+          </a:p>
+          <a:p>
+            <a:pPr indent="0">
+              <a:spcBef>
+                <a:spcPts val="0"/>
+              </a:spcBef>
+              <a:spcAft>
+                <a:spcPts val="0"/>
+              </a:spcAft>
+              <a:buNone/>
+            </a:pPr>
+            <a:r>
+              <a:rPr lang="en-US" sz="1800" b="1">
+                <a:solidFill>
+                  <a:srgbClr val="2B91AF"/>
+                </a:solidFill>
+                <a:latin typeface="Consolas" panose="020B0609020204030204" pitchFamily="49" charset="0"/>
+                <a:ea typeface="Calibri" panose="020F0502020204030204" pitchFamily="34" charset="0"/>
+                <a:cs typeface="Consolas" panose="020B0609020204030204" pitchFamily="49" charset="0"/>
+              </a:rPr>
+              <a:t>List</a:t>
+            </a:r>
+            <a:r>
+              <a:rPr lang="en-US" sz="1800" b="1">
+                <a:solidFill>
+                  <a:srgbClr val="000000"/>
+                </a:solidFill>
+                <a:latin typeface="Consolas" panose="020B0609020204030204" pitchFamily="49" charset="0"/>
+                <a:ea typeface="Calibri" panose="020F0502020204030204" pitchFamily="34" charset="0"/>
+                <a:cs typeface="Consolas" panose="020B0609020204030204" pitchFamily="49" charset="0"/>
+              </a:rPr>
+              <a:t>&lt;</a:t>
+            </a:r>
+            <a:r>
+              <a:rPr lang="en-US" sz="1800" b="1">
+                <a:solidFill>
+                  <a:srgbClr val="0000FF"/>
+                </a:solidFill>
+                <a:latin typeface="Consolas" panose="020B0609020204030204" pitchFamily="49" charset="0"/>
+                <a:ea typeface="Calibri" panose="020F0502020204030204" pitchFamily="34" charset="0"/>
+                <a:cs typeface="Consolas" panose="020B0609020204030204" pitchFamily="49" charset="0"/>
+              </a:rPr>
+              <a:t>int</a:t>
+            </a:r>
+            <a:r>
+              <a:rPr lang="en-US" sz="1800" b="1">
+                <a:solidFill>
+                  <a:srgbClr val="000000"/>
+                </a:solidFill>
+                <a:latin typeface="Consolas" panose="020B0609020204030204" pitchFamily="49" charset="0"/>
+                <a:ea typeface="Calibri" panose="020F0502020204030204" pitchFamily="34" charset="0"/>
+                <a:cs typeface="Consolas" panose="020B0609020204030204" pitchFamily="49" charset="0"/>
+              </a:rPr>
+              <a:t>&gt; setB = </a:t>
+            </a:r>
+            <a:r>
+              <a:rPr lang="en-US" sz="1800" b="1">
+                <a:solidFill>
+                  <a:srgbClr val="0000FF"/>
+                </a:solidFill>
+                <a:latin typeface="Consolas" panose="020B0609020204030204" pitchFamily="49" charset="0"/>
+                <a:ea typeface="Calibri" panose="020F0502020204030204" pitchFamily="34" charset="0"/>
+                <a:cs typeface="Consolas" panose="020B0609020204030204" pitchFamily="49" charset="0"/>
+              </a:rPr>
+              <a:t>new</a:t>
+            </a:r>
+            <a:r>
+              <a:rPr lang="en-US" sz="1800" b="1">
+                <a:solidFill>
+                  <a:srgbClr val="000000"/>
+                </a:solidFill>
+                <a:latin typeface="Consolas" panose="020B0609020204030204" pitchFamily="49" charset="0"/>
+                <a:ea typeface="Calibri" panose="020F0502020204030204" pitchFamily="34" charset="0"/>
+                <a:cs typeface="Consolas" panose="020B0609020204030204" pitchFamily="49" charset="0"/>
+              </a:rPr>
+              <a:t> </a:t>
+            </a:r>
+            <a:r>
+              <a:rPr lang="en-US" sz="1800" b="1">
+                <a:solidFill>
+                  <a:srgbClr val="2B91AF"/>
+                </a:solidFill>
+                <a:latin typeface="Consolas" panose="020B0609020204030204" pitchFamily="49" charset="0"/>
+                <a:ea typeface="Calibri" panose="020F0502020204030204" pitchFamily="34" charset="0"/>
+                <a:cs typeface="Consolas" panose="020B0609020204030204" pitchFamily="49" charset="0"/>
+              </a:rPr>
+              <a:t>List</a:t>
+            </a:r>
+            <a:r>
+              <a:rPr lang="en-US" sz="1800" b="1">
+                <a:solidFill>
+                  <a:srgbClr val="000000"/>
+                </a:solidFill>
+                <a:latin typeface="Consolas" panose="020B0609020204030204" pitchFamily="49" charset="0"/>
+                <a:ea typeface="Calibri" panose="020F0502020204030204" pitchFamily="34" charset="0"/>
+                <a:cs typeface="Consolas" panose="020B0609020204030204" pitchFamily="49" charset="0"/>
+              </a:rPr>
+              <a:t>&lt;</a:t>
+            </a:r>
+            <a:r>
+              <a:rPr lang="en-US" sz="1800" b="1">
+                <a:solidFill>
+                  <a:srgbClr val="0000FF"/>
+                </a:solidFill>
+                <a:latin typeface="Consolas" panose="020B0609020204030204" pitchFamily="49" charset="0"/>
+                <a:ea typeface="Calibri" panose="020F0502020204030204" pitchFamily="34" charset="0"/>
+                <a:cs typeface="Consolas" panose="020B0609020204030204" pitchFamily="49" charset="0"/>
+              </a:rPr>
+              <a:t>int</a:t>
+            </a:r>
+            <a:r>
+              <a:rPr lang="en-US" sz="1800" b="1">
+                <a:solidFill>
+                  <a:srgbClr val="000000"/>
+                </a:solidFill>
+                <a:latin typeface="Consolas" panose="020B0609020204030204" pitchFamily="49" charset="0"/>
+                <a:ea typeface="Calibri" panose="020F0502020204030204" pitchFamily="34" charset="0"/>
+                <a:cs typeface="Consolas" panose="020B0609020204030204" pitchFamily="49" charset="0"/>
+              </a:rPr>
+              <a:t>&gt;{ 12, 8, 3, 71, 13 };</a:t>
+            </a:r>
+            <a:endParaRPr lang="da-DK" sz="1800">
+              <a:latin typeface="Calibri" panose="020F0502020204030204" pitchFamily="34" charset="0"/>
+              <a:ea typeface="Calibri" panose="020F0502020204030204" pitchFamily="34" charset="0"/>
+              <a:cs typeface="Times New Roman" panose="02020603050405020304" pitchFamily="18" charset="0"/>
+            </a:endParaRPr>
+          </a:p>
+          <a:p>
+            <a:pPr indent="0">
+              <a:spcBef>
+                <a:spcPts val="0"/>
+              </a:spcBef>
+              <a:spcAft>
+                <a:spcPts val="0"/>
+              </a:spcAft>
+              <a:buNone/>
+            </a:pPr>
+            <a:endParaRPr lang="en-US" sz="1800" b="1" smtClean="0">
+              <a:solidFill>
+                <a:srgbClr val="000000"/>
+              </a:solidFill>
+              <a:latin typeface="Consolas" panose="020B0609020204030204" pitchFamily="49" charset="0"/>
+              <a:ea typeface="Calibri" panose="020F0502020204030204" pitchFamily="34" charset="0"/>
+              <a:cs typeface="Consolas" panose="020B0609020204030204" pitchFamily="49" charset="0"/>
+            </a:endParaRPr>
+          </a:p>
+          <a:p>
+            <a:pPr indent="0">
+              <a:spcBef>
+                <a:spcPts val="0"/>
+              </a:spcBef>
+              <a:spcAft>
+                <a:spcPts val="0"/>
+              </a:spcAft>
+              <a:buNone/>
+            </a:pPr>
+            <a:endParaRPr lang="en-US" sz="1800" b="1">
+              <a:solidFill>
+                <a:srgbClr val="000000"/>
+              </a:solidFill>
+              <a:latin typeface="Consolas" panose="020B0609020204030204" pitchFamily="49" charset="0"/>
+              <a:ea typeface="Calibri" panose="020F0502020204030204" pitchFamily="34" charset="0"/>
+              <a:cs typeface="Times New Roman" panose="02020603050405020304" pitchFamily="18" charset="0"/>
+            </a:endParaRPr>
+          </a:p>
+          <a:p>
+            <a:pPr indent="0">
+              <a:spcBef>
+                <a:spcPts val="0"/>
+              </a:spcBef>
+              <a:spcAft>
+                <a:spcPts val="0"/>
+              </a:spcAft>
+              <a:buNone/>
+            </a:pPr>
+            <a:r>
+              <a:rPr lang="en-US" sz="1800" b="1">
+                <a:solidFill>
+                  <a:srgbClr val="2B91AF"/>
+                </a:solidFill>
+                <a:latin typeface="Consolas" panose="020B0609020204030204" pitchFamily="49" charset="0"/>
+                <a:ea typeface="Calibri" panose="020F0502020204030204" pitchFamily="34" charset="0"/>
+                <a:cs typeface="Consolas" panose="020B0609020204030204" pitchFamily="49" charset="0"/>
+              </a:rPr>
+              <a:t>Console</a:t>
+            </a:r>
+            <a:r>
+              <a:rPr lang="en-US" sz="1800" b="1">
+                <a:solidFill>
+                  <a:srgbClr val="000000"/>
+                </a:solidFill>
+                <a:latin typeface="Consolas" panose="020B0609020204030204" pitchFamily="49" charset="0"/>
+                <a:ea typeface="Calibri" panose="020F0502020204030204" pitchFamily="34" charset="0"/>
+                <a:cs typeface="Consolas" panose="020B0609020204030204" pitchFamily="49" charset="0"/>
+              </a:rPr>
+              <a:t>.WriteLine(</a:t>
+            </a:r>
+            <a:r>
+              <a:rPr lang="en-US" sz="1800" b="1">
+                <a:solidFill>
+                  <a:srgbClr val="A31515"/>
+                </a:solidFill>
+                <a:latin typeface="Consolas" panose="020B0609020204030204" pitchFamily="49" charset="0"/>
+                <a:ea typeface="Calibri" panose="020F0502020204030204" pitchFamily="34" charset="0"/>
+                <a:cs typeface="Consolas" panose="020B0609020204030204" pitchFamily="49" charset="0"/>
+              </a:rPr>
+              <a:t>"In A but not in B: "</a:t>
+            </a:r>
+            <a:r>
+              <a:rPr lang="en-US" sz="1800" b="1">
+                <a:solidFill>
+                  <a:srgbClr val="000000"/>
+                </a:solidFill>
+                <a:latin typeface="Consolas" panose="020B0609020204030204" pitchFamily="49" charset="0"/>
+                <a:ea typeface="Calibri" panose="020F0502020204030204" pitchFamily="34" charset="0"/>
+                <a:cs typeface="Consolas" panose="020B0609020204030204" pitchFamily="49" charset="0"/>
+              </a:rPr>
+              <a:t>);</a:t>
+            </a:r>
+            <a:endParaRPr lang="da-DK" sz="1800">
+              <a:latin typeface="Calibri" panose="020F0502020204030204" pitchFamily="34" charset="0"/>
+              <a:ea typeface="Calibri" panose="020F0502020204030204" pitchFamily="34" charset="0"/>
+              <a:cs typeface="Times New Roman" panose="02020603050405020304" pitchFamily="18" charset="0"/>
+            </a:endParaRPr>
+          </a:p>
+          <a:p>
+            <a:pPr indent="0">
+              <a:spcBef>
+                <a:spcPts val="0"/>
+              </a:spcBef>
+              <a:spcAft>
+                <a:spcPts val="0"/>
+              </a:spcAft>
+              <a:buNone/>
+            </a:pPr>
+            <a:r>
+              <a:rPr lang="en-US" sz="1800" b="1">
+                <a:solidFill>
+                  <a:srgbClr val="0000FF"/>
+                </a:solidFill>
+                <a:latin typeface="Consolas" panose="020B0609020204030204" pitchFamily="49" charset="0"/>
+                <a:ea typeface="Calibri" panose="020F0502020204030204" pitchFamily="34" charset="0"/>
+                <a:cs typeface="Consolas" panose="020B0609020204030204" pitchFamily="49" charset="0"/>
+              </a:rPr>
+              <a:t>foreach</a:t>
+            </a:r>
+            <a:r>
+              <a:rPr lang="en-US" sz="1800" b="1">
+                <a:solidFill>
+                  <a:srgbClr val="000000"/>
+                </a:solidFill>
+                <a:latin typeface="Consolas" panose="020B0609020204030204" pitchFamily="49" charset="0"/>
+                <a:ea typeface="Calibri" panose="020F0502020204030204" pitchFamily="34" charset="0"/>
+                <a:cs typeface="Consolas" panose="020B0609020204030204" pitchFamily="49" charset="0"/>
+              </a:rPr>
+              <a:t> (</a:t>
+            </a:r>
+            <a:r>
+              <a:rPr lang="en-US" sz="1800" b="1">
+                <a:solidFill>
+                  <a:srgbClr val="0000FF"/>
+                </a:solidFill>
+                <a:latin typeface="Consolas" panose="020B0609020204030204" pitchFamily="49" charset="0"/>
+                <a:ea typeface="Calibri" panose="020F0502020204030204" pitchFamily="34" charset="0"/>
+                <a:cs typeface="Consolas" panose="020B0609020204030204" pitchFamily="49" charset="0"/>
+              </a:rPr>
+              <a:t>int</a:t>
+            </a:r>
+            <a:r>
+              <a:rPr lang="en-US" sz="1800" b="1">
+                <a:solidFill>
+                  <a:srgbClr val="000000"/>
+                </a:solidFill>
+                <a:latin typeface="Consolas" panose="020B0609020204030204" pitchFamily="49" charset="0"/>
+                <a:ea typeface="Calibri" panose="020F0502020204030204" pitchFamily="34" charset="0"/>
+                <a:cs typeface="Consolas" panose="020B0609020204030204" pitchFamily="49" charset="0"/>
+              </a:rPr>
+              <a:t> val </a:t>
+            </a:r>
+            <a:r>
+              <a:rPr lang="en-US" sz="1800" b="1">
+                <a:solidFill>
+                  <a:srgbClr val="0000FF"/>
+                </a:solidFill>
+                <a:latin typeface="Consolas" panose="020B0609020204030204" pitchFamily="49" charset="0"/>
+                <a:ea typeface="Calibri" panose="020F0502020204030204" pitchFamily="34" charset="0"/>
+                <a:cs typeface="Consolas" panose="020B0609020204030204" pitchFamily="49" charset="0"/>
+              </a:rPr>
+              <a:t>in</a:t>
+            </a:r>
+            <a:r>
+              <a:rPr lang="en-US" sz="1800" b="1">
+                <a:solidFill>
+                  <a:srgbClr val="000000"/>
+                </a:solidFill>
+                <a:latin typeface="Consolas" panose="020B0609020204030204" pitchFamily="49" charset="0"/>
+                <a:ea typeface="Calibri" panose="020F0502020204030204" pitchFamily="34" charset="0"/>
+                <a:cs typeface="Consolas" panose="020B0609020204030204" pitchFamily="49" charset="0"/>
+              </a:rPr>
+              <a:t> </a:t>
+            </a:r>
+            <a:r>
+              <a:rPr lang="en-US" sz="1800" b="1" smtClean="0">
+                <a:solidFill>
+                  <a:srgbClr val="000000"/>
+                </a:solidFill>
+                <a:highlight>
+                  <a:srgbClr val="FFFF00"/>
+                </a:highlight>
+                <a:latin typeface="Consolas" panose="020B0609020204030204" pitchFamily="49" charset="0"/>
+                <a:ea typeface="Calibri" panose="020F0502020204030204" pitchFamily="34" charset="0"/>
+                <a:cs typeface="Consolas" panose="020B0609020204030204" pitchFamily="49" charset="0"/>
+              </a:rPr>
+              <a:t>setA.Except(setB)</a:t>
+            </a:r>
+            <a:r>
+              <a:rPr lang="en-US" sz="1800" b="1" smtClean="0">
+                <a:solidFill>
+                  <a:srgbClr val="000000"/>
+                </a:solidFill>
+                <a:latin typeface="Consolas" panose="020B0609020204030204" pitchFamily="49" charset="0"/>
+                <a:ea typeface="Calibri" panose="020F0502020204030204" pitchFamily="34" charset="0"/>
+                <a:cs typeface="Consolas" panose="020B0609020204030204" pitchFamily="49" charset="0"/>
+              </a:rPr>
+              <a:t>)</a:t>
+            </a:r>
+            <a:endParaRPr lang="da-DK" sz="1800">
+              <a:latin typeface="Calibri" panose="020F0502020204030204" pitchFamily="34" charset="0"/>
+              <a:ea typeface="Calibri" panose="020F0502020204030204" pitchFamily="34" charset="0"/>
+              <a:cs typeface="Times New Roman" panose="02020603050405020304" pitchFamily="18" charset="0"/>
+            </a:endParaRPr>
+          </a:p>
+          <a:p>
+            <a:pPr indent="0">
+              <a:spcBef>
+                <a:spcPts val="0"/>
+              </a:spcBef>
+              <a:spcAft>
+                <a:spcPts val="0"/>
+              </a:spcAft>
+              <a:buNone/>
+            </a:pPr>
+            <a:r>
+              <a:rPr lang="en-US" sz="1800" b="1">
+                <a:solidFill>
+                  <a:srgbClr val="000000"/>
+                </a:solidFill>
+                <a:latin typeface="Consolas" panose="020B0609020204030204" pitchFamily="49" charset="0"/>
+                <a:ea typeface="Calibri" panose="020F0502020204030204" pitchFamily="34" charset="0"/>
+                <a:cs typeface="Consolas" panose="020B0609020204030204" pitchFamily="49" charset="0"/>
+              </a:rPr>
+              <a:t>{</a:t>
+            </a:r>
+            <a:endParaRPr lang="da-DK" sz="1800">
+              <a:latin typeface="Calibri" panose="020F0502020204030204" pitchFamily="34" charset="0"/>
+              <a:ea typeface="Calibri" panose="020F0502020204030204" pitchFamily="34" charset="0"/>
+              <a:cs typeface="Times New Roman" panose="02020603050405020304" pitchFamily="18" charset="0"/>
+            </a:endParaRPr>
+          </a:p>
+          <a:p>
+            <a:pPr marL="457200" indent="0">
+              <a:spcBef>
+                <a:spcPts val="0"/>
+              </a:spcBef>
+              <a:spcAft>
+                <a:spcPts val="0"/>
+              </a:spcAft>
+              <a:buNone/>
+            </a:pPr>
+            <a:r>
+              <a:rPr lang="en-US" sz="1800" b="1">
+                <a:solidFill>
+                  <a:srgbClr val="2B91AF"/>
+                </a:solidFill>
+                <a:latin typeface="Consolas" panose="020B0609020204030204" pitchFamily="49" charset="0"/>
+                <a:ea typeface="Calibri" panose="020F0502020204030204" pitchFamily="34" charset="0"/>
+                <a:cs typeface="Consolas" panose="020B0609020204030204" pitchFamily="49" charset="0"/>
+              </a:rPr>
+              <a:t>Console</a:t>
+            </a:r>
+            <a:r>
+              <a:rPr lang="en-US" sz="1800" b="1">
+                <a:solidFill>
+                  <a:srgbClr val="000000"/>
+                </a:solidFill>
+                <a:latin typeface="Consolas" panose="020B0609020204030204" pitchFamily="49" charset="0"/>
+                <a:ea typeface="Calibri" panose="020F0502020204030204" pitchFamily="34" charset="0"/>
+                <a:cs typeface="Consolas" panose="020B0609020204030204" pitchFamily="49" charset="0"/>
+              </a:rPr>
+              <a:t>.WriteLine(val);</a:t>
+            </a:r>
+            <a:endParaRPr lang="da-DK" sz="1800">
+              <a:latin typeface="Calibri" panose="020F0502020204030204" pitchFamily="34" charset="0"/>
+              <a:ea typeface="Calibri" panose="020F0502020204030204" pitchFamily="34" charset="0"/>
+              <a:cs typeface="Times New Roman" panose="02020603050405020304" pitchFamily="18" charset="0"/>
+            </a:endParaRPr>
+          </a:p>
+          <a:p>
+            <a:pPr indent="0">
+              <a:spcBef>
+                <a:spcPts val="0"/>
+              </a:spcBef>
+              <a:spcAft>
+                <a:spcPts val="0"/>
+              </a:spcAft>
+              <a:buNone/>
+            </a:pPr>
+            <a:r>
+              <a:rPr lang="en-US" sz="1800" b="1">
+                <a:solidFill>
+                  <a:srgbClr val="000000"/>
+                </a:solidFill>
+                <a:latin typeface="Consolas" panose="020B0609020204030204" pitchFamily="49" charset="0"/>
+                <a:ea typeface="Calibri" panose="020F0502020204030204" pitchFamily="34" charset="0"/>
+                <a:cs typeface="Consolas" panose="020B0609020204030204" pitchFamily="49" charset="0"/>
+              </a:rPr>
+              <a:t>}</a:t>
+            </a:r>
+            <a:endParaRPr lang="da-DK" sz="1800">
+              <a:latin typeface="Calibri" panose="020F0502020204030204" pitchFamily="34" charset="0"/>
+              <a:ea typeface="Calibri" panose="020F0502020204030204" pitchFamily="34" charset="0"/>
+              <a:cs typeface="Times New Roman" panose="02020603050405020304" pitchFamily="18" charset="0"/>
+            </a:endParaRPr>
+          </a:p>
+          <a:p>
+            <a:pPr indent="0">
+              <a:spcBef>
+                <a:spcPts val="0"/>
+              </a:spcBef>
+              <a:spcAft>
+                <a:spcPts val="0"/>
+              </a:spcAft>
+              <a:buNone/>
+            </a:pPr>
+            <a:endParaRPr lang="da-DK" sz="1600">
+              <a:latin typeface="Calibri" panose="020F0502020204030204" pitchFamily="34" charset="0"/>
+              <a:ea typeface="Calibri" panose="020F0502020204030204" pitchFamily="34" charset="0"/>
+              <a:cs typeface="Times New Roman" panose="02020603050405020304" pitchFamily="18" charset="0"/>
+            </a:endParaRPr>
+          </a:p>
+          <a:p>
+            <a:pPr indent="0">
+              <a:spcBef>
+                <a:spcPts val="0"/>
+              </a:spcBef>
+              <a:spcAft>
+                <a:spcPts val="0"/>
+              </a:spcAft>
+              <a:buNone/>
+            </a:pPr>
+            <a:endParaRPr lang="da-DK" sz="1200" b="1">
+              <a:solidFill>
+                <a:srgbClr val="000000"/>
+              </a:solidFill>
+              <a:latin typeface="Consolas" panose="020B0609020204030204" pitchFamily="49" charset="0"/>
+              <a:ea typeface="Calibri" panose="020F0502020204030204" pitchFamily="34" charset="0"/>
+              <a:cs typeface="Consolas" panose="020B0609020204030204" pitchFamily="49" charset="0"/>
+            </a:endParaRPr>
+          </a:p>
+          <a:p>
+            <a:pPr marL="0" indent="0">
+              <a:buNone/>
+            </a:pPr>
+            <a:endParaRPr lang="da-DK" sz="3200" b="1">
+              <a:solidFill>
+                <a:srgbClr val="FF0000"/>
+              </a:solidFill>
+            </a:endParaRPr>
+          </a:p>
+        </p:txBody>
+      </p:sp>
+    </p:spTree>
+    <p:extLst>
+      <p:ext uri="{BB962C8B-B14F-4D97-AF65-F5344CB8AC3E}">
+        <p14:creationId xmlns:p14="http://schemas.microsoft.com/office/powerpoint/2010/main" val="1444394972"/>
+      </p:ext>
+    </p:extLst>
+  </p:cSld>
+  <p:clrMapOvr>
+    <a:masterClrMapping/>
+  </p:clrMapOvr>
+  <mc:AlternateContent xmlns:mc="http://schemas.openxmlformats.org/markup-compatibility/2006" xmlns:p14="http://schemas.microsoft.com/office/powerpoint/2010/main">
+    <mc:Choice Requires="p14">
+      <p:transition spd="med" p14:dur="700">
+        <p:fade/>
+      </p:transition>
+    </mc:Choice>
+    <mc:Fallback xmlns="">
+      <p:transition spd="med">
+        <p:fade/>
+      </p:transition>
+    </mc:Fallback>
+  </mc:AlternateContent>
+  <p:timing>
+    <p:tnLst>
+      <p:par>
+        <p:cTn id="1" dur="indefinite" restart="never" nodeType="tmRoot"/>
+      </p:par>
+    </p:tnLst>
+  </p:timing>
+</p:sld>
+</file>
+
+<file path=ppt/slides/slide11.xml><?xml version="1.0" encoding="utf-8"?>
 <p:sld xmlns:a="http://schemas.openxmlformats.org/drawingml/2006/main" xmlns:r="http://schemas.openxmlformats.org/officeDocument/2006/relationships" xmlns:p="http://schemas.openxmlformats.org/presentationml/2006/main">
   <p:cSld>
     <p:spTree>
@@ -4528,726 +5209,6 @@
 </p:sld>
 </file>
 
-<file path=ppt/slides/slide11.xml><?xml version="1.0" encoding="utf-8"?>
-<p:sld xmlns:a="http://schemas.openxmlformats.org/drawingml/2006/main" xmlns:r="http://schemas.openxmlformats.org/officeDocument/2006/relationships" xmlns:p="http://schemas.openxmlformats.org/presentationml/2006/main">
-  <p:cSld>
-    <p:spTree>
-      <p:nvGrpSpPr>
-        <p:cNvPr id="1" name=""/>
-        <p:cNvGrpSpPr/>
-        <p:nvPr/>
-      </p:nvGrpSpPr>
-      <p:grpSpPr>
-        <a:xfrm>
-          <a:off x="0" y="0"/>
-          <a:ext cx="0" cy="0"/>
-          <a:chOff x="0" y="0"/>
-          <a:chExt cx="0" cy="0"/>
-        </a:xfrm>
-      </p:grpSpPr>
-      <p:sp>
-        <p:nvSpPr>
-          <p:cNvPr id="2" name="Titel 1"/>
-          <p:cNvSpPr>
-            <a:spLocks noGrp="1"/>
-          </p:cNvSpPr>
-          <p:nvPr>
-            <p:ph type="title"/>
-          </p:nvPr>
-        </p:nvSpPr>
-        <p:spPr/>
-        <p:txBody>
-          <a:bodyPr/>
-          <a:lstStyle/>
-          <a:p>
-            <a:r>
-              <a:rPr lang="da-DK" b="1" smtClean="0"/>
-              <a:t>Parallel LINQ</a:t>
-            </a:r>
-            <a:endParaRPr lang="da-DK" b="1"/>
-          </a:p>
-        </p:txBody>
-      </p:sp>
-      <p:sp>
-        <p:nvSpPr>
-          <p:cNvPr id="3" name="Pladsholder til indhold 2"/>
-          <p:cNvSpPr>
-            <a:spLocks noGrp="1"/>
-          </p:cNvSpPr>
-          <p:nvPr>
-            <p:ph idx="1"/>
-          </p:nvPr>
-        </p:nvSpPr>
-        <p:spPr>
-          <a:xfrm>
-            <a:off x="838200" y="1934308"/>
-            <a:ext cx="10515600" cy="4478849"/>
-          </a:xfrm>
-        </p:spPr>
-        <p:txBody>
-          <a:bodyPr>
-            <a:normAutofit/>
-          </a:bodyPr>
-          <a:lstStyle/>
-          <a:p>
-            <a:pPr indent="0">
-              <a:spcBef>
-                <a:spcPts val="0"/>
-              </a:spcBef>
-              <a:spcAft>
-                <a:spcPts val="0"/>
-              </a:spcAft>
-              <a:buNone/>
-            </a:pPr>
-            <a:r>
-              <a:rPr lang="en-US" sz="2000" b="1" smtClean="0">
-                <a:solidFill>
-                  <a:srgbClr val="0000FF"/>
-                </a:solidFill>
-                <a:latin typeface="Consolas" panose="020B0609020204030204" pitchFamily="49" charset="0"/>
-                <a:ea typeface="Calibri" panose="020F0502020204030204" pitchFamily="34" charset="0"/>
-                <a:cs typeface="Consolas" panose="020B0609020204030204" pitchFamily="49" charset="0"/>
-              </a:rPr>
-              <a:t>private</a:t>
-            </a:r>
-            <a:r>
-              <a:rPr lang="en-US" sz="2000" b="1" smtClean="0">
-                <a:solidFill>
-                  <a:srgbClr val="000000"/>
-                </a:solidFill>
-                <a:latin typeface="Consolas" panose="020B0609020204030204" pitchFamily="49" charset="0"/>
-                <a:ea typeface="Calibri" panose="020F0502020204030204" pitchFamily="34" charset="0"/>
-                <a:cs typeface="Consolas" panose="020B0609020204030204" pitchFamily="49" charset="0"/>
-              </a:rPr>
-              <a:t> </a:t>
-            </a:r>
-            <a:r>
-              <a:rPr lang="en-US" sz="2000" b="1">
-                <a:solidFill>
-                  <a:srgbClr val="0000FF"/>
-                </a:solidFill>
-                <a:latin typeface="Consolas" panose="020B0609020204030204" pitchFamily="49" charset="0"/>
-                <a:ea typeface="Calibri" panose="020F0502020204030204" pitchFamily="34" charset="0"/>
-                <a:cs typeface="Consolas" panose="020B0609020204030204" pitchFamily="49" charset="0"/>
-              </a:rPr>
-              <a:t>bool</a:t>
-            </a:r>
-            <a:r>
-              <a:rPr lang="en-US" sz="2000" b="1">
-                <a:solidFill>
-                  <a:srgbClr val="000000"/>
-                </a:solidFill>
-                <a:latin typeface="Consolas" panose="020B0609020204030204" pitchFamily="49" charset="0"/>
-                <a:ea typeface="Calibri" panose="020F0502020204030204" pitchFamily="34" charset="0"/>
-                <a:cs typeface="Consolas" panose="020B0609020204030204" pitchFamily="49" charset="0"/>
-              </a:rPr>
-              <a:t> IsPrime(</a:t>
-            </a:r>
-            <a:r>
-              <a:rPr lang="en-US" sz="2000" b="1">
-                <a:solidFill>
-                  <a:srgbClr val="0000FF"/>
-                </a:solidFill>
-                <a:latin typeface="Consolas" panose="020B0609020204030204" pitchFamily="49" charset="0"/>
-                <a:ea typeface="Calibri" panose="020F0502020204030204" pitchFamily="34" charset="0"/>
-                <a:cs typeface="Consolas" panose="020B0609020204030204" pitchFamily="49" charset="0"/>
-              </a:rPr>
-              <a:t>int</a:t>
-            </a:r>
-            <a:r>
-              <a:rPr lang="en-US" sz="2000" b="1">
-                <a:solidFill>
-                  <a:srgbClr val="000000"/>
-                </a:solidFill>
-                <a:latin typeface="Consolas" panose="020B0609020204030204" pitchFamily="49" charset="0"/>
-                <a:ea typeface="Calibri" panose="020F0502020204030204" pitchFamily="34" charset="0"/>
-                <a:cs typeface="Consolas" panose="020B0609020204030204" pitchFamily="49" charset="0"/>
-              </a:rPr>
-              <a:t> number)</a:t>
-            </a:r>
-            <a:endParaRPr lang="da-DK" sz="2000">
-              <a:latin typeface="Calibri" panose="020F0502020204030204" pitchFamily="34" charset="0"/>
-              <a:ea typeface="Calibri" panose="020F0502020204030204" pitchFamily="34" charset="0"/>
-              <a:cs typeface="Times New Roman" panose="02020603050405020304" pitchFamily="18" charset="0"/>
-            </a:endParaRPr>
-          </a:p>
-          <a:p>
-            <a:pPr indent="0">
-              <a:spcBef>
-                <a:spcPts val="0"/>
-              </a:spcBef>
-              <a:spcAft>
-                <a:spcPts val="0"/>
-              </a:spcAft>
-              <a:buNone/>
-            </a:pPr>
-            <a:r>
-              <a:rPr lang="en-US" sz="2000" b="1">
-                <a:solidFill>
-                  <a:srgbClr val="000000"/>
-                </a:solidFill>
-                <a:latin typeface="Consolas" panose="020B0609020204030204" pitchFamily="49" charset="0"/>
-                <a:ea typeface="Calibri" panose="020F0502020204030204" pitchFamily="34" charset="0"/>
-                <a:cs typeface="Consolas" panose="020B0609020204030204" pitchFamily="49" charset="0"/>
-              </a:rPr>
-              <a:t>{</a:t>
-            </a:r>
-            <a:endParaRPr lang="da-DK" sz="2000">
-              <a:latin typeface="Calibri" panose="020F0502020204030204" pitchFamily="34" charset="0"/>
-              <a:ea typeface="Calibri" panose="020F0502020204030204" pitchFamily="34" charset="0"/>
-              <a:cs typeface="Times New Roman" panose="02020603050405020304" pitchFamily="18" charset="0"/>
-            </a:endParaRPr>
-          </a:p>
-          <a:p>
-            <a:pPr marL="457200" indent="0">
-              <a:spcBef>
-                <a:spcPts val="0"/>
-              </a:spcBef>
-              <a:spcAft>
-                <a:spcPts val="0"/>
-              </a:spcAft>
-              <a:buNone/>
-            </a:pPr>
-            <a:r>
-              <a:rPr lang="en-US" sz="2000" b="1">
-                <a:solidFill>
-                  <a:srgbClr val="0000FF"/>
-                </a:solidFill>
-                <a:latin typeface="Consolas" panose="020B0609020204030204" pitchFamily="49" charset="0"/>
-                <a:ea typeface="Calibri" panose="020F0502020204030204" pitchFamily="34" charset="0"/>
-                <a:cs typeface="Consolas" panose="020B0609020204030204" pitchFamily="49" charset="0"/>
-              </a:rPr>
-              <a:t>int</a:t>
-            </a:r>
-            <a:r>
-              <a:rPr lang="en-US" sz="2000" b="1">
-                <a:solidFill>
-                  <a:srgbClr val="000000"/>
-                </a:solidFill>
-                <a:latin typeface="Consolas" panose="020B0609020204030204" pitchFamily="49" charset="0"/>
-                <a:ea typeface="Calibri" panose="020F0502020204030204" pitchFamily="34" charset="0"/>
-                <a:cs typeface="Consolas" panose="020B0609020204030204" pitchFamily="49" charset="0"/>
-              </a:rPr>
-              <a:t> limit = </a:t>
-            </a:r>
-            <a:r>
-              <a:rPr lang="en-US" sz="2000" b="1">
-                <a:solidFill>
-                  <a:srgbClr val="2B91AF"/>
-                </a:solidFill>
-                <a:latin typeface="Consolas" panose="020B0609020204030204" pitchFamily="49" charset="0"/>
-                <a:ea typeface="Calibri" panose="020F0502020204030204" pitchFamily="34" charset="0"/>
-                <a:cs typeface="Consolas" panose="020B0609020204030204" pitchFamily="49" charset="0"/>
-              </a:rPr>
-              <a:t>Convert</a:t>
-            </a:r>
-            <a:r>
-              <a:rPr lang="en-US" sz="2000" b="1">
-                <a:solidFill>
-                  <a:srgbClr val="000000"/>
-                </a:solidFill>
-                <a:latin typeface="Consolas" panose="020B0609020204030204" pitchFamily="49" charset="0"/>
-                <a:ea typeface="Calibri" panose="020F0502020204030204" pitchFamily="34" charset="0"/>
-                <a:cs typeface="Consolas" panose="020B0609020204030204" pitchFamily="49" charset="0"/>
-              </a:rPr>
-              <a:t>.ToInt32(</a:t>
-            </a:r>
-            <a:r>
-              <a:rPr lang="en-US" sz="2000" b="1">
-                <a:solidFill>
-                  <a:srgbClr val="2B91AF"/>
-                </a:solidFill>
-                <a:latin typeface="Consolas" panose="020B0609020204030204" pitchFamily="49" charset="0"/>
-                <a:ea typeface="Calibri" panose="020F0502020204030204" pitchFamily="34" charset="0"/>
-                <a:cs typeface="Consolas" panose="020B0609020204030204" pitchFamily="49" charset="0"/>
-              </a:rPr>
-              <a:t>Math</a:t>
-            </a:r>
-            <a:r>
-              <a:rPr lang="en-US" sz="2000" b="1">
-                <a:solidFill>
-                  <a:srgbClr val="000000"/>
-                </a:solidFill>
-                <a:latin typeface="Consolas" panose="020B0609020204030204" pitchFamily="49" charset="0"/>
-                <a:ea typeface="Calibri" panose="020F0502020204030204" pitchFamily="34" charset="0"/>
-                <a:cs typeface="Consolas" panose="020B0609020204030204" pitchFamily="49" charset="0"/>
-              </a:rPr>
-              <a:t>.Sqrt(number));</a:t>
-            </a:r>
-            <a:endParaRPr lang="da-DK" sz="2000">
-              <a:latin typeface="Calibri" panose="020F0502020204030204" pitchFamily="34" charset="0"/>
-              <a:ea typeface="Calibri" panose="020F0502020204030204" pitchFamily="34" charset="0"/>
-              <a:cs typeface="Times New Roman" panose="02020603050405020304" pitchFamily="18" charset="0"/>
-            </a:endParaRPr>
-          </a:p>
-          <a:p>
-            <a:pPr marL="457200" indent="0">
-              <a:spcBef>
-                <a:spcPts val="0"/>
-              </a:spcBef>
-              <a:spcAft>
-                <a:spcPts val="0"/>
-              </a:spcAft>
-              <a:buNone/>
-            </a:pPr>
-            <a:r>
-              <a:rPr lang="en-US" sz="2000" b="1">
-                <a:solidFill>
-                  <a:srgbClr val="0000FF"/>
-                </a:solidFill>
-                <a:latin typeface="Consolas" panose="020B0609020204030204" pitchFamily="49" charset="0"/>
-                <a:ea typeface="Calibri" panose="020F0502020204030204" pitchFamily="34" charset="0"/>
-                <a:cs typeface="Consolas" panose="020B0609020204030204" pitchFamily="49" charset="0"/>
-              </a:rPr>
-              <a:t>bool</a:t>
-            </a:r>
-            <a:r>
-              <a:rPr lang="en-US" sz="2000" b="1">
-                <a:solidFill>
-                  <a:srgbClr val="000000"/>
-                </a:solidFill>
-                <a:latin typeface="Consolas" panose="020B0609020204030204" pitchFamily="49" charset="0"/>
-                <a:ea typeface="Calibri" panose="020F0502020204030204" pitchFamily="34" charset="0"/>
-                <a:cs typeface="Consolas" panose="020B0609020204030204" pitchFamily="49" charset="0"/>
-              </a:rPr>
-              <a:t> isPrime = </a:t>
-            </a:r>
-            <a:r>
-              <a:rPr lang="en-US" sz="2000" b="1">
-                <a:solidFill>
-                  <a:srgbClr val="0000FF"/>
-                </a:solidFill>
-                <a:latin typeface="Consolas" panose="020B0609020204030204" pitchFamily="49" charset="0"/>
-                <a:ea typeface="Calibri" panose="020F0502020204030204" pitchFamily="34" charset="0"/>
-                <a:cs typeface="Consolas" panose="020B0609020204030204" pitchFamily="49" charset="0"/>
-              </a:rPr>
-              <a:t>true</a:t>
-            </a:r>
-            <a:r>
-              <a:rPr lang="en-US" sz="2000" b="1">
-                <a:solidFill>
-                  <a:srgbClr val="000000"/>
-                </a:solidFill>
-                <a:latin typeface="Consolas" panose="020B0609020204030204" pitchFamily="49" charset="0"/>
-                <a:ea typeface="Calibri" panose="020F0502020204030204" pitchFamily="34" charset="0"/>
-                <a:cs typeface="Consolas" panose="020B0609020204030204" pitchFamily="49" charset="0"/>
-              </a:rPr>
-              <a:t>;</a:t>
-            </a:r>
-            <a:endParaRPr lang="da-DK" sz="2000">
-              <a:latin typeface="Calibri" panose="020F0502020204030204" pitchFamily="34" charset="0"/>
-              <a:ea typeface="Calibri" panose="020F0502020204030204" pitchFamily="34" charset="0"/>
-              <a:cs typeface="Times New Roman" panose="02020603050405020304" pitchFamily="18" charset="0"/>
-            </a:endParaRPr>
-          </a:p>
-          <a:p>
-            <a:pPr marL="457200" indent="0">
-              <a:spcBef>
-                <a:spcPts val="0"/>
-              </a:spcBef>
-              <a:spcAft>
-                <a:spcPts val="0"/>
-              </a:spcAft>
-              <a:buNone/>
-            </a:pPr>
-            <a:r>
-              <a:rPr lang="en-US" sz="2000" b="1">
-                <a:solidFill>
-                  <a:srgbClr val="000000"/>
-                </a:solidFill>
-                <a:latin typeface="Consolas" panose="020B0609020204030204" pitchFamily="49" charset="0"/>
-                <a:ea typeface="Calibri" panose="020F0502020204030204" pitchFamily="34" charset="0"/>
-                <a:cs typeface="Consolas" panose="020B0609020204030204" pitchFamily="49" charset="0"/>
-              </a:rPr>
-              <a:t> </a:t>
-            </a:r>
-            <a:endParaRPr lang="da-DK" sz="2000">
-              <a:latin typeface="Calibri" panose="020F0502020204030204" pitchFamily="34" charset="0"/>
-              <a:ea typeface="Calibri" panose="020F0502020204030204" pitchFamily="34" charset="0"/>
-              <a:cs typeface="Times New Roman" panose="02020603050405020304" pitchFamily="18" charset="0"/>
-            </a:endParaRPr>
-          </a:p>
-          <a:p>
-            <a:pPr marL="457200" indent="0">
-              <a:spcBef>
-                <a:spcPts val="0"/>
-              </a:spcBef>
-              <a:spcAft>
-                <a:spcPts val="0"/>
-              </a:spcAft>
-              <a:buNone/>
-            </a:pPr>
-            <a:r>
-              <a:rPr lang="en-US" sz="2000" b="1">
-                <a:solidFill>
-                  <a:srgbClr val="0000FF"/>
-                </a:solidFill>
-                <a:latin typeface="Consolas" panose="020B0609020204030204" pitchFamily="49" charset="0"/>
-                <a:ea typeface="Calibri" panose="020F0502020204030204" pitchFamily="34" charset="0"/>
-                <a:cs typeface="Consolas" panose="020B0609020204030204" pitchFamily="49" charset="0"/>
-              </a:rPr>
-              <a:t>for</a:t>
-            </a:r>
-            <a:r>
-              <a:rPr lang="en-US" sz="2000" b="1">
-                <a:solidFill>
-                  <a:srgbClr val="000000"/>
-                </a:solidFill>
-                <a:latin typeface="Consolas" panose="020B0609020204030204" pitchFamily="49" charset="0"/>
-                <a:ea typeface="Calibri" panose="020F0502020204030204" pitchFamily="34" charset="0"/>
-                <a:cs typeface="Consolas" panose="020B0609020204030204" pitchFamily="49" charset="0"/>
-              </a:rPr>
-              <a:t> (</a:t>
-            </a:r>
-            <a:r>
-              <a:rPr lang="en-US" sz="2000" b="1">
-                <a:solidFill>
-                  <a:srgbClr val="0000FF"/>
-                </a:solidFill>
-                <a:latin typeface="Consolas" panose="020B0609020204030204" pitchFamily="49" charset="0"/>
-                <a:ea typeface="Calibri" panose="020F0502020204030204" pitchFamily="34" charset="0"/>
-                <a:cs typeface="Consolas" panose="020B0609020204030204" pitchFamily="49" charset="0"/>
-              </a:rPr>
-              <a:t>int</a:t>
-            </a:r>
-            <a:r>
-              <a:rPr lang="en-US" sz="2000" b="1">
-                <a:solidFill>
-                  <a:srgbClr val="000000"/>
-                </a:solidFill>
-                <a:latin typeface="Consolas" panose="020B0609020204030204" pitchFamily="49" charset="0"/>
-                <a:ea typeface="Calibri" panose="020F0502020204030204" pitchFamily="34" charset="0"/>
-                <a:cs typeface="Consolas" panose="020B0609020204030204" pitchFamily="49" charset="0"/>
-              </a:rPr>
-              <a:t> i = 2; i &lt;= limit &amp;&amp; isPrime; i++)</a:t>
-            </a:r>
-            <a:endParaRPr lang="da-DK" sz="2000">
-              <a:latin typeface="Calibri" panose="020F0502020204030204" pitchFamily="34" charset="0"/>
-              <a:ea typeface="Calibri" panose="020F0502020204030204" pitchFamily="34" charset="0"/>
-              <a:cs typeface="Times New Roman" panose="02020603050405020304" pitchFamily="18" charset="0"/>
-            </a:endParaRPr>
-          </a:p>
-          <a:p>
-            <a:pPr marL="457200" indent="0">
-              <a:spcBef>
-                <a:spcPts val="0"/>
-              </a:spcBef>
-              <a:spcAft>
-                <a:spcPts val="0"/>
-              </a:spcAft>
-              <a:buNone/>
-            </a:pPr>
-            <a:r>
-              <a:rPr lang="en-US" sz="2000" b="1">
-                <a:solidFill>
-                  <a:srgbClr val="000000"/>
-                </a:solidFill>
-                <a:latin typeface="Consolas" panose="020B0609020204030204" pitchFamily="49" charset="0"/>
-                <a:ea typeface="Calibri" panose="020F0502020204030204" pitchFamily="34" charset="0"/>
-                <a:cs typeface="Consolas" panose="020B0609020204030204" pitchFamily="49" charset="0"/>
-              </a:rPr>
-              <a:t>{</a:t>
-            </a:r>
-            <a:endParaRPr lang="da-DK" sz="2000">
-              <a:latin typeface="Calibri" panose="020F0502020204030204" pitchFamily="34" charset="0"/>
-              <a:ea typeface="Calibri" panose="020F0502020204030204" pitchFamily="34" charset="0"/>
-              <a:cs typeface="Times New Roman" panose="02020603050405020304" pitchFamily="18" charset="0"/>
-            </a:endParaRPr>
-          </a:p>
-          <a:p>
-            <a:pPr marL="914400" indent="0">
-              <a:spcBef>
-                <a:spcPts val="0"/>
-              </a:spcBef>
-              <a:spcAft>
-                <a:spcPts val="0"/>
-              </a:spcAft>
-              <a:buNone/>
-            </a:pPr>
-            <a:r>
-              <a:rPr lang="en-US" sz="2000" b="1">
-                <a:solidFill>
-                  <a:srgbClr val="000000"/>
-                </a:solidFill>
-                <a:latin typeface="Consolas" panose="020B0609020204030204" pitchFamily="49" charset="0"/>
-                <a:ea typeface="Calibri" panose="020F0502020204030204" pitchFamily="34" charset="0"/>
-                <a:cs typeface="Consolas" panose="020B0609020204030204" pitchFamily="49" charset="0"/>
-              </a:rPr>
-              <a:t>isPrime = number % i != 0;</a:t>
-            </a:r>
-            <a:endParaRPr lang="da-DK" sz="2000">
-              <a:latin typeface="Calibri" panose="020F0502020204030204" pitchFamily="34" charset="0"/>
-              <a:ea typeface="Calibri" panose="020F0502020204030204" pitchFamily="34" charset="0"/>
-              <a:cs typeface="Times New Roman" panose="02020603050405020304" pitchFamily="18" charset="0"/>
-            </a:endParaRPr>
-          </a:p>
-          <a:p>
-            <a:pPr marL="457200" indent="0">
-              <a:spcBef>
-                <a:spcPts val="0"/>
-              </a:spcBef>
-              <a:spcAft>
-                <a:spcPts val="0"/>
-              </a:spcAft>
-              <a:buNone/>
-            </a:pPr>
-            <a:r>
-              <a:rPr lang="en-US" sz="2000" b="1">
-                <a:solidFill>
-                  <a:srgbClr val="000000"/>
-                </a:solidFill>
-                <a:latin typeface="Consolas" panose="020B0609020204030204" pitchFamily="49" charset="0"/>
-                <a:ea typeface="Calibri" panose="020F0502020204030204" pitchFamily="34" charset="0"/>
-                <a:cs typeface="Consolas" panose="020B0609020204030204" pitchFamily="49" charset="0"/>
-              </a:rPr>
-              <a:t>}</a:t>
-            </a:r>
-            <a:endParaRPr lang="da-DK" sz="2000">
-              <a:latin typeface="Calibri" panose="020F0502020204030204" pitchFamily="34" charset="0"/>
-              <a:ea typeface="Calibri" panose="020F0502020204030204" pitchFamily="34" charset="0"/>
-              <a:cs typeface="Times New Roman" panose="02020603050405020304" pitchFamily="18" charset="0"/>
-            </a:endParaRPr>
-          </a:p>
-          <a:p>
-            <a:pPr marL="0" indent="0">
-              <a:spcBef>
-                <a:spcPts val="0"/>
-              </a:spcBef>
-              <a:spcAft>
-                <a:spcPts val="0"/>
-              </a:spcAft>
-              <a:buNone/>
-            </a:pPr>
-            <a:r>
-              <a:rPr lang="en-US" sz="2000" b="1">
-                <a:solidFill>
-                  <a:srgbClr val="000000"/>
-                </a:solidFill>
-                <a:latin typeface="Consolas" panose="020B0609020204030204" pitchFamily="49" charset="0"/>
-                <a:ea typeface="Calibri" panose="020F0502020204030204" pitchFamily="34" charset="0"/>
-                <a:cs typeface="Consolas" panose="020B0609020204030204" pitchFamily="49" charset="0"/>
-              </a:rPr>
-              <a:t> </a:t>
-            </a:r>
-            <a:endParaRPr lang="da-DK" sz="2000">
-              <a:latin typeface="Calibri" panose="020F0502020204030204" pitchFamily="34" charset="0"/>
-              <a:ea typeface="Calibri" panose="020F0502020204030204" pitchFamily="34" charset="0"/>
-              <a:cs typeface="Times New Roman" panose="02020603050405020304" pitchFamily="18" charset="0"/>
-            </a:endParaRPr>
-          </a:p>
-          <a:p>
-            <a:pPr marL="457200" indent="0">
-              <a:spcBef>
-                <a:spcPts val="0"/>
-              </a:spcBef>
-              <a:spcAft>
-                <a:spcPts val="0"/>
-              </a:spcAft>
-              <a:buNone/>
-            </a:pPr>
-            <a:r>
-              <a:rPr lang="en-US" sz="2000" b="1">
-                <a:solidFill>
-                  <a:srgbClr val="0000FF"/>
-                </a:solidFill>
-                <a:latin typeface="Consolas" panose="020B0609020204030204" pitchFamily="49" charset="0"/>
-                <a:ea typeface="Calibri" panose="020F0502020204030204" pitchFamily="34" charset="0"/>
-                <a:cs typeface="Consolas" panose="020B0609020204030204" pitchFamily="49" charset="0"/>
-              </a:rPr>
-              <a:t>return</a:t>
-            </a:r>
-            <a:r>
-              <a:rPr lang="en-US" sz="2000" b="1">
-                <a:solidFill>
-                  <a:srgbClr val="000000"/>
-                </a:solidFill>
-                <a:latin typeface="Consolas" panose="020B0609020204030204" pitchFamily="49" charset="0"/>
-                <a:ea typeface="Calibri" panose="020F0502020204030204" pitchFamily="34" charset="0"/>
-                <a:cs typeface="Consolas" panose="020B0609020204030204" pitchFamily="49" charset="0"/>
-              </a:rPr>
-              <a:t> isPrime;</a:t>
-            </a:r>
-            <a:endParaRPr lang="da-DK" sz="2000">
-              <a:latin typeface="Calibri" panose="020F0502020204030204" pitchFamily="34" charset="0"/>
-              <a:ea typeface="Calibri" panose="020F0502020204030204" pitchFamily="34" charset="0"/>
-              <a:cs typeface="Times New Roman" panose="02020603050405020304" pitchFamily="18" charset="0"/>
-            </a:endParaRPr>
-          </a:p>
-          <a:p>
-            <a:pPr indent="0">
-              <a:spcBef>
-                <a:spcPts val="0"/>
-              </a:spcBef>
-              <a:spcAft>
-                <a:spcPts val="0"/>
-              </a:spcAft>
-              <a:buNone/>
-            </a:pPr>
-            <a:r>
-              <a:rPr lang="en-US" sz="2000" b="1">
-                <a:solidFill>
-                  <a:srgbClr val="000000"/>
-                </a:solidFill>
-                <a:latin typeface="Consolas" panose="020B0609020204030204" pitchFamily="49" charset="0"/>
-                <a:ea typeface="Calibri" panose="020F0502020204030204" pitchFamily="34" charset="0"/>
-                <a:cs typeface="Consolas" panose="020B0609020204030204" pitchFamily="49" charset="0"/>
-              </a:rPr>
-              <a:t>}</a:t>
-            </a:r>
-            <a:endParaRPr lang="da-DK" sz="2000">
-              <a:latin typeface="Calibri" panose="020F0502020204030204" pitchFamily="34" charset="0"/>
-              <a:ea typeface="Calibri" panose="020F0502020204030204" pitchFamily="34" charset="0"/>
-              <a:cs typeface="Times New Roman" panose="02020603050405020304" pitchFamily="18" charset="0"/>
-            </a:endParaRPr>
-          </a:p>
-          <a:p>
-            <a:pPr indent="0">
-              <a:spcBef>
-                <a:spcPts val="0"/>
-              </a:spcBef>
-              <a:spcAft>
-                <a:spcPts val="0"/>
-              </a:spcAft>
-              <a:buNone/>
-            </a:pPr>
-            <a:endParaRPr lang="en-US" sz="1800" b="1" smtClean="0">
-              <a:solidFill>
-                <a:srgbClr val="000000"/>
-              </a:solidFill>
-              <a:latin typeface="Consolas" panose="020B0609020204030204" pitchFamily="49" charset="0"/>
-              <a:ea typeface="Calibri" panose="020F0502020204030204" pitchFamily="34" charset="0"/>
-              <a:cs typeface="Consolas" panose="020B0609020204030204" pitchFamily="49" charset="0"/>
-            </a:endParaRPr>
-          </a:p>
-          <a:p>
-            <a:pPr indent="0">
-              <a:spcBef>
-                <a:spcPts val="0"/>
-              </a:spcBef>
-              <a:spcAft>
-                <a:spcPts val="0"/>
-              </a:spcAft>
-              <a:buNone/>
-            </a:pPr>
-            <a:endParaRPr lang="en-US" sz="1800" b="1">
-              <a:solidFill>
-                <a:srgbClr val="000000"/>
-              </a:solidFill>
-              <a:latin typeface="Consolas" panose="020B0609020204030204" pitchFamily="49" charset="0"/>
-              <a:ea typeface="Calibri" panose="020F0502020204030204" pitchFamily="34" charset="0"/>
-              <a:cs typeface="Times New Roman" panose="02020603050405020304" pitchFamily="18" charset="0"/>
-            </a:endParaRPr>
-          </a:p>
-          <a:p>
-            <a:pPr indent="0">
-              <a:spcBef>
-                <a:spcPts val="0"/>
-              </a:spcBef>
-              <a:spcAft>
-                <a:spcPts val="0"/>
-              </a:spcAft>
-              <a:buNone/>
-            </a:pPr>
-            <a:endParaRPr lang="da-DK" sz="1800">
-              <a:latin typeface="Calibri" panose="020F0502020204030204" pitchFamily="34" charset="0"/>
-              <a:ea typeface="Calibri" panose="020F0502020204030204" pitchFamily="34" charset="0"/>
-              <a:cs typeface="Times New Roman" panose="02020603050405020304" pitchFamily="18" charset="0"/>
-            </a:endParaRPr>
-          </a:p>
-          <a:p>
-            <a:pPr indent="0">
-              <a:spcBef>
-                <a:spcPts val="0"/>
-              </a:spcBef>
-              <a:spcAft>
-                <a:spcPts val="0"/>
-              </a:spcAft>
-              <a:buNone/>
-            </a:pPr>
-            <a:r>
-              <a:rPr lang="en-US" sz="1800" b="1">
-                <a:solidFill>
-                  <a:srgbClr val="000000"/>
-                </a:solidFill>
-                <a:latin typeface="Consolas" panose="020B0609020204030204" pitchFamily="49" charset="0"/>
-                <a:ea typeface="Calibri" panose="020F0502020204030204" pitchFamily="34" charset="0"/>
-                <a:cs typeface="Consolas" panose="020B0609020204030204" pitchFamily="49" charset="0"/>
-              </a:rPr>
-              <a:t> </a:t>
-            </a:r>
-            <a:endParaRPr lang="da-DK" sz="1800">
-              <a:latin typeface="Calibri" panose="020F0502020204030204" pitchFamily="34" charset="0"/>
-              <a:ea typeface="Calibri" panose="020F0502020204030204" pitchFamily="34" charset="0"/>
-              <a:cs typeface="Times New Roman" panose="02020603050405020304" pitchFamily="18" charset="0"/>
-            </a:endParaRPr>
-          </a:p>
-          <a:p>
-            <a:pPr indent="0">
-              <a:spcBef>
-                <a:spcPts val="0"/>
-              </a:spcBef>
-              <a:spcAft>
-                <a:spcPts val="0"/>
-              </a:spcAft>
-              <a:buNone/>
-            </a:pPr>
-            <a:endParaRPr lang="da-DK" sz="1600">
-              <a:latin typeface="Calibri" panose="020F0502020204030204" pitchFamily="34" charset="0"/>
-              <a:ea typeface="Calibri" panose="020F0502020204030204" pitchFamily="34" charset="0"/>
-              <a:cs typeface="Times New Roman" panose="02020603050405020304" pitchFamily="18" charset="0"/>
-            </a:endParaRPr>
-          </a:p>
-          <a:p>
-            <a:pPr indent="0">
-              <a:spcBef>
-                <a:spcPts val="0"/>
-              </a:spcBef>
-              <a:spcAft>
-                <a:spcPts val="0"/>
-              </a:spcAft>
-              <a:buNone/>
-            </a:pPr>
-            <a:endParaRPr lang="da-DK" sz="1200" b="1">
-              <a:solidFill>
-                <a:srgbClr val="000000"/>
-              </a:solidFill>
-              <a:latin typeface="Consolas" panose="020B0609020204030204" pitchFamily="49" charset="0"/>
-              <a:ea typeface="Calibri" panose="020F0502020204030204" pitchFamily="34" charset="0"/>
-              <a:cs typeface="Consolas" panose="020B0609020204030204" pitchFamily="49" charset="0"/>
-            </a:endParaRPr>
-          </a:p>
-          <a:p>
-            <a:pPr marL="0" indent="0">
-              <a:buNone/>
-            </a:pPr>
-            <a:endParaRPr lang="da-DK" sz="3200" b="1">
-              <a:solidFill>
-                <a:srgbClr val="FF0000"/>
-              </a:solidFill>
-            </a:endParaRPr>
-          </a:p>
-        </p:txBody>
-      </p:sp>
-    </p:spTree>
-    <p:extLst>
-      <p:ext uri="{BB962C8B-B14F-4D97-AF65-F5344CB8AC3E}">
-        <p14:creationId xmlns:p14="http://schemas.microsoft.com/office/powerpoint/2010/main" val="4123048464"/>
-      </p:ext>
-    </p:extLst>
-  </p:cSld>
-  <p:clrMapOvr>
-    <a:masterClrMapping/>
-  </p:clrMapOvr>
-  <p:timing>
-    <p:tnLst>
-      <p:par>
-        <p:cTn id="1" dur="indefinite" restart="never" nodeType="tmRoot"/>
-      </p:par>
-    </p:tnLst>
-  </p:timing>
-</p:sld>
-</file>
-
 <file path=ppt/slides/slide12.xml><?xml version="1.0" encoding="utf-8"?>
 <p:sld xmlns:a="http://schemas.openxmlformats.org/drawingml/2006/main" xmlns:r="http://schemas.openxmlformats.org/officeDocument/2006/relationships" xmlns:p="http://schemas.openxmlformats.org/presentationml/2006/main">
   <p:cSld>
@@ -5311,35 +5272,16 @@
           <a:lstStyle/>
           <a:p>
             <a:pPr indent="0">
+              <a:spcBef>
+                <a:spcPts val="0"/>
+              </a:spcBef>
               <a:spcAft>
                 <a:spcPts val="0"/>
               </a:spcAft>
               <a:buNone/>
             </a:pPr>
             <a:r>
-              <a:rPr lang="en-US" sz="2400" b="1" smtClean="0">
-                <a:solidFill>
-                  <a:srgbClr val="2B91AF"/>
-                </a:solidFill>
-                <a:latin typeface="Consolas" panose="020B0609020204030204" pitchFamily="49" charset="0"/>
-                <a:ea typeface="Calibri" panose="020F0502020204030204" pitchFamily="34" charset="0"/>
-                <a:cs typeface="Consolas" panose="020B0609020204030204" pitchFamily="49" charset="0"/>
-              </a:rPr>
-              <a:t>IEnumerable</a:t>
-            </a:r>
-            <a:r>
-              <a:rPr lang="en-US" sz="2400" b="1" smtClean="0">
-                <a:solidFill>
-                  <a:srgbClr val="000000"/>
-                </a:solidFill>
-                <a:latin typeface="Consolas" panose="020B0609020204030204" pitchFamily="49" charset="0"/>
-                <a:ea typeface="Calibri" panose="020F0502020204030204" pitchFamily="34" charset="0"/>
-                <a:cs typeface="Consolas" panose="020B0609020204030204" pitchFamily="49" charset="0"/>
-              </a:rPr>
-              <a:t>&lt;</a:t>
-            </a:r>
-            <a:r>
-              <a:rPr lang="en-US" sz="2400" b="1" smtClean="0">
+              <a:rPr lang="en-US" sz="2000" b="1" smtClean="0">
                 <a:solidFill>
                   <a:srgbClr val="0000FF"/>
                 </a:solidFill>
@@ -5347,154 +5289,64 @@
                 <a:ea typeface="Calibri" panose="020F0502020204030204" pitchFamily="34" charset="0"/>
                 <a:cs typeface="Consolas" panose="020B0609020204030204" pitchFamily="49" charset="0"/>
               </a:rPr>
+              <a:t>private</a:t>
+            </a:r>
+            <a:r>
+              <a:rPr lang="en-US" sz="2000" b="1" smtClean="0">
+                <a:solidFill>
+                  <a:srgbClr val="000000"/>
+                </a:solidFill>
+                <a:latin typeface="Consolas" panose="020B0609020204030204" pitchFamily="49" charset="0"/>
+                <a:ea typeface="Calibri" panose="020F0502020204030204" pitchFamily="34" charset="0"/>
+                <a:cs typeface="Consolas" panose="020B0609020204030204" pitchFamily="49" charset="0"/>
+              </a:rPr>
+              <a:t> </a:t>
+            </a:r>
+            <a:r>
+              <a:rPr lang="en-US" sz="2000" b="1">
+                <a:solidFill>
+                  <a:srgbClr val="0000FF"/>
+                </a:solidFill>
+                <a:latin typeface="Consolas" panose="020B0609020204030204" pitchFamily="49" charset="0"/>
+                <a:ea typeface="Calibri" panose="020F0502020204030204" pitchFamily="34" charset="0"/>
+                <a:cs typeface="Consolas" panose="020B0609020204030204" pitchFamily="49" charset="0"/>
+              </a:rPr>
+              <a:t>bool</a:t>
+            </a:r>
+            <a:r>
+              <a:rPr lang="en-US" sz="2000" b="1">
+                <a:solidFill>
+                  <a:srgbClr val="000000"/>
+                </a:solidFill>
+                <a:latin typeface="Consolas" panose="020B0609020204030204" pitchFamily="49" charset="0"/>
+                <a:ea typeface="Calibri" panose="020F0502020204030204" pitchFamily="34" charset="0"/>
+                <a:cs typeface="Consolas" panose="020B0609020204030204" pitchFamily="49" charset="0"/>
+              </a:rPr>
+              <a:t> IsPrime(</a:t>
+            </a:r>
+            <a:r>
+              <a:rPr lang="en-US" sz="2000" b="1">
+                <a:solidFill>
+                  <a:srgbClr val="0000FF"/>
+                </a:solidFill>
+                <a:latin typeface="Consolas" panose="020B0609020204030204" pitchFamily="49" charset="0"/>
+                <a:ea typeface="Calibri" panose="020F0502020204030204" pitchFamily="34" charset="0"/>
+                <a:cs typeface="Consolas" panose="020B0609020204030204" pitchFamily="49" charset="0"/>
+              </a:rPr>
               <a:t>int</a:t>
             </a:r>
             <a:r>
-              <a:rPr lang="en-US" sz="2400" b="1">
-                <a:solidFill>
-                  <a:srgbClr val="000000"/>
-                </a:solidFill>
-                <a:latin typeface="Consolas" panose="020B0609020204030204" pitchFamily="49" charset="0"/>
-                <a:ea typeface="Calibri" panose="020F0502020204030204" pitchFamily="34" charset="0"/>
-                <a:cs typeface="Consolas" panose="020B0609020204030204" pitchFamily="49" charset="0"/>
-              </a:rPr>
-              <a:t>&gt; primes </a:t>
-            </a:r>
-            <a:r>
-              <a:rPr lang="en-US" sz="2400" b="1">
-                <a:solidFill>
-                  <a:srgbClr val="000000"/>
-                </a:solidFill>
-                <a:latin typeface="Consolas" panose="020B0609020204030204" pitchFamily="49" charset="0"/>
-                <a:ea typeface="Calibri" panose="020F0502020204030204" pitchFamily="34" charset="0"/>
-                <a:cs typeface="Consolas" panose="020B0609020204030204" pitchFamily="49" charset="0"/>
-              </a:rPr>
-              <a:t>= </a:t>
-            </a:r>
-            <a:endParaRPr lang="en-US" sz="2400" b="1" smtClean="0">
-              <a:solidFill>
-                <a:srgbClr val="000000"/>
-              </a:solidFill>
-              <a:latin typeface="Consolas" panose="020B0609020204030204" pitchFamily="49" charset="0"/>
-              <a:ea typeface="Calibri" panose="020F0502020204030204" pitchFamily="34" charset="0"/>
-              <a:cs typeface="Consolas" panose="020B0609020204030204" pitchFamily="49" charset="0"/>
-            </a:endParaRPr>
-          </a:p>
-          <a:p>
-            <a:pPr indent="0">
-              <a:spcAft>
-                <a:spcPts val="0"/>
-              </a:spcAft>
-              <a:buNone/>
-            </a:pPr>
-            <a:r>
-              <a:rPr lang="en-US" sz="2400" b="1">
-                <a:solidFill>
-                  <a:srgbClr val="000000"/>
-                </a:solidFill>
-                <a:latin typeface="Consolas" panose="020B0609020204030204" pitchFamily="49" charset="0"/>
-                <a:ea typeface="Calibri" panose="020F0502020204030204" pitchFamily="34" charset="0"/>
-                <a:cs typeface="Consolas" panose="020B0609020204030204" pitchFamily="49" charset="0"/>
-              </a:rPr>
-              <a:t>	</a:t>
-            </a:r>
-            <a:r>
-              <a:rPr lang="en-US" sz="2400" b="1" smtClean="0">
-                <a:solidFill>
-                  <a:srgbClr val="2B91AF"/>
-                </a:solidFill>
-                <a:latin typeface="Consolas" panose="020B0609020204030204" pitchFamily="49" charset="0"/>
-                <a:ea typeface="Calibri" panose="020F0502020204030204" pitchFamily="34" charset="0"/>
-                <a:cs typeface="Consolas" panose="020B0609020204030204" pitchFamily="49" charset="0"/>
-              </a:rPr>
-              <a:t>Enumerable</a:t>
-            </a:r>
-            <a:r>
-              <a:rPr lang="en-US" sz="2400" b="1" smtClean="0">
-                <a:solidFill>
-                  <a:srgbClr val="000000"/>
-                </a:solidFill>
-                <a:latin typeface="Consolas" panose="020B0609020204030204" pitchFamily="49" charset="0"/>
-                <a:ea typeface="Calibri" panose="020F0502020204030204" pitchFamily="34" charset="0"/>
-                <a:cs typeface="Consolas" panose="020B0609020204030204" pitchFamily="49" charset="0"/>
-              </a:rPr>
-              <a:t>.Range(2</a:t>
-            </a:r>
-            <a:r>
-              <a:rPr lang="en-US" sz="2400" b="1">
-                <a:solidFill>
-                  <a:srgbClr val="000000"/>
-                </a:solidFill>
-                <a:latin typeface="Consolas" panose="020B0609020204030204" pitchFamily="49" charset="0"/>
-                <a:ea typeface="Calibri" panose="020F0502020204030204" pitchFamily="34" charset="0"/>
-                <a:cs typeface="Consolas" panose="020B0609020204030204" pitchFamily="49" charset="0"/>
-              </a:rPr>
-              <a:t>, </a:t>
-            </a:r>
-            <a:r>
-              <a:rPr lang="en-US" sz="2400" b="1">
-                <a:solidFill>
-                  <a:srgbClr val="000000"/>
-                </a:solidFill>
-                <a:latin typeface="Consolas" panose="020B0609020204030204" pitchFamily="49" charset="0"/>
-                <a:ea typeface="Calibri" panose="020F0502020204030204" pitchFamily="34" charset="0"/>
-                <a:cs typeface="Consolas" panose="020B0609020204030204" pitchFamily="49" charset="0"/>
-              </a:rPr>
-              <a:t>1000000</a:t>
-            </a:r>
-            <a:r>
-              <a:rPr lang="en-US" sz="2400" b="1" smtClean="0">
-                <a:solidFill>
-                  <a:srgbClr val="000000"/>
-                </a:solidFill>
-                <a:latin typeface="Consolas" panose="020B0609020204030204" pitchFamily="49" charset="0"/>
-                <a:ea typeface="Calibri" panose="020F0502020204030204" pitchFamily="34" charset="0"/>
-                <a:cs typeface="Consolas" panose="020B0609020204030204" pitchFamily="49" charset="0"/>
-              </a:rPr>
-              <a:t>)</a:t>
-            </a:r>
-          </a:p>
-          <a:p>
-            <a:pPr indent="0">
-              <a:spcAft>
-                <a:spcPts val="0"/>
-              </a:spcAft>
-              <a:buNone/>
-            </a:pPr>
-            <a:r>
-              <a:rPr lang="en-US" sz="2400" b="1">
-                <a:solidFill>
-                  <a:srgbClr val="000000"/>
-                </a:solidFill>
-                <a:latin typeface="Consolas" panose="020B0609020204030204" pitchFamily="49" charset="0"/>
-                <a:ea typeface="Calibri" panose="020F0502020204030204" pitchFamily="34" charset="0"/>
-                <a:cs typeface="Consolas" panose="020B0609020204030204" pitchFamily="49" charset="0"/>
-              </a:rPr>
-              <a:t>	</a:t>
-            </a:r>
-            <a:r>
-              <a:rPr lang="en-US" sz="2400" b="1" smtClean="0">
-                <a:solidFill>
-                  <a:srgbClr val="000000"/>
-                </a:solidFill>
-                <a:latin typeface="Consolas" panose="020B0609020204030204" pitchFamily="49" charset="0"/>
-                <a:ea typeface="Calibri" panose="020F0502020204030204" pitchFamily="34" charset="0"/>
-                <a:cs typeface="Consolas" panose="020B0609020204030204" pitchFamily="49" charset="0"/>
-              </a:rPr>
-              <a:t>	.</a:t>
-            </a:r>
-            <a:r>
-              <a:rPr lang="en-US" sz="2400" b="1">
-                <a:solidFill>
-                  <a:srgbClr val="000000"/>
-                </a:solidFill>
-                <a:latin typeface="Consolas" panose="020B0609020204030204" pitchFamily="49" charset="0"/>
-                <a:ea typeface="Calibri" panose="020F0502020204030204" pitchFamily="34" charset="0"/>
-                <a:cs typeface="Consolas" panose="020B0609020204030204" pitchFamily="49" charset="0"/>
-              </a:rPr>
-              <a:t>Where(IsPrime);</a:t>
-            </a:r>
-            <a:endParaRPr lang="da-DK" sz="2400">
+              <a:rPr lang="en-US" sz="2000" b="1">
+                <a:solidFill>
+                  <a:srgbClr val="000000"/>
+                </a:solidFill>
+                <a:latin typeface="Consolas" panose="020B0609020204030204" pitchFamily="49" charset="0"/>
+                <a:ea typeface="Calibri" panose="020F0502020204030204" pitchFamily="34" charset="0"/>
+                <a:cs typeface="Consolas" panose="020B0609020204030204" pitchFamily="49" charset="0"/>
+              </a:rPr>
+              <a:t> number)</a:t>
+            </a:r>
+            <a:endParaRPr lang="da-DK" sz="2000">
               <a:latin typeface="Calibri" panose="020F0502020204030204" pitchFamily="34" charset="0"/>
               <a:ea typeface="Calibri" panose="020F0502020204030204" pitchFamily="34" charset="0"/>
               <a:cs typeface="Times New Roman" panose="02020603050405020304" pitchFamily="18" charset="0"/>
@@ -5510,6 +5362,419 @@
               </a:spcAft>
               <a:buNone/>
             </a:pPr>
+            <a:r>
+              <a:rPr lang="en-US" sz="2000" b="1">
+                <a:solidFill>
+                  <a:srgbClr val="000000"/>
+                </a:solidFill>
+                <a:latin typeface="Consolas" panose="020B0609020204030204" pitchFamily="49" charset="0"/>
+                <a:ea typeface="Calibri" panose="020F0502020204030204" pitchFamily="34" charset="0"/>
+                <a:cs typeface="Consolas" panose="020B0609020204030204" pitchFamily="49" charset="0"/>
+              </a:rPr>
+              <a:t>{</a:t>
+            </a:r>
+            <a:endParaRPr lang="da-DK" sz="2000">
+              <a:latin typeface="Calibri" panose="020F0502020204030204" pitchFamily="34" charset="0"/>
+              <a:ea typeface="Calibri" panose="020F0502020204030204" pitchFamily="34" charset="0"/>
+              <a:cs typeface="Times New Roman" panose="02020603050405020304" pitchFamily="18" charset="0"/>
+            </a:endParaRPr>
+          </a:p>
+          <a:p>
+            <a:pPr marL="457200" indent="0">
+              <a:spcBef>
+                <a:spcPts val="0"/>
+              </a:spcBef>
+              <a:spcAft>
+                <a:spcPts val="0"/>
+              </a:spcAft>
+              <a:buNone/>
+            </a:pPr>
+            <a:r>
+              <a:rPr lang="en-US" sz="2000" b="1">
+                <a:solidFill>
+                  <a:srgbClr val="0000FF"/>
+                </a:solidFill>
+                <a:latin typeface="Consolas" panose="020B0609020204030204" pitchFamily="49" charset="0"/>
+                <a:ea typeface="Calibri" panose="020F0502020204030204" pitchFamily="34" charset="0"/>
+                <a:cs typeface="Consolas" panose="020B0609020204030204" pitchFamily="49" charset="0"/>
+              </a:rPr>
+              <a:t>int</a:t>
+            </a:r>
+            <a:r>
+              <a:rPr lang="en-US" sz="2000" b="1">
+                <a:solidFill>
+                  <a:srgbClr val="000000"/>
+                </a:solidFill>
+                <a:latin typeface="Consolas" panose="020B0609020204030204" pitchFamily="49" charset="0"/>
+                <a:ea typeface="Calibri" panose="020F0502020204030204" pitchFamily="34" charset="0"/>
+                <a:cs typeface="Consolas" panose="020B0609020204030204" pitchFamily="49" charset="0"/>
+              </a:rPr>
+              <a:t> limit = </a:t>
+            </a:r>
+            <a:r>
+              <a:rPr lang="en-US" sz="2000" b="1">
+                <a:solidFill>
+                  <a:srgbClr val="2B91AF"/>
+                </a:solidFill>
+                <a:latin typeface="Consolas" panose="020B0609020204030204" pitchFamily="49" charset="0"/>
+                <a:ea typeface="Calibri" panose="020F0502020204030204" pitchFamily="34" charset="0"/>
+                <a:cs typeface="Consolas" panose="020B0609020204030204" pitchFamily="49" charset="0"/>
+              </a:rPr>
+              <a:t>Convert</a:t>
+            </a:r>
+            <a:r>
+              <a:rPr lang="en-US" sz="2000" b="1">
+                <a:solidFill>
+                  <a:srgbClr val="000000"/>
+                </a:solidFill>
+                <a:latin typeface="Consolas" panose="020B0609020204030204" pitchFamily="49" charset="0"/>
+                <a:ea typeface="Calibri" panose="020F0502020204030204" pitchFamily="34" charset="0"/>
+                <a:cs typeface="Consolas" panose="020B0609020204030204" pitchFamily="49" charset="0"/>
+              </a:rPr>
+              <a:t>.ToInt32(</a:t>
+            </a:r>
+            <a:r>
+              <a:rPr lang="en-US" sz="2000" b="1">
+                <a:solidFill>
+                  <a:srgbClr val="2B91AF"/>
+                </a:solidFill>
+                <a:latin typeface="Consolas" panose="020B0609020204030204" pitchFamily="49" charset="0"/>
+                <a:ea typeface="Calibri" panose="020F0502020204030204" pitchFamily="34" charset="0"/>
+                <a:cs typeface="Consolas" panose="020B0609020204030204" pitchFamily="49" charset="0"/>
+              </a:rPr>
+              <a:t>Math</a:t>
+            </a:r>
+            <a:r>
+              <a:rPr lang="en-US" sz="2000" b="1">
+                <a:solidFill>
+                  <a:srgbClr val="000000"/>
+                </a:solidFill>
+                <a:latin typeface="Consolas" panose="020B0609020204030204" pitchFamily="49" charset="0"/>
+                <a:ea typeface="Calibri" panose="020F0502020204030204" pitchFamily="34" charset="0"/>
+                <a:cs typeface="Consolas" panose="020B0609020204030204" pitchFamily="49" charset="0"/>
+              </a:rPr>
+              <a:t>.Sqrt(number));</a:t>
+            </a:r>
+            <a:endParaRPr lang="da-DK" sz="2000">
+              <a:latin typeface="Calibri" panose="020F0502020204030204" pitchFamily="34" charset="0"/>
+              <a:ea typeface="Calibri" panose="020F0502020204030204" pitchFamily="34" charset="0"/>
+              <a:cs typeface="Times New Roman" panose="02020603050405020304" pitchFamily="18" charset="0"/>
+            </a:endParaRPr>
+          </a:p>
+          <a:p>
+            <a:pPr marL="457200" indent="0">
+              <a:spcBef>
+                <a:spcPts val="0"/>
+              </a:spcBef>
+              <a:spcAft>
+                <a:spcPts val="0"/>
+              </a:spcAft>
+              <a:buNone/>
+            </a:pPr>
+            <a:r>
+              <a:rPr lang="en-US" sz="2000" b="1">
+                <a:solidFill>
+                  <a:srgbClr val="0000FF"/>
+                </a:solidFill>
+                <a:latin typeface="Consolas" panose="020B0609020204030204" pitchFamily="49" charset="0"/>
+                <a:ea typeface="Calibri" panose="020F0502020204030204" pitchFamily="34" charset="0"/>
+                <a:cs typeface="Consolas" panose="020B0609020204030204" pitchFamily="49" charset="0"/>
+              </a:rPr>
+              <a:t>bool</a:t>
+            </a:r>
+            <a:r>
+              <a:rPr lang="en-US" sz="2000" b="1">
+                <a:solidFill>
+                  <a:srgbClr val="000000"/>
+                </a:solidFill>
+                <a:latin typeface="Consolas" panose="020B0609020204030204" pitchFamily="49" charset="0"/>
+                <a:ea typeface="Calibri" panose="020F0502020204030204" pitchFamily="34" charset="0"/>
+                <a:cs typeface="Consolas" panose="020B0609020204030204" pitchFamily="49" charset="0"/>
+              </a:rPr>
+              <a:t> isPrime = </a:t>
+            </a:r>
+            <a:r>
+              <a:rPr lang="en-US" sz="2000" b="1">
+                <a:solidFill>
+                  <a:srgbClr val="0000FF"/>
+                </a:solidFill>
+                <a:latin typeface="Consolas" panose="020B0609020204030204" pitchFamily="49" charset="0"/>
+                <a:ea typeface="Calibri" panose="020F0502020204030204" pitchFamily="34" charset="0"/>
+                <a:cs typeface="Consolas" panose="020B0609020204030204" pitchFamily="49" charset="0"/>
+              </a:rPr>
+              <a:t>true</a:t>
+            </a:r>
+            <a:r>
+              <a:rPr lang="en-US" sz="2000" b="1">
+                <a:solidFill>
+                  <a:srgbClr val="000000"/>
+                </a:solidFill>
+                <a:latin typeface="Consolas" panose="020B0609020204030204" pitchFamily="49" charset="0"/>
+                <a:ea typeface="Calibri" panose="020F0502020204030204" pitchFamily="34" charset="0"/>
+                <a:cs typeface="Consolas" panose="020B0609020204030204" pitchFamily="49" charset="0"/>
+              </a:rPr>
+              <a:t>;</a:t>
+            </a:r>
+            <a:endParaRPr lang="da-DK" sz="2000">
+              <a:latin typeface="Calibri" panose="020F0502020204030204" pitchFamily="34" charset="0"/>
+              <a:ea typeface="Calibri" panose="020F0502020204030204" pitchFamily="34" charset="0"/>
+              <a:cs typeface="Times New Roman" panose="02020603050405020304" pitchFamily="18" charset="0"/>
+            </a:endParaRPr>
+          </a:p>
+          <a:p>
+            <a:pPr marL="457200" indent="0">
+              <a:spcBef>
+                <a:spcPts val="0"/>
+              </a:spcBef>
+              <a:spcAft>
+                <a:spcPts val="0"/>
+              </a:spcAft>
+              <a:buNone/>
+            </a:pPr>
+            <a:r>
+              <a:rPr lang="en-US" sz="2000" b="1">
+                <a:solidFill>
+                  <a:srgbClr val="000000"/>
+                </a:solidFill>
+                <a:latin typeface="Consolas" panose="020B0609020204030204" pitchFamily="49" charset="0"/>
+                <a:ea typeface="Calibri" panose="020F0502020204030204" pitchFamily="34" charset="0"/>
+                <a:cs typeface="Consolas" panose="020B0609020204030204" pitchFamily="49" charset="0"/>
+              </a:rPr>
+              <a:t> </a:t>
+            </a:r>
+            <a:endParaRPr lang="da-DK" sz="2000">
+              <a:latin typeface="Calibri" panose="020F0502020204030204" pitchFamily="34" charset="0"/>
+              <a:ea typeface="Calibri" panose="020F0502020204030204" pitchFamily="34" charset="0"/>
+              <a:cs typeface="Times New Roman" panose="02020603050405020304" pitchFamily="18" charset="0"/>
+            </a:endParaRPr>
+          </a:p>
+          <a:p>
+            <a:pPr marL="457200" indent="0">
+              <a:spcBef>
+                <a:spcPts val="0"/>
+              </a:spcBef>
+              <a:spcAft>
+                <a:spcPts val="0"/>
+              </a:spcAft>
+              <a:buNone/>
+            </a:pPr>
+            <a:r>
+              <a:rPr lang="en-US" sz="2000" b="1">
+                <a:solidFill>
+                  <a:srgbClr val="0000FF"/>
+                </a:solidFill>
+                <a:latin typeface="Consolas" panose="020B0609020204030204" pitchFamily="49" charset="0"/>
+                <a:ea typeface="Calibri" panose="020F0502020204030204" pitchFamily="34" charset="0"/>
+                <a:cs typeface="Consolas" panose="020B0609020204030204" pitchFamily="49" charset="0"/>
+              </a:rPr>
+              <a:t>for</a:t>
+            </a:r>
+            <a:r>
+              <a:rPr lang="en-US" sz="2000" b="1">
+                <a:solidFill>
+                  <a:srgbClr val="000000"/>
+                </a:solidFill>
+                <a:latin typeface="Consolas" panose="020B0609020204030204" pitchFamily="49" charset="0"/>
+                <a:ea typeface="Calibri" panose="020F0502020204030204" pitchFamily="34" charset="0"/>
+                <a:cs typeface="Consolas" panose="020B0609020204030204" pitchFamily="49" charset="0"/>
+              </a:rPr>
+              <a:t> (</a:t>
+            </a:r>
+            <a:r>
+              <a:rPr lang="en-US" sz="2000" b="1">
+                <a:solidFill>
+                  <a:srgbClr val="0000FF"/>
+                </a:solidFill>
+                <a:latin typeface="Consolas" panose="020B0609020204030204" pitchFamily="49" charset="0"/>
+                <a:ea typeface="Calibri" panose="020F0502020204030204" pitchFamily="34" charset="0"/>
+                <a:cs typeface="Consolas" panose="020B0609020204030204" pitchFamily="49" charset="0"/>
+              </a:rPr>
+              <a:t>int</a:t>
+            </a:r>
+            <a:r>
+              <a:rPr lang="en-US" sz="2000" b="1">
+                <a:solidFill>
+                  <a:srgbClr val="000000"/>
+                </a:solidFill>
+                <a:latin typeface="Consolas" panose="020B0609020204030204" pitchFamily="49" charset="0"/>
+                <a:ea typeface="Calibri" panose="020F0502020204030204" pitchFamily="34" charset="0"/>
+                <a:cs typeface="Consolas" panose="020B0609020204030204" pitchFamily="49" charset="0"/>
+              </a:rPr>
+              <a:t> i = 2; i &lt;= limit &amp;&amp; isPrime; i++)</a:t>
+            </a:r>
+            <a:endParaRPr lang="da-DK" sz="2000">
+              <a:latin typeface="Calibri" panose="020F0502020204030204" pitchFamily="34" charset="0"/>
+              <a:ea typeface="Calibri" panose="020F0502020204030204" pitchFamily="34" charset="0"/>
+              <a:cs typeface="Times New Roman" panose="02020603050405020304" pitchFamily="18" charset="0"/>
+            </a:endParaRPr>
+          </a:p>
+          <a:p>
+            <a:pPr marL="457200" indent="0">
+              <a:spcBef>
+                <a:spcPts val="0"/>
+              </a:spcBef>
+              <a:spcAft>
+                <a:spcPts val="0"/>
+              </a:spcAft>
+              <a:buNone/>
+            </a:pPr>
+            <a:r>
+              <a:rPr lang="en-US" sz="2000" b="1">
+                <a:solidFill>
+                  <a:srgbClr val="000000"/>
+                </a:solidFill>
+                <a:latin typeface="Consolas" panose="020B0609020204030204" pitchFamily="49" charset="0"/>
+                <a:ea typeface="Calibri" panose="020F0502020204030204" pitchFamily="34" charset="0"/>
+                <a:cs typeface="Consolas" panose="020B0609020204030204" pitchFamily="49" charset="0"/>
+              </a:rPr>
+              <a:t>{</a:t>
+            </a:r>
+            <a:endParaRPr lang="da-DK" sz="2000">
+              <a:latin typeface="Calibri" panose="020F0502020204030204" pitchFamily="34" charset="0"/>
+              <a:ea typeface="Calibri" panose="020F0502020204030204" pitchFamily="34" charset="0"/>
+              <a:cs typeface="Times New Roman" panose="02020603050405020304" pitchFamily="18" charset="0"/>
+            </a:endParaRPr>
+          </a:p>
+          <a:p>
+            <a:pPr marL="914400" indent="0">
+              <a:spcBef>
+                <a:spcPts val="0"/>
+              </a:spcBef>
+              <a:spcAft>
+                <a:spcPts val="0"/>
+              </a:spcAft>
+              <a:buNone/>
+            </a:pPr>
+            <a:r>
+              <a:rPr lang="en-US" sz="2000" b="1">
+                <a:solidFill>
+                  <a:srgbClr val="000000"/>
+                </a:solidFill>
+                <a:latin typeface="Consolas" panose="020B0609020204030204" pitchFamily="49" charset="0"/>
+                <a:ea typeface="Calibri" panose="020F0502020204030204" pitchFamily="34" charset="0"/>
+                <a:cs typeface="Consolas" panose="020B0609020204030204" pitchFamily="49" charset="0"/>
+              </a:rPr>
+              <a:t>isPrime = number % i != 0;</a:t>
+            </a:r>
+            <a:endParaRPr lang="da-DK" sz="2000">
+              <a:latin typeface="Calibri" panose="020F0502020204030204" pitchFamily="34" charset="0"/>
+              <a:ea typeface="Calibri" panose="020F0502020204030204" pitchFamily="34" charset="0"/>
+              <a:cs typeface="Times New Roman" panose="02020603050405020304" pitchFamily="18" charset="0"/>
+            </a:endParaRPr>
+          </a:p>
+          <a:p>
+            <a:pPr marL="457200" indent="0">
+              <a:spcBef>
+                <a:spcPts val="0"/>
+              </a:spcBef>
+              <a:spcAft>
+                <a:spcPts val="0"/>
+              </a:spcAft>
+              <a:buNone/>
+            </a:pPr>
+            <a:r>
+              <a:rPr lang="en-US" sz="2000" b="1">
+                <a:solidFill>
+                  <a:srgbClr val="000000"/>
+                </a:solidFill>
+                <a:latin typeface="Consolas" panose="020B0609020204030204" pitchFamily="49" charset="0"/>
+                <a:ea typeface="Calibri" panose="020F0502020204030204" pitchFamily="34" charset="0"/>
+                <a:cs typeface="Consolas" panose="020B0609020204030204" pitchFamily="49" charset="0"/>
+              </a:rPr>
+              <a:t>}</a:t>
+            </a:r>
+            <a:endParaRPr lang="da-DK" sz="2000">
+              <a:latin typeface="Calibri" panose="020F0502020204030204" pitchFamily="34" charset="0"/>
+              <a:ea typeface="Calibri" panose="020F0502020204030204" pitchFamily="34" charset="0"/>
+              <a:cs typeface="Times New Roman" panose="02020603050405020304" pitchFamily="18" charset="0"/>
+            </a:endParaRPr>
+          </a:p>
+          <a:p>
+            <a:pPr marL="0" indent="0">
+              <a:spcBef>
+                <a:spcPts val="0"/>
+              </a:spcBef>
+              <a:spcAft>
+                <a:spcPts val="0"/>
+              </a:spcAft>
+              <a:buNone/>
+            </a:pPr>
+            <a:r>
+              <a:rPr lang="en-US" sz="2000" b="1">
+                <a:solidFill>
+                  <a:srgbClr val="000000"/>
+                </a:solidFill>
+                <a:latin typeface="Consolas" panose="020B0609020204030204" pitchFamily="49" charset="0"/>
+                <a:ea typeface="Calibri" panose="020F0502020204030204" pitchFamily="34" charset="0"/>
+                <a:cs typeface="Consolas" panose="020B0609020204030204" pitchFamily="49" charset="0"/>
+              </a:rPr>
+              <a:t> </a:t>
+            </a:r>
+            <a:endParaRPr lang="da-DK" sz="2000">
+              <a:latin typeface="Calibri" panose="020F0502020204030204" pitchFamily="34" charset="0"/>
+              <a:ea typeface="Calibri" panose="020F0502020204030204" pitchFamily="34" charset="0"/>
+              <a:cs typeface="Times New Roman" panose="02020603050405020304" pitchFamily="18" charset="0"/>
+            </a:endParaRPr>
+          </a:p>
+          <a:p>
+            <a:pPr marL="457200" indent="0">
+              <a:spcBef>
+                <a:spcPts val="0"/>
+              </a:spcBef>
+              <a:spcAft>
+                <a:spcPts val="0"/>
+              </a:spcAft>
+              <a:buNone/>
+            </a:pPr>
+            <a:r>
+              <a:rPr lang="en-US" sz="2000" b="1">
+                <a:solidFill>
+                  <a:srgbClr val="0000FF"/>
+                </a:solidFill>
+                <a:latin typeface="Consolas" panose="020B0609020204030204" pitchFamily="49" charset="0"/>
+                <a:ea typeface="Calibri" panose="020F0502020204030204" pitchFamily="34" charset="0"/>
+                <a:cs typeface="Consolas" panose="020B0609020204030204" pitchFamily="49" charset="0"/>
+              </a:rPr>
+              <a:t>return</a:t>
+            </a:r>
+            <a:r>
+              <a:rPr lang="en-US" sz="2000" b="1">
+                <a:solidFill>
+                  <a:srgbClr val="000000"/>
+                </a:solidFill>
+                <a:latin typeface="Consolas" panose="020B0609020204030204" pitchFamily="49" charset="0"/>
+                <a:ea typeface="Calibri" panose="020F0502020204030204" pitchFamily="34" charset="0"/>
+                <a:cs typeface="Consolas" panose="020B0609020204030204" pitchFamily="49" charset="0"/>
+              </a:rPr>
+              <a:t> isPrime;</a:t>
+            </a:r>
+            <a:endParaRPr lang="da-DK" sz="2000">
+              <a:latin typeface="Calibri" panose="020F0502020204030204" pitchFamily="34" charset="0"/>
+              <a:ea typeface="Calibri" panose="020F0502020204030204" pitchFamily="34" charset="0"/>
+              <a:cs typeface="Times New Roman" panose="02020603050405020304" pitchFamily="18" charset="0"/>
+            </a:endParaRPr>
+          </a:p>
+          <a:p>
+            <a:pPr indent="0">
+              <a:spcBef>
+                <a:spcPts val="0"/>
+              </a:spcBef>
+              <a:spcAft>
+                <a:spcPts val="0"/>
+              </a:spcAft>
+              <a:buNone/>
+            </a:pPr>
+            <a:r>
+              <a:rPr lang="en-US" sz="2000" b="1">
+                <a:solidFill>
+                  <a:srgbClr val="000000"/>
+                </a:solidFill>
+                <a:latin typeface="Consolas" panose="020B0609020204030204" pitchFamily="49" charset="0"/>
+                <a:ea typeface="Calibri" panose="020F0502020204030204" pitchFamily="34" charset="0"/>
+                <a:cs typeface="Consolas" panose="020B0609020204030204" pitchFamily="49" charset="0"/>
+              </a:rPr>
+              <a:t>}</a:t>
+            </a:r>
             <a:endParaRPr lang="da-DK" sz="2000">
               <a:latin typeface="Calibri" panose="020F0502020204030204" pitchFamily="34" charset="0"/>
               <a:ea typeface="Calibri" panose="020F0502020204030204" pitchFamily="34" charset="0"/>
@@ -5647,7 +5912,7 @@
     </p:spTree>
     <p:extLst>
       <p:ext uri="{BB962C8B-B14F-4D97-AF65-F5344CB8AC3E}">
-        <p14:creationId xmlns:p14="http://schemas.microsoft.com/office/powerpoint/2010/main" val="4207280079"/>
+        <p14:creationId xmlns:p14="http://schemas.microsoft.com/office/powerpoint/2010/main" val="4123048464"/>
       </p:ext>
     </p:extLst>
   </p:cSld>
@@ -5774,18 +6039,7 @@
                 <a:ea typeface="Calibri" panose="020F0502020204030204" pitchFamily="34" charset="0"/>
                 <a:cs typeface="Consolas" panose="020B0609020204030204" pitchFamily="49" charset="0"/>
               </a:rPr>
-              <a:t>&gt; primes </a:t>
-            </a:r>
-            <a:r>
-              <a:rPr lang="en-US" sz="2400" b="1">
-                <a:solidFill>
-                  <a:srgbClr val="000000"/>
-                </a:solidFill>
-                <a:latin typeface="Consolas" panose="020B0609020204030204" pitchFamily="49" charset="0"/>
-                <a:ea typeface="Calibri" panose="020F0502020204030204" pitchFamily="34" charset="0"/>
-                <a:cs typeface="Consolas" panose="020B0609020204030204" pitchFamily="49" charset="0"/>
-              </a:rPr>
-              <a:t>= </a:t>
+              <a:t>&gt; primes = </a:t>
             </a:r>
             <a:endParaRPr lang="en-US" sz="2400" b="1" smtClean="0">
               <a:solidFill>
@@ -5845,18 +6099,7 @@
                 <a:ea typeface="Calibri" panose="020F0502020204030204" pitchFamily="34" charset="0"/>
                 <a:cs typeface="Consolas" panose="020B0609020204030204" pitchFamily="49" charset="0"/>
               </a:rPr>
-              <a:t>, </a:t>
-            </a:r>
-            <a:r>
-              <a:rPr lang="en-US" sz="2400" b="1">
-                <a:solidFill>
-                  <a:srgbClr val="000000"/>
-                </a:solidFill>
-                <a:latin typeface="Consolas" panose="020B0609020204030204" pitchFamily="49" charset="0"/>
-                <a:ea typeface="Calibri" panose="020F0502020204030204" pitchFamily="34" charset="0"/>
-                <a:cs typeface="Consolas" panose="020B0609020204030204" pitchFamily="49" charset="0"/>
-              </a:rPr>
-              <a:t>1000000</a:t>
+              <a:t>, 1000000</a:t>
             </a:r>
             <a:r>
               <a:rPr lang="en-US" sz="2400" b="1" smtClean="0">
@@ -5869,61 +6112,6 @@
               </a:rPr>
               <a:t>)</a:t>
             </a:r>
-          </a:p>
-          <a:p>
-            <a:pPr indent="0">
-              <a:spcBef>
-                <a:spcPts val="0"/>
-              </a:spcBef>
-              <a:spcAft>
-                <a:spcPts val="0"/>
-              </a:spcAft>
-              <a:buNone/>
-            </a:pPr>
-            <a:r>
-              <a:rPr lang="en-US" sz="2400" b="1" smtClean="0">
-                <a:solidFill>
-                  <a:srgbClr val="000000"/>
-                </a:solidFill>
-                <a:latin typeface="Consolas" panose="020B0609020204030204" pitchFamily="49" charset="0"/>
-                <a:ea typeface="Calibri" panose="020F0502020204030204" pitchFamily="34" charset="0"/>
-                <a:cs typeface="Consolas" panose="020B0609020204030204" pitchFamily="49" charset="0"/>
-              </a:rPr>
-              <a:t>   		</a:t>
-            </a:r>
-            <a:r>
-              <a:rPr lang="en-US" sz="2400" b="1" smtClean="0">
-                <a:solidFill>
-                  <a:srgbClr val="000000"/>
-                </a:solidFill>
-                <a:highlight>
-                  <a:srgbClr val="FFFF00"/>
-                </a:highlight>
-                <a:latin typeface="Consolas" panose="020B0609020204030204" pitchFamily="49" charset="0"/>
-                <a:ea typeface="Calibri" panose="020F0502020204030204" pitchFamily="34" charset="0"/>
-                <a:cs typeface="Consolas" panose="020B0609020204030204" pitchFamily="49" charset="0"/>
-              </a:rPr>
-              <a:t>.AsParallel</a:t>
-            </a:r>
-            <a:r>
-              <a:rPr lang="en-US" sz="2400" b="1">
-                <a:solidFill>
-                  <a:srgbClr val="000000"/>
-                </a:solidFill>
-                <a:highlight>
-                  <a:srgbClr val="FFFF00"/>
-                </a:highlight>
-                <a:latin typeface="Consolas" panose="020B0609020204030204" pitchFamily="49" charset="0"/>
-                <a:ea typeface="Calibri" panose="020F0502020204030204" pitchFamily="34" charset="0"/>
-                <a:cs typeface="Consolas" panose="020B0609020204030204" pitchFamily="49" charset="0"/>
-              </a:rPr>
-              <a:t>()</a:t>
-            </a:r>
-            <a:endParaRPr lang="da-DK" sz="2400">
-              <a:latin typeface="Calibri" panose="020F0502020204030204" pitchFamily="34" charset="0"/>
-              <a:ea typeface="Calibri" panose="020F0502020204030204" pitchFamily="34" charset="0"/>
-              <a:cs typeface="Times New Roman" panose="02020603050405020304" pitchFamily="18" charset="0"/>
-            </a:endParaRPr>
           </a:p>
           <a:p>
             <a:pPr indent="0">
@@ -6118,25 +6306,13 @@
     </p:spTree>
     <p:extLst>
       <p:ext uri="{BB962C8B-B14F-4D97-AF65-F5344CB8AC3E}">
-        <p14:creationId xmlns:p14="http://schemas.microsoft.com/office/powerpoint/2010/main" val="2890660660"/>
+        <p14:creationId xmlns:p14="http://schemas.microsoft.com/office/powerpoint/2010/main" val="4207280079"/>
       </p:ext>
     </p:extLst>
   </p:cSld>
   <p:clrMapOvr>
     <a:masterClrMapping/>
   </p:clrMapOvr>
-  <mc:AlternateContent xmlns:mc="http://schemas.openxmlformats.org/markup-compatibility/2006">
-    <mc:Choice xmlns:p14="http://schemas.microsoft.com/office/powerpoint/2010/main" Requires="p14">
-      <p:transition spd="med" p14:dur="700">
-        <p:fade/>
-      </p:transition>
-    </mc:Choice>
-    <mc:Fallback>
-      <p:transition spd="med">
-        <p:fade/>
-      </p:transition>
-    </mc:Fallback>
-  </mc:AlternateContent>
   <p:timing>
     <p:tnLst>
       <p:par>
@@ -6197,70 +6373,407 @@
             <p:ph idx="1"/>
           </p:nvPr>
         </p:nvSpPr>
-        <p:spPr/>
+        <p:spPr>
+          <a:xfrm>
+            <a:off x="838200" y="1934308"/>
+            <a:ext cx="10515600" cy="4478849"/>
+          </a:xfrm>
+        </p:spPr>
         <p:txBody>
-          <a:bodyPr/>
+          <a:bodyPr>
+            <a:normAutofit/>
+          </a:bodyPr>
           <a:lstStyle/>
           <a:p>
-            <a:r>
-              <a:rPr lang="da-DK" b="1" smtClean="0"/>
-              <a:t>AsParallel</a:t>
-            </a:r>
-            <a:r>
-              <a:rPr lang="da-DK" smtClean="0"/>
-              <a:t>: Switch </a:t>
-            </a:r>
-            <a:r>
-              <a:rPr lang="da-DK" u="sng" smtClean="0"/>
-              <a:t>on</a:t>
-            </a:r>
-            <a:r>
-              <a:rPr lang="da-DK" smtClean="0"/>
-              <a:t> parallel execution for remainder of query</a:t>
-            </a:r>
-          </a:p>
-          <a:p>
-            <a:r>
-              <a:rPr lang="da-DK" b="1" smtClean="0"/>
-              <a:t>AsSequential</a:t>
-            </a:r>
-            <a:r>
-              <a:rPr lang="da-DK" smtClean="0"/>
-              <a:t>: </a:t>
-            </a:r>
-            <a:r>
-              <a:rPr lang="da-DK"/>
-              <a:t>Switch </a:t>
-            </a:r>
-            <a:r>
-              <a:rPr lang="da-DK" u="sng" smtClean="0"/>
-              <a:t>off</a:t>
-            </a:r>
-            <a:r>
-              <a:rPr lang="da-DK" smtClean="0"/>
-              <a:t> </a:t>
-            </a:r>
-            <a:r>
-              <a:rPr lang="da-DK"/>
-              <a:t>parallel execution for remainder of query</a:t>
-            </a:r>
-            <a:endParaRPr lang="da-DK" smtClean="0"/>
-          </a:p>
-          <a:p>
-            <a:endParaRPr lang="da-DK"/>
+            <a:pPr indent="0">
+              <a:spcAft>
+                <a:spcPts val="0"/>
+              </a:spcAft>
+              <a:buNone/>
+            </a:pPr>
+            <a:r>
+              <a:rPr lang="en-US" sz="2400" b="1" smtClean="0">
+                <a:solidFill>
+                  <a:srgbClr val="2B91AF"/>
+                </a:solidFill>
+                <a:latin typeface="Consolas" panose="020B0609020204030204" pitchFamily="49" charset="0"/>
+                <a:ea typeface="Calibri" panose="020F0502020204030204" pitchFamily="34" charset="0"/>
+                <a:cs typeface="Consolas" panose="020B0609020204030204" pitchFamily="49" charset="0"/>
+              </a:rPr>
+              <a:t>IEnumerable</a:t>
+            </a:r>
+            <a:r>
+              <a:rPr lang="en-US" sz="2400" b="1" smtClean="0">
+                <a:solidFill>
+                  <a:srgbClr val="000000"/>
+                </a:solidFill>
+                <a:latin typeface="Consolas" panose="020B0609020204030204" pitchFamily="49" charset="0"/>
+                <a:ea typeface="Calibri" panose="020F0502020204030204" pitchFamily="34" charset="0"/>
+                <a:cs typeface="Consolas" panose="020B0609020204030204" pitchFamily="49" charset="0"/>
+              </a:rPr>
+              <a:t>&lt;</a:t>
+            </a:r>
+            <a:r>
+              <a:rPr lang="en-US" sz="2400" b="1" smtClean="0">
+                <a:solidFill>
+                  <a:srgbClr val="0000FF"/>
+                </a:solidFill>
+                <a:latin typeface="Consolas" panose="020B0609020204030204" pitchFamily="49" charset="0"/>
+                <a:ea typeface="Calibri" panose="020F0502020204030204" pitchFamily="34" charset="0"/>
+                <a:cs typeface="Consolas" panose="020B0609020204030204" pitchFamily="49" charset="0"/>
+              </a:rPr>
+              <a:t>int</a:t>
+            </a:r>
+            <a:r>
+              <a:rPr lang="en-US" sz="2400" b="1">
+                <a:solidFill>
+                  <a:srgbClr val="000000"/>
+                </a:solidFill>
+                <a:latin typeface="Consolas" panose="020B0609020204030204" pitchFamily="49" charset="0"/>
+                <a:ea typeface="Calibri" panose="020F0502020204030204" pitchFamily="34" charset="0"/>
+                <a:cs typeface="Consolas" panose="020B0609020204030204" pitchFamily="49" charset="0"/>
+              </a:rPr>
+              <a:t>&gt; primes = </a:t>
+            </a:r>
+            <a:endParaRPr lang="en-US" sz="2400" b="1" smtClean="0">
+              <a:solidFill>
+                <a:srgbClr val="000000"/>
+              </a:solidFill>
+              <a:latin typeface="Consolas" panose="020B0609020204030204" pitchFamily="49" charset="0"/>
+              <a:ea typeface="Calibri" panose="020F0502020204030204" pitchFamily="34" charset="0"/>
+              <a:cs typeface="Consolas" panose="020B0609020204030204" pitchFamily="49" charset="0"/>
+            </a:endParaRPr>
+          </a:p>
+          <a:p>
+            <a:pPr indent="0">
+              <a:spcAft>
+                <a:spcPts val="0"/>
+              </a:spcAft>
+              <a:buNone/>
+            </a:pPr>
+            <a:r>
+              <a:rPr lang="en-US" sz="2400" b="1">
+                <a:solidFill>
+                  <a:srgbClr val="000000"/>
+                </a:solidFill>
+                <a:latin typeface="Consolas" panose="020B0609020204030204" pitchFamily="49" charset="0"/>
+                <a:ea typeface="Calibri" panose="020F0502020204030204" pitchFamily="34" charset="0"/>
+                <a:cs typeface="Consolas" panose="020B0609020204030204" pitchFamily="49" charset="0"/>
+              </a:rPr>
+              <a:t>	</a:t>
+            </a:r>
+            <a:r>
+              <a:rPr lang="en-US" sz="2400" b="1" smtClean="0">
+                <a:solidFill>
+                  <a:srgbClr val="2B91AF"/>
+                </a:solidFill>
+                <a:latin typeface="Consolas" panose="020B0609020204030204" pitchFamily="49" charset="0"/>
+                <a:ea typeface="Calibri" panose="020F0502020204030204" pitchFamily="34" charset="0"/>
+                <a:cs typeface="Consolas" panose="020B0609020204030204" pitchFamily="49" charset="0"/>
+              </a:rPr>
+              <a:t>Enumerable</a:t>
+            </a:r>
+            <a:r>
+              <a:rPr lang="en-US" sz="2400" b="1" smtClean="0">
+                <a:solidFill>
+                  <a:srgbClr val="000000"/>
+                </a:solidFill>
+                <a:latin typeface="Consolas" panose="020B0609020204030204" pitchFamily="49" charset="0"/>
+                <a:ea typeface="Calibri" panose="020F0502020204030204" pitchFamily="34" charset="0"/>
+                <a:cs typeface="Consolas" panose="020B0609020204030204" pitchFamily="49" charset="0"/>
+              </a:rPr>
+              <a:t>.Range(2</a:t>
+            </a:r>
+            <a:r>
+              <a:rPr lang="en-US" sz="2400" b="1">
+                <a:solidFill>
+                  <a:srgbClr val="000000"/>
+                </a:solidFill>
+                <a:latin typeface="Consolas" panose="020B0609020204030204" pitchFamily="49" charset="0"/>
+                <a:ea typeface="Calibri" panose="020F0502020204030204" pitchFamily="34" charset="0"/>
+                <a:cs typeface="Consolas" panose="020B0609020204030204" pitchFamily="49" charset="0"/>
+              </a:rPr>
+              <a:t>, 1000000</a:t>
+            </a:r>
+            <a:r>
+              <a:rPr lang="en-US" sz="2400" b="1" smtClean="0">
+                <a:solidFill>
+                  <a:srgbClr val="000000"/>
+                </a:solidFill>
+                <a:latin typeface="Consolas" panose="020B0609020204030204" pitchFamily="49" charset="0"/>
+                <a:ea typeface="Calibri" panose="020F0502020204030204" pitchFamily="34" charset="0"/>
+                <a:cs typeface="Consolas" panose="020B0609020204030204" pitchFamily="49" charset="0"/>
+              </a:rPr>
+              <a:t>)</a:t>
+            </a:r>
+          </a:p>
+          <a:p>
+            <a:pPr indent="0">
+              <a:spcBef>
+                <a:spcPts val="0"/>
+              </a:spcBef>
+              <a:spcAft>
+                <a:spcPts val="0"/>
+              </a:spcAft>
+              <a:buNone/>
+            </a:pPr>
+            <a:r>
+              <a:rPr lang="en-US" sz="2400" b="1" smtClean="0">
+                <a:solidFill>
+                  <a:srgbClr val="000000"/>
+                </a:solidFill>
+                <a:latin typeface="Consolas" panose="020B0609020204030204" pitchFamily="49" charset="0"/>
+                <a:ea typeface="Calibri" panose="020F0502020204030204" pitchFamily="34" charset="0"/>
+                <a:cs typeface="Consolas" panose="020B0609020204030204" pitchFamily="49" charset="0"/>
+              </a:rPr>
+              <a:t>   		</a:t>
+            </a:r>
+            <a:r>
+              <a:rPr lang="en-US" sz="2400" b="1" smtClean="0">
+                <a:solidFill>
+                  <a:srgbClr val="000000"/>
+                </a:solidFill>
+                <a:highlight>
+                  <a:srgbClr val="FFFF00"/>
+                </a:highlight>
+                <a:latin typeface="Consolas" panose="020B0609020204030204" pitchFamily="49" charset="0"/>
+                <a:ea typeface="Calibri" panose="020F0502020204030204" pitchFamily="34" charset="0"/>
+                <a:cs typeface="Consolas" panose="020B0609020204030204" pitchFamily="49" charset="0"/>
+              </a:rPr>
+              <a:t>.AsParallel</a:t>
+            </a:r>
+            <a:r>
+              <a:rPr lang="en-US" sz="2400" b="1">
+                <a:solidFill>
+                  <a:srgbClr val="000000"/>
+                </a:solidFill>
+                <a:highlight>
+                  <a:srgbClr val="FFFF00"/>
+                </a:highlight>
+                <a:latin typeface="Consolas" panose="020B0609020204030204" pitchFamily="49" charset="0"/>
+                <a:ea typeface="Calibri" panose="020F0502020204030204" pitchFamily="34" charset="0"/>
+                <a:cs typeface="Consolas" panose="020B0609020204030204" pitchFamily="49" charset="0"/>
+              </a:rPr>
+              <a:t>()</a:t>
+            </a:r>
+            <a:endParaRPr lang="da-DK" sz="2400">
+              <a:latin typeface="Calibri" panose="020F0502020204030204" pitchFamily="34" charset="0"/>
+              <a:ea typeface="Calibri" panose="020F0502020204030204" pitchFamily="34" charset="0"/>
+              <a:cs typeface="Times New Roman" panose="02020603050405020304" pitchFamily="18" charset="0"/>
+            </a:endParaRPr>
+          </a:p>
+          <a:p>
+            <a:pPr indent="0">
+              <a:spcAft>
+                <a:spcPts val="0"/>
+              </a:spcAft>
+              <a:buNone/>
+            </a:pPr>
+            <a:r>
+              <a:rPr lang="en-US" sz="2400" b="1">
+                <a:solidFill>
+                  <a:srgbClr val="000000"/>
+                </a:solidFill>
+                <a:latin typeface="Consolas" panose="020B0609020204030204" pitchFamily="49" charset="0"/>
+                <a:ea typeface="Calibri" panose="020F0502020204030204" pitchFamily="34" charset="0"/>
+                <a:cs typeface="Consolas" panose="020B0609020204030204" pitchFamily="49" charset="0"/>
+              </a:rPr>
+              <a:t>	</a:t>
+            </a:r>
+            <a:r>
+              <a:rPr lang="en-US" sz="2400" b="1" smtClean="0">
+                <a:solidFill>
+                  <a:srgbClr val="000000"/>
+                </a:solidFill>
+                <a:latin typeface="Consolas" panose="020B0609020204030204" pitchFamily="49" charset="0"/>
+                <a:ea typeface="Calibri" panose="020F0502020204030204" pitchFamily="34" charset="0"/>
+                <a:cs typeface="Consolas" panose="020B0609020204030204" pitchFamily="49" charset="0"/>
+              </a:rPr>
+              <a:t>	.</a:t>
+            </a:r>
+            <a:r>
+              <a:rPr lang="en-US" sz="2400" b="1">
+                <a:solidFill>
+                  <a:srgbClr val="000000"/>
+                </a:solidFill>
+                <a:latin typeface="Consolas" panose="020B0609020204030204" pitchFamily="49" charset="0"/>
+                <a:ea typeface="Calibri" panose="020F0502020204030204" pitchFamily="34" charset="0"/>
+                <a:cs typeface="Consolas" panose="020B0609020204030204" pitchFamily="49" charset="0"/>
+              </a:rPr>
+              <a:t>Where(IsPrime);</a:t>
+            </a:r>
+            <a:endParaRPr lang="da-DK" sz="2400">
+              <a:latin typeface="Calibri" panose="020F0502020204030204" pitchFamily="34" charset="0"/>
+              <a:ea typeface="Calibri" panose="020F0502020204030204" pitchFamily="34" charset="0"/>
+              <a:cs typeface="Times New Roman" panose="02020603050405020304" pitchFamily="18" charset="0"/>
+            </a:endParaRPr>
+          </a:p>
+          <a:p>
+            <a:pPr indent="0">
+              <a:spcBef>
+                <a:spcPts val="0"/>
+              </a:spcBef>
+              <a:spcAft>
+                <a:spcPts val="0"/>
+              </a:spcAft>
+              <a:buNone/>
+            </a:pPr>
+            <a:endParaRPr lang="da-DK" sz="2000">
+              <a:latin typeface="Calibri" panose="020F0502020204030204" pitchFamily="34" charset="0"/>
+              <a:ea typeface="Calibri" panose="020F0502020204030204" pitchFamily="34" charset="0"/>
+              <a:cs typeface="Times New Roman" panose="02020603050405020304" pitchFamily="18" charset="0"/>
+            </a:endParaRPr>
+          </a:p>
+          <a:p>
+            <a:pPr indent="0">
+              <a:spcBef>
+                <a:spcPts val="0"/>
+              </a:spcBef>
+              <a:spcAft>
+                <a:spcPts val="0"/>
+              </a:spcAft>
+              <a:buNone/>
+            </a:pPr>
+            <a:endParaRPr lang="en-US" sz="1800" b="1" smtClean="0">
+              <a:solidFill>
+                <a:srgbClr val="000000"/>
+              </a:solidFill>
+              <a:latin typeface="Consolas" panose="020B0609020204030204" pitchFamily="49" charset="0"/>
+              <a:ea typeface="Calibri" panose="020F0502020204030204" pitchFamily="34" charset="0"/>
+              <a:cs typeface="Consolas" panose="020B0609020204030204" pitchFamily="49" charset="0"/>
+            </a:endParaRPr>
+          </a:p>
+          <a:p>
+            <a:pPr indent="0">
+              <a:spcBef>
+                <a:spcPts val="0"/>
+              </a:spcBef>
+              <a:spcAft>
+                <a:spcPts val="0"/>
+              </a:spcAft>
+              <a:buNone/>
+            </a:pPr>
+            <a:endParaRPr lang="en-US" sz="1800" b="1">
+              <a:solidFill>
+                <a:srgbClr val="000000"/>
+              </a:solidFill>
+              <a:latin typeface="Consolas" panose="020B0609020204030204" pitchFamily="49" charset="0"/>
+              <a:ea typeface="Calibri" panose="020F0502020204030204" pitchFamily="34" charset="0"/>
+              <a:cs typeface="Times New Roman" panose="02020603050405020304" pitchFamily="18" charset="0"/>
+            </a:endParaRPr>
+          </a:p>
+          <a:p>
+            <a:pPr indent="0">
+              <a:spcBef>
+                <a:spcPts val="0"/>
+              </a:spcBef>
+              <a:spcAft>
+                <a:spcPts val="0"/>
+              </a:spcAft>
+              <a:buNone/>
+            </a:pPr>
+            <a:endParaRPr lang="da-DK" sz="1800">
+              <a:latin typeface="Calibri" panose="020F0502020204030204" pitchFamily="34" charset="0"/>
+              <a:ea typeface="Calibri" panose="020F0502020204030204" pitchFamily="34" charset="0"/>
+              <a:cs typeface="Times New Roman" panose="02020603050405020304" pitchFamily="18" charset="0"/>
+            </a:endParaRPr>
+          </a:p>
+          <a:p>
+            <a:pPr indent="0">
+              <a:spcBef>
+                <a:spcPts val="0"/>
+              </a:spcBef>
+              <a:spcAft>
+                <a:spcPts val="0"/>
+              </a:spcAft>
+              <a:buNone/>
+            </a:pPr>
+            <a:r>
+              <a:rPr lang="en-US" sz="1800" b="1">
+                <a:solidFill>
+                  <a:srgbClr val="000000"/>
+                </a:solidFill>
+                <a:latin typeface="Consolas" panose="020B0609020204030204" pitchFamily="49" charset="0"/>
+                <a:ea typeface="Calibri" panose="020F0502020204030204" pitchFamily="34" charset="0"/>
+                <a:cs typeface="Consolas" panose="020B0609020204030204" pitchFamily="49" charset="0"/>
+              </a:rPr>
+              <a:t> </a:t>
+            </a:r>
+            <a:endParaRPr lang="da-DK" sz="1800">
+              <a:latin typeface="Calibri" panose="020F0502020204030204" pitchFamily="34" charset="0"/>
+              <a:ea typeface="Calibri" panose="020F0502020204030204" pitchFamily="34" charset="0"/>
+              <a:cs typeface="Times New Roman" panose="02020603050405020304" pitchFamily="18" charset="0"/>
+            </a:endParaRPr>
+          </a:p>
+          <a:p>
+            <a:pPr indent="0">
+              <a:spcBef>
+                <a:spcPts val="0"/>
+              </a:spcBef>
+              <a:spcAft>
+                <a:spcPts val="0"/>
+              </a:spcAft>
+              <a:buNone/>
+            </a:pPr>
+            <a:endParaRPr lang="da-DK" sz="1600">
+              <a:latin typeface="Calibri" panose="020F0502020204030204" pitchFamily="34" charset="0"/>
+              <a:ea typeface="Calibri" panose="020F0502020204030204" pitchFamily="34" charset="0"/>
+              <a:cs typeface="Times New Roman" panose="02020603050405020304" pitchFamily="18" charset="0"/>
+            </a:endParaRPr>
+          </a:p>
+          <a:p>
+            <a:pPr indent="0">
+              <a:spcBef>
+                <a:spcPts val="0"/>
+              </a:spcBef>
+              <a:spcAft>
+                <a:spcPts val="0"/>
+              </a:spcAft>
+              <a:buNone/>
+            </a:pPr>
+            <a:endParaRPr lang="da-DK" sz="1200" b="1">
+              <a:solidFill>
+                <a:srgbClr val="000000"/>
+              </a:solidFill>
+              <a:latin typeface="Consolas" panose="020B0609020204030204" pitchFamily="49" charset="0"/>
+              <a:ea typeface="Calibri" panose="020F0502020204030204" pitchFamily="34" charset="0"/>
+              <a:cs typeface="Consolas" panose="020B0609020204030204" pitchFamily="49" charset="0"/>
+            </a:endParaRPr>
+          </a:p>
+          <a:p>
+            <a:pPr marL="0" indent="0">
+              <a:buNone/>
+            </a:pPr>
+            <a:endParaRPr lang="da-DK" sz="3200" b="1">
+              <a:solidFill>
+                <a:srgbClr val="FF0000"/>
+              </a:solidFill>
+            </a:endParaRPr>
           </a:p>
         </p:txBody>
       </p:sp>
     </p:spTree>
     <p:extLst>
       <p:ext uri="{BB962C8B-B14F-4D97-AF65-F5344CB8AC3E}">
-        <p14:creationId xmlns:p14="http://schemas.microsoft.com/office/powerpoint/2010/main" val="186428381"/>
+        <p14:creationId xmlns:p14="http://schemas.microsoft.com/office/powerpoint/2010/main" val="2890660660"/>
       </p:ext>
     </p:extLst>
   </p:cSld>
   <p:clrMapOvr>
     <a:masterClrMapping/>
   </p:clrMapOvr>
+  <mc:AlternateContent xmlns:mc="http://schemas.openxmlformats.org/markup-compatibility/2006" xmlns:p14="http://schemas.microsoft.com/office/powerpoint/2010/main">
+    <mc:Choice Requires="p14">
+      <p:transition spd="med" p14:dur="700">
+        <p:fade/>
+      </p:transition>
+    </mc:Choice>
+    <mc:Fallback xmlns="">
+      <p:transition spd="med">
+        <p:fade/>
+      </p:transition>
+    </mc:Fallback>
+  </mc:AlternateContent>
   <p:timing>
     <p:tnLst>
       <p:par>
@@ -6321,425 +6834,70 @@
             <p:ph idx="1"/>
           </p:nvPr>
         </p:nvSpPr>
-        <p:spPr>
-          <a:xfrm>
-            <a:off x="838200" y="1934308"/>
-            <a:ext cx="10515600" cy="4478849"/>
-          </a:xfrm>
-        </p:spPr>
+        <p:spPr/>
         <p:txBody>
-          <a:bodyPr>
-            <a:normAutofit/>
-          </a:bodyPr>
+          <a:bodyPr/>
           <a:lstStyle/>
           <a:p>
-            <a:pPr indent="0">
-              <a:spcAft>
-                <a:spcPts val="0"/>
-              </a:spcAft>
-              <a:buNone/>
-            </a:pPr>
-            <a:r>
-              <a:rPr lang="en-US" sz="2400" b="1" smtClean="0">
-                <a:solidFill>
-                  <a:srgbClr val="2B91AF"/>
-                </a:solidFill>
-                <a:latin typeface="Consolas" panose="020B0609020204030204" pitchFamily="49" charset="0"/>
-                <a:ea typeface="Calibri" panose="020F0502020204030204" pitchFamily="34" charset="0"/>
-                <a:cs typeface="Consolas" panose="020B0609020204030204" pitchFamily="49" charset="0"/>
-              </a:rPr>
-              <a:t>IEnumerable</a:t>
-            </a:r>
-            <a:r>
-              <a:rPr lang="en-US" sz="2400" b="1" smtClean="0">
-                <a:solidFill>
-                  <a:srgbClr val="000000"/>
-                </a:solidFill>
-                <a:latin typeface="Consolas" panose="020B0609020204030204" pitchFamily="49" charset="0"/>
-                <a:ea typeface="Calibri" panose="020F0502020204030204" pitchFamily="34" charset="0"/>
-                <a:cs typeface="Consolas" panose="020B0609020204030204" pitchFamily="49" charset="0"/>
-              </a:rPr>
-              <a:t>&lt;</a:t>
-            </a:r>
-            <a:r>
-              <a:rPr lang="en-US" sz="2400" b="1" smtClean="0">
-                <a:solidFill>
-                  <a:srgbClr val="0000FF"/>
-                </a:solidFill>
-                <a:latin typeface="Consolas" panose="020B0609020204030204" pitchFamily="49" charset="0"/>
-                <a:ea typeface="Calibri" panose="020F0502020204030204" pitchFamily="34" charset="0"/>
-                <a:cs typeface="Consolas" panose="020B0609020204030204" pitchFamily="49" charset="0"/>
-              </a:rPr>
-              <a:t>int</a:t>
-            </a:r>
-            <a:r>
-              <a:rPr lang="en-US" sz="2400" b="1">
-                <a:solidFill>
-                  <a:srgbClr val="000000"/>
-                </a:solidFill>
-                <a:latin typeface="Consolas" panose="020B0609020204030204" pitchFamily="49" charset="0"/>
-                <a:ea typeface="Calibri" panose="020F0502020204030204" pitchFamily="34" charset="0"/>
-                <a:cs typeface="Consolas" panose="020B0609020204030204" pitchFamily="49" charset="0"/>
-              </a:rPr>
-              <a:t>&gt; primes </a:t>
-            </a:r>
-            <a:r>
-              <a:rPr lang="en-US" sz="2400" b="1">
-                <a:solidFill>
-                  <a:srgbClr val="000000"/>
-                </a:solidFill>
-                <a:latin typeface="Consolas" panose="020B0609020204030204" pitchFamily="49" charset="0"/>
-                <a:ea typeface="Calibri" panose="020F0502020204030204" pitchFamily="34" charset="0"/>
-                <a:cs typeface="Consolas" panose="020B0609020204030204" pitchFamily="49" charset="0"/>
-              </a:rPr>
-              <a:t>= </a:t>
-            </a:r>
-            <a:endParaRPr lang="en-US" sz="2400" b="1" smtClean="0">
-              <a:solidFill>
-                <a:srgbClr val="000000"/>
-              </a:solidFill>
-              <a:latin typeface="Consolas" panose="020B0609020204030204" pitchFamily="49" charset="0"/>
-              <a:ea typeface="Calibri" panose="020F0502020204030204" pitchFamily="34" charset="0"/>
-              <a:cs typeface="Consolas" panose="020B0609020204030204" pitchFamily="49" charset="0"/>
-            </a:endParaRPr>
-          </a:p>
-          <a:p>
-            <a:pPr indent="0">
-              <a:spcAft>
-                <a:spcPts val="0"/>
-              </a:spcAft>
-              <a:buNone/>
-            </a:pPr>
-            <a:r>
-              <a:rPr lang="en-US" sz="2400" b="1">
-                <a:solidFill>
-                  <a:srgbClr val="000000"/>
-                </a:solidFill>
-                <a:latin typeface="Consolas" panose="020B0609020204030204" pitchFamily="49" charset="0"/>
-                <a:ea typeface="Calibri" panose="020F0502020204030204" pitchFamily="34" charset="0"/>
-                <a:cs typeface="Consolas" panose="020B0609020204030204" pitchFamily="49" charset="0"/>
-              </a:rPr>
-              <a:t>	</a:t>
-            </a:r>
-            <a:r>
-              <a:rPr lang="en-US" sz="2400" b="1" smtClean="0">
-                <a:solidFill>
-                  <a:srgbClr val="2B91AF"/>
-                </a:solidFill>
-                <a:latin typeface="Consolas" panose="020B0609020204030204" pitchFamily="49" charset="0"/>
-                <a:ea typeface="Calibri" panose="020F0502020204030204" pitchFamily="34" charset="0"/>
-                <a:cs typeface="Consolas" panose="020B0609020204030204" pitchFamily="49" charset="0"/>
-              </a:rPr>
-              <a:t>Enumerable</a:t>
-            </a:r>
-            <a:r>
-              <a:rPr lang="en-US" sz="2400" b="1" smtClean="0">
-                <a:solidFill>
-                  <a:srgbClr val="000000"/>
-                </a:solidFill>
-                <a:latin typeface="Consolas" panose="020B0609020204030204" pitchFamily="49" charset="0"/>
-                <a:ea typeface="Calibri" panose="020F0502020204030204" pitchFamily="34" charset="0"/>
-                <a:cs typeface="Consolas" panose="020B0609020204030204" pitchFamily="49" charset="0"/>
-              </a:rPr>
-              <a:t>.Range(2</a:t>
-            </a:r>
-            <a:r>
-              <a:rPr lang="en-US" sz="2400" b="1">
-                <a:solidFill>
-                  <a:srgbClr val="000000"/>
-                </a:solidFill>
-                <a:latin typeface="Consolas" panose="020B0609020204030204" pitchFamily="49" charset="0"/>
-                <a:ea typeface="Calibri" panose="020F0502020204030204" pitchFamily="34" charset="0"/>
-                <a:cs typeface="Consolas" panose="020B0609020204030204" pitchFamily="49" charset="0"/>
-              </a:rPr>
-              <a:t>, </a:t>
-            </a:r>
-            <a:r>
-              <a:rPr lang="en-US" sz="2400" b="1">
-                <a:solidFill>
-                  <a:srgbClr val="000000"/>
-                </a:solidFill>
-                <a:latin typeface="Consolas" panose="020B0609020204030204" pitchFamily="49" charset="0"/>
-                <a:ea typeface="Calibri" panose="020F0502020204030204" pitchFamily="34" charset="0"/>
-                <a:cs typeface="Consolas" panose="020B0609020204030204" pitchFamily="49" charset="0"/>
-              </a:rPr>
-              <a:t>1000000</a:t>
-            </a:r>
-            <a:r>
-              <a:rPr lang="en-US" sz="2400" b="1" smtClean="0">
-                <a:solidFill>
-                  <a:srgbClr val="000000"/>
-                </a:solidFill>
-                <a:latin typeface="Consolas" panose="020B0609020204030204" pitchFamily="49" charset="0"/>
-                <a:ea typeface="Calibri" panose="020F0502020204030204" pitchFamily="34" charset="0"/>
-                <a:cs typeface="Consolas" panose="020B0609020204030204" pitchFamily="49" charset="0"/>
-              </a:rPr>
-              <a:t>)</a:t>
-            </a:r>
-          </a:p>
-          <a:p>
-            <a:pPr indent="0">
-              <a:spcBef>
-                <a:spcPts val="0"/>
-              </a:spcBef>
-              <a:spcAft>
-                <a:spcPts val="0"/>
-              </a:spcAft>
-              <a:buNone/>
-            </a:pPr>
-            <a:r>
-              <a:rPr lang="en-US" sz="2400" b="1" smtClean="0">
-                <a:solidFill>
-                  <a:srgbClr val="000000"/>
-                </a:solidFill>
-                <a:latin typeface="Consolas" panose="020B0609020204030204" pitchFamily="49" charset="0"/>
-                <a:ea typeface="Calibri" panose="020F0502020204030204" pitchFamily="34" charset="0"/>
-                <a:cs typeface="Consolas" panose="020B0609020204030204" pitchFamily="49" charset="0"/>
-              </a:rPr>
-              <a:t>   		</a:t>
-            </a:r>
-            <a:r>
-              <a:rPr lang="en-US" sz="2400" b="1" smtClean="0">
-                <a:solidFill>
-                  <a:srgbClr val="000000"/>
-                </a:solidFill>
-                <a:highlight>
-                  <a:srgbClr val="FFFF00"/>
-                </a:highlight>
-                <a:latin typeface="Consolas" panose="020B0609020204030204" pitchFamily="49" charset="0"/>
-                <a:ea typeface="Calibri" panose="020F0502020204030204" pitchFamily="34" charset="0"/>
-                <a:cs typeface="Consolas" panose="020B0609020204030204" pitchFamily="49" charset="0"/>
-              </a:rPr>
-              <a:t>.AsParallel</a:t>
-            </a:r>
-            <a:r>
-              <a:rPr lang="en-US" sz="2400" b="1">
-                <a:solidFill>
-                  <a:srgbClr val="000000"/>
-                </a:solidFill>
-                <a:highlight>
-                  <a:srgbClr val="FFFF00"/>
-                </a:highlight>
-                <a:latin typeface="Consolas" panose="020B0609020204030204" pitchFamily="49" charset="0"/>
-                <a:ea typeface="Calibri" panose="020F0502020204030204" pitchFamily="34" charset="0"/>
-                <a:cs typeface="Consolas" panose="020B0609020204030204" pitchFamily="49" charset="0"/>
-              </a:rPr>
-              <a:t>()</a:t>
-            </a:r>
-            <a:endParaRPr lang="da-DK" sz="2400">
-              <a:latin typeface="Calibri" panose="020F0502020204030204" pitchFamily="34" charset="0"/>
-              <a:ea typeface="Calibri" panose="020F0502020204030204" pitchFamily="34" charset="0"/>
-              <a:cs typeface="Times New Roman" panose="02020603050405020304" pitchFamily="18" charset="0"/>
-            </a:endParaRPr>
-          </a:p>
-          <a:p>
-            <a:pPr indent="0">
-              <a:spcAft>
-                <a:spcPts val="0"/>
-              </a:spcAft>
-              <a:buNone/>
-            </a:pPr>
-            <a:r>
-              <a:rPr lang="en-US" sz="2400" b="1">
-                <a:solidFill>
-                  <a:srgbClr val="000000"/>
-                </a:solidFill>
-                <a:latin typeface="Consolas" panose="020B0609020204030204" pitchFamily="49" charset="0"/>
-                <a:ea typeface="Calibri" panose="020F0502020204030204" pitchFamily="34" charset="0"/>
-                <a:cs typeface="Consolas" panose="020B0609020204030204" pitchFamily="49" charset="0"/>
-              </a:rPr>
-              <a:t>	</a:t>
-            </a:r>
-            <a:r>
-              <a:rPr lang="en-US" sz="2400" b="1" smtClean="0">
-                <a:solidFill>
-                  <a:srgbClr val="000000"/>
-                </a:solidFill>
-                <a:latin typeface="Consolas" panose="020B0609020204030204" pitchFamily="49" charset="0"/>
-                <a:ea typeface="Calibri" panose="020F0502020204030204" pitchFamily="34" charset="0"/>
-                <a:cs typeface="Consolas" panose="020B0609020204030204" pitchFamily="49" charset="0"/>
-              </a:rPr>
-              <a:t>	.</a:t>
-            </a:r>
-            <a:r>
-              <a:rPr lang="en-US" sz="2400" b="1">
-                <a:solidFill>
-                  <a:srgbClr val="000000"/>
-                </a:solidFill>
-                <a:latin typeface="Consolas" panose="020B0609020204030204" pitchFamily="49" charset="0"/>
-                <a:ea typeface="Calibri" panose="020F0502020204030204" pitchFamily="34" charset="0"/>
-                <a:cs typeface="Consolas" panose="020B0609020204030204" pitchFamily="49" charset="0"/>
-              </a:rPr>
-              <a:t>Where(IsPrime);</a:t>
-            </a:r>
-            <a:endParaRPr lang="da-DK" sz="2400">
-              <a:latin typeface="Calibri" panose="020F0502020204030204" pitchFamily="34" charset="0"/>
-              <a:ea typeface="Calibri" panose="020F0502020204030204" pitchFamily="34" charset="0"/>
-              <a:cs typeface="Times New Roman" panose="02020603050405020304" pitchFamily="18" charset="0"/>
-            </a:endParaRPr>
-          </a:p>
-          <a:p>
-            <a:pPr indent="0">
-              <a:spcBef>
-                <a:spcPts val="0"/>
-              </a:spcBef>
-              <a:spcAft>
-                <a:spcPts val="0"/>
-              </a:spcAft>
-              <a:buNone/>
-            </a:pPr>
-            <a:endParaRPr lang="da-DK" sz="2000">
-              <a:latin typeface="Calibri" panose="020F0502020204030204" pitchFamily="34" charset="0"/>
-              <a:ea typeface="Calibri" panose="020F0502020204030204" pitchFamily="34" charset="0"/>
-              <a:cs typeface="Times New Roman" panose="02020603050405020304" pitchFamily="18" charset="0"/>
-            </a:endParaRPr>
-          </a:p>
-          <a:p>
-            <a:pPr indent="0">
-              <a:spcBef>
-                <a:spcPts val="0"/>
-              </a:spcBef>
-              <a:spcAft>
-                <a:spcPts val="0"/>
-              </a:spcAft>
-              <a:buNone/>
-            </a:pPr>
-            <a:endParaRPr lang="en-US" sz="1800" b="1" smtClean="0">
-              <a:solidFill>
-                <a:srgbClr val="000000"/>
-              </a:solidFill>
-              <a:latin typeface="Consolas" panose="020B0609020204030204" pitchFamily="49" charset="0"/>
-              <a:ea typeface="Calibri" panose="020F0502020204030204" pitchFamily="34" charset="0"/>
-              <a:cs typeface="Consolas" panose="020B0609020204030204" pitchFamily="49" charset="0"/>
-            </a:endParaRPr>
-          </a:p>
-          <a:p>
-            <a:pPr indent="0">
-              <a:spcBef>
-                <a:spcPts val="0"/>
-              </a:spcBef>
-              <a:spcAft>
-                <a:spcPts val="0"/>
-              </a:spcAft>
-              <a:buNone/>
-            </a:pPr>
-            <a:endParaRPr lang="en-US" sz="1800" b="1">
-              <a:solidFill>
-                <a:srgbClr val="000000"/>
-              </a:solidFill>
-              <a:latin typeface="Consolas" panose="020B0609020204030204" pitchFamily="49" charset="0"/>
-              <a:ea typeface="Calibri" panose="020F0502020204030204" pitchFamily="34" charset="0"/>
-              <a:cs typeface="Times New Roman" panose="02020603050405020304" pitchFamily="18" charset="0"/>
-            </a:endParaRPr>
-          </a:p>
-          <a:p>
-            <a:pPr indent="0">
-              <a:spcBef>
-                <a:spcPts val="0"/>
-              </a:spcBef>
-              <a:spcAft>
-                <a:spcPts val="0"/>
-              </a:spcAft>
-              <a:buNone/>
-            </a:pPr>
-            <a:endParaRPr lang="da-DK" sz="1800">
-              <a:latin typeface="Calibri" panose="020F0502020204030204" pitchFamily="34" charset="0"/>
-              <a:ea typeface="Calibri" panose="020F0502020204030204" pitchFamily="34" charset="0"/>
-              <a:cs typeface="Times New Roman" panose="02020603050405020304" pitchFamily="18" charset="0"/>
-            </a:endParaRPr>
-          </a:p>
-          <a:p>
-            <a:pPr indent="0">
-              <a:spcBef>
-                <a:spcPts val="0"/>
-              </a:spcBef>
-              <a:spcAft>
-                <a:spcPts val="0"/>
-              </a:spcAft>
-              <a:buNone/>
-            </a:pPr>
-            <a:r>
-              <a:rPr lang="en-US" sz="1800" b="1">
-                <a:solidFill>
-                  <a:srgbClr val="000000"/>
-                </a:solidFill>
-                <a:latin typeface="Consolas" panose="020B0609020204030204" pitchFamily="49" charset="0"/>
-                <a:ea typeface="Calibri" panose="020F0502020204030204" pitchFamily="34" charset="0"/>
-                <a:cs typeface="Consolas" panose="020B0609020204030204" pitchFamily="49" charset="0"/>
-              </a:rPr>
-              <a:t> </a:t>
-            </a:r>
-            <a:endParaRPr lang="da-DK" sz="1800">
-              <a:latin typeface="Calibri" panose="020F0502020204030204" pitchFamily="34" charset="0"/>
-              <a:ea typeface="Calibri" panose="020F0502020204030204" pitchFamily="34" charset="0"/>
-              <a:cs typeface="Times New Roman" panose="02020603050405020304" pitchFamily="18" charset="0"/>
-            </a:endParaRPr>
-          </a:p>
-          <a:p>
-            <a:pPr indent="0">
-              <a:spcBef>
-                <a:spcPts val="0"/>
-              </a:spcBef>
-              <a:spcAft>
-                <a:spcPts val="0"/>
-              </a:spcAft>
-              <a:buNone/>
-            </a:pPr>
-            <a:endParaRPr lang="da-DK" sz="1600">
-              <a:latin typeface="Calibri" panose="020F0502020204030204" pitchFamily="34" charset="0"/>
-              <a:ea typeface="Calibri" panose="020F0502020204030204" pitchFamily="34" charset="0"/>
-              <a:cs typeface="Times New Roman" panose="02020603050405020304" pitchFamily="18" charset="0"/>
-            </a:endParaRPr>
-          </a:p>
-          <a:p>
-            <a:pPr indent="0">
-              <a:spcBef>
-                <a:spcPts val="0"/>
-              </a:spcBef>
-              <a:spcAft>
-                <a:spcPts val="0"/>
-              </a:spcAft>
-              <a:buNone/>
-            </a:pPr>
-            <a:endParaRPr lang="da-DK" sz="1200" b="1">
-              <a:solidFill>
-                <a:srgbClr val="000000"/>
-              </a:solidFill>
-              <a:latin typeface="Consolas" panose="020B0609020204030204" pitchFamily="49" charset="0"/>
-              <a:ea typeface="Calibri" panose="020F0502020204030204" pitchFamily="34" charset="0"/>
-              <a:cs typeface="Consolas" panose="020B0609020204030204" pitchFamily="49" charset="0"/>
-            </a:endParaRPr>
-          </a:p>
-          <a:p>
-            <a:pPr marL="0" indent="0">
-              <a:buNone/>
-            </a:pPr>
-            <a:endParaRPr lang="da-DK" sz="3200" b="1">
-              <a:solidFill>
-                <a:srgbClr val="FF0000"/>
-              </a:solidFill>
-            </a:endParaRPr>
+            <a:r>
+              <a:rPr lang="da-DK" b="1" smtClean="0"/>
+              <a:t>AsParallel</a:t>
+            </a:r>
+            <a:r>
+              <a:rPr lang="da-DK" smtClean="0"/>
+              <a:t>: Switch </a:t>
+            </a:r>
+            <a:r>
+              <a:rPr lang="da-DK" u="sng" smtClean="0"/>
+              <a:t>on</a:t>
+            </a:r>
+            <a:r>
+              <a:rPr lang="da-DK" smtClean="0"/>
+              <a:t> parallel execution for remainder of query</a:t>
+            </a:r>
+          </a:p>
+          <a:p>
+            <a:r>
+              <a:rPr lang="da-DK" b="1" smtClean="0"/>
+              <a:t>AsSequential</a:t>
+            </a:r>
+            <a:r>
+              <a:rPr lang="da-DK" smtClean="0"/>
+              <a:t>: </a:t>
+            </a:r>
+            <a:r>
+              <a:rPr lang="da-DK"/>
+              <a:t>Switch </a:t>
+            </a:r>
+            <a:r>
+              <a:rPr lang="da-DK" u="sng" smtClean="0"/>
+              <a:t>off</a:t>
+            </a:r>
+            <a:r>
+              <a:rPr lang="da-DK" smtClean="0"/>
+              <a:t> </a:t>
+            </a:r>
+            <a:r>
+              <a:rPr lang="da-DK"/>
+              <a:t>parallel execution for remainder of query</a:t>
+            </a:r>
+            <a:endParaRPr lang="da-DK" smtClean="0"/>
+          </a:p>
+          <a:p>
+            <a:endParaRPr lang="da-DK"/>
           </a:p>
         </p:txBody>
       </p:sp>
     </p:spTree>
     <p:extLst>
       <p:ext uri="{BB962C8B-B14F-4D97-AF65-F5344CB8AC3E}">
-        <p14:creationId xmlns:p14="http://schemas.microsoft.com/office/powerpoint/2010/main" val="493835200"/>
+        <p14:creationId xmlns:p14="http://schemas.microsoft.com/office/powerpoint/2010/main" val="186428381"/>
       </p:ext>
     </p:extLst>
   </p:cSld>
   <p:clrMapOvr>
     <a:masterClrMapping/>
   </p:clrMapOvr>
-  <mc:AlternateContent xmlns:mc="http://schemas.openxmlformats.org/markup-compatibility/2006">
-    <mc:Choice xmlns:p14="http://schemas.microsoft.com/office/powerpoint/2010/main" Requires="p14">
-      <p:transition p14:dur="0"/>
-    </mc:Choice>
-    <mc:Fallback>
-      <p:transition/>
-    </mc:Fallback>
-  </mc:AlternateContent>
   <p:timing>
     <p:tnLst>
       <p:par>
@@ -6860,18 +7018,7 @@
                 <a:ea typeface="Calibri" panose="020F0502020204030204" pitchFamily="34" charset="0"/>
                 <a:cs typeface="Consolas" panose="020B0609020204030204" pitchFamily="49" charset="0"/>
               </a:rPr>
-              <a:t>&gt; primes </a:t>
-            </a:r>
-            <a:r>
-              <a:rPr lang="en-US" sz="2400" b="1">
-                <a:solidFill>
-                  <a:srgbClr val="000000"/>
-                </a:solidFill>
-                <a:latin typeface="Consolas" panose="020B0609020204030204" pitchFamily="49" charset="0"/>
-                <a:ea typeface="Calibri" panose="020F0502020204030204" pitchFamily="34" charset="0"/>
-                <a:cs typeface="Consolas" panose="020B0609020204030204" pitchFamily="49" charset="0"/>
-              </a:rPr>
-              <a:t>= </a:t>
+              <a:t>&gt; primes = </a:t>
             </a:r>
             <a:endParaRPr lang="en-US" sz="2400" b="1" smtClean="0">
               <a:solidFill>
@@ -6931,18 +7078,7 @@
                 <a:ea typeface="Calibri" panose="020F0502020204030204" pitchFamily="34" charset="0"/>
                 <a:cs typeface="Consolas" panose="020B0609020204030204" pitchFamily="49" charset="0"/>
               </a:rPr>
-              <a:t>, </a:t>
-            </a:r>
-            <a:r>
-              <a:rPr lang="en-US" sz="2400" b="1">
-                <a:solidFill>
-                  <a:srgbClr val="000000"/>
-                </a:solidFill>
-                <a:latin typeface="Consolas" panose="020B0609020204030204" pitchFamily="49" charset="0"/>
-                <a:ea typeface="Calibri" panose="020F0502020204030204" pitchFamily="34" charset="0"/>
-                <a:cs typeface="Consolas" panose="020B0609020204030204" pitchFamily="49" charset="0"/>
-              </a:rPr>
-              <a:t>1000000</a:t>
+              <a:t>, 1000000</a:t>
             </a:r>
             <a:r>
               <a:rPr lang="en-US" sz="2400" b="1" smtClean="0">
@@ -6989,43 +7125,10 @@
                 <a:ea typeface="Calibri" panose="020F0502020204030204" pitchFamily="34" charset="0"/>
                 <a:cs typeface="Consolas" panose="020B0609020204030204" pitchFamily="49" charset="0"/>
               </a:rPr>
-              <a:t>.AsParallel()</a:t>
-            </a:r>
-          </a:p>
-          <a:p>
-            <a:pPr indent="0">
-              <a:spcBef>
-                <a:spcPts val="0"/>
-              </a:spcBef>
-              <a:spcAft>
-                <a:spcPts val="0"/>
-              </a:spcAft>
-              <a:buNone/>
-            </a:pPr>
+              <a:t>.AsParallel</a:t>
+            </a:r>
             <a:r>
               <a:rPr lang="en-US" sz="2400" b="1">
-                <a:solidFill>
-                  <a:srgbClr val="000000"/>
-                </a:solidFill>
-                <a:latin typeface="Consolas" panose="020B0609020204030204" pitchFamily="49" charset="0"/>
-                <a:ea typeface="Calibri" panose="020F0502020204030204" pitchFamily="34" charset="0"/>
-                <a:cs typeface="Consolas" panose="020B0609020204030204" pitchFamily="49" charset="0"/>
-              </a:rPr>
-              <a:t> 	</a:t>
-            </a:r>
-            <a:r>
-              <a:rPr lang="en-US" sz="2400" b="1">
-                <a:solidFill>
-                  <a:srgbClr val="000000"/>
-                </a:solidFill>
-                <a:latin typeface="Consolas" panose="020B0609020204030204" pitchFamily="49" charset="0"/>
-                <a:ea typeface="Calibri" panose="020F0502020204030204" pitchFamily="34" charset="0"/>
-                <a:cs typeface="Consolas" panose="020B0609020204030204" pitchFamily="49" charset="0"/>
-              </a:rPr>
-              <a:t>	</a:t>
-            </a:r>
-            <a:r>
-              <a:rPr lang="en-US" sz="2400" b="1" smtClean="0">
                 <a:solidFill>
                   <a:srgbClr val="000000"/>
                 </a:solidFill>
@@ -7036,7 +7139,7 @@
                 <a:ea typeface="Calibri" panose="020F0502020204030204" pitchFamily="34" charset="0"/>
                 <a:cs typeface="Consolas" panose="020B0609020204030204" pitchFamily="49" charset="0"/>
               </a:rPr>
-              <a:t>.AsOrdered()</a:t>
+              <a:t>()</a:t>
             </a:r>
             <a:endParaRPr lang="da-DK" sz="2400">
               <a:latin typeface="Calibri" panose="020F0502020204030204" pitchFamily="34" charset="0"/>
@@ -7237,23 +7340,19 @@
     </p:spTree>
     <p:extLst>
       <p:ext uri="{BB962C8B-B14F-4D97-AF65-F5344CB8AC3E}">
-        <p14:creationId xmlns:p14="http://schemas.microsoft.com/office/powerpoint/2010/main" val="3591856946"/>
+        <p14:creationId xmlns:p14="http://schemas.microsoft.com/office/powerpoint/2010/main" val="493835200"/>
       </p:ext>
     </p:extLst>
   </p:cSld>
   <p:clrMapOvr>
     <a:masterClrMapping/>
   </p:clrMapOvr>
-  <mc:AlternateContent xmlns:mc="http://schemas.openxmlformats.org/markup-compatibility/2006">
-    <mc:Choice xmlns:p14="http://schemas.microsoft.com/office/powerpoint/2010/main" Requires="p14">
-      <p:transition spd="med" p14:dur="700">
-        <p:fade/>
-      </p:transition>
+  <mc:AlternateContent xmlns:mc="http://schemas.openxmlformats.org/markup-compatibility/2006" xmlns:p14="http://schemas.microsoft.com/office/powerpoint/2010/main">
+    <mc:Choice Requires="p14">
+      <p:transition p14:dur="0"/>
     </mc:Choice>
-    <mc:Fallback>
-      <p:transition spd="med">
-        <p:fade/>
-      </p:transition>
+    <mc:Fallback xmlns="">
+      <p:transition/>
     </mc:Fallback>
   </mc:AlternateContent>
   <p:timing>
@@ -7316,70 +7415,429 @@
             <p:ph idx="1"/>
           </p:nvPr>
         </p:nvSpPr>
-        <p:spPr/>
+        <p:spPr>
+          <a:xfrm>
+            <a:off x="838200" y="1934308"/>
+            <a:ext cx="10515600" cy="4478849"/>
+          </a:xfrm>
+        </p:spPr>
         <p:txBody>
-          <a:bodyPr/>
+          <a:bodyPr>
+            <a:normAutofit/>
+          </a:bodyPr>
           <a:lstStyle/>
           <a:p>
-            <a:r>
-              <a:rPr lang="da-DK" b="1" smtClean="0"/>
-              <a:t>AsOrdered</a:t>
-            </a:r>
-            <a:r>
-              <a:rPr lang="da-DK" smtClean="0"/>
-              <a:t>: Query </a:t>
-            </a:r>
-            <a:r>
-              <a:rPr lang="da-DK" u="sng" smtClean="0"/>
-              <a:t>must</a:t>
-            </a:r>
-            <a:r>
-              <a:rPr lang="da-DK" smtClean="0"/>
-              <a:t> maintain ordering of items</a:t>
-            </a:r>
-          </a:p>
-          <a:p>
-            <a:r>
-              <a:rPr lang="da-DK" b="1" smtClean="0"/>
-              <a:t>AsUnordered </a:t>
-            </a:r>
-            <a:r>
-              <a:rPr lang="da-DK" smtClean="0"/>
-              <a:t>: </a:t>
-            </a:r>
-            <a:r>
-              <a:rPr lang="da-DK"/>
-              <a:t>Query </a:t>
-            </a:r>
-            <a:r>
-              <a:rPr lang="da-DK" u="sng" smtClean="0"/>
-              <a:t>need not</a:t>
-            </a:r>
-            <a:r>
-              <a:rPr lang="da-DK" smtClean="0"/>
-              <a:t> </a:t>
-            </a:r>
-            <a:r>
-              <a:rPr lang="da-DK"/>
-              <a:t>maintain ordering of items</a:t>
-            </a:r>
-            <a:endParaRPr lang="da-DK" smtClean="0"/>
-          </a:p>
-          <a:p>
-            <a:endParaRPr lang="da-DK"/>
+            <a:pPr indent="0">
+              <a:spcAft>
+                <a:spcPts val="0"/>
+              </a:spcAft>
+              <a:buNone/>
+            </a:pPr>
+            <a:r>
+              <a:rPr lang="en-US" sz="2400" b="1" smtClean="0">
+                <a:solidFill>
+                  <a:srgbClr val="2B91AF"/>
+                </a:solidFill>
+                <a:latin typeface="Consolas" panose="020B0609020204030204" pitchFamily="49" charset="0"/>
+                <a:ea typeface="Calibri" panose="020F0502020204030204" pitchFamily="34" charset="0"/>
+                <a:cs typeface="Consolas" panose="020B0609020204030204" pitchFamily="49" charset="0"/>
+              </a:rPr>
+              <a:t>IEnumerable</a:t>
+            </a:r>
+            <a:r>
+              <a:rPr lang="en-US" sz="2400" b="1" smtClean="0">
+                <a:solidFill>
+                  <a:srgbClr val="000000"/>
+                </a:solidFill>
+                <a:latin typeface="Consolas" panose="020B0609020204030204" pitchFamily="49" charset="0"/>
+                <a:ea typeface="Calibri" panose="020F0502020204030204" pitchFamily="34" charset="0"/>
+                <a:cs typeface="Consolas" panose="020B0609020204030204" pitchFamily="49" charset="0"/>
+              </a:rPr>
+              <a:t>&lt;</a:t>
+            </a:r>
+            <a:r>
+              <a:rPr lang="en-US" sz="2400" b="1" smtClean="0">
+                <a:solidFill>
+                  <a:srgbClr val="0000FF"/>
+                </a:solidFill>
+                <a:latin typeface="Consolas" panose="020B0609020204030204" pitchFamily="49" charset="0"/>
+                <a:ea typeface="Calibri" panose="020F0502020204030204" pitchFamily="34" charset="0"/>
+                <a:cs typeface="Consolas" panose="020B0609020204030204" pitchFamily="49" charset="0"/>
+              </a:rPr>
+              <a:t>int</a:t>
+            </a:r>
+            <a:r>
+              <a:rPr lang="en-US" sz="2400" b="1">
+                <a:solidFill>
+                  <a:srgbClr val="000000"/>
+                </a:solidFill>
+                <a:latin typeface="Consolas" panose="020B0609020204030204" pitchFamily="49" charset="0"/>
+                <a:ea typeface="Calibri" panose="020F0502020204030204" pitchFamily="34" charset="0"/>
+                <a:cs typeface="Consolas" panose="020B0609020204030204" pitchFamily="49" charset="0"/>
+              </a:rPr>
+              <a:t>&gt; primes = </a:t>
+            </a:r>
+            <a:endParaRPr lang="en-US" sz="2400" b="1" smtClean="0">
+              <a:solidFill>
+                <a:srgbClr val="000000"/>
+              </a:solidFill>
+              <a:latin typeface="Consolas" panose="020B0609020204030204" pitchFamily="49" charset="0"/>
+              <a:ea typeface="Calibri" panose="020F0502020204030204" pitchFamily="34" charset="0"/>
+              <a:cs typeface="Consolas" panose="020B0609020204030204" pitchFamily="49" charset="0"/>
+            </a:endParaRPr>
+          </a:p>
+          <a:p>
+            <a:pPr indent="0">
+              <a:spcAft>
+                <a:spcPts val="0"/>
+              </a:spcAft>
+              <a:buNone/>
+            </a:pPr>
+            <a:r>
+              <a:rPr lang="en-US" sz="2400" b="1">
+                <a:solidFill>
+                  <a:srgbClr val="000000"/>
+                </a:solidFill>
+                <a:latin typeface="Consolas" panose="020B0609020204030204" pitchFamily="49" charset="0"/>
+                <a:ea typeface="Calibri" panose="020F0502020204030204" pitchFamily="34" charset="0"/>
+                <a:cs typeface="Consolas" panose="020B0609020204030204" pitchFamily="49" charset="0"/>
+              </a:rPr>
+              <a:t>	</a:t>
+            </a:r>
+            <a:r>
+              <a:rPr lang="en-US" sz="2400" b="1" smtClean="0">
+                <a:solidFill>
+                  <a:srgbClr val="2B91AF"/>
+                </a:solidFill>
+                <a:latin typeface="Consolas" panose="020B0609020204030204" pitchFamily="49" charset="0"/>
+                <a:ea typeface="Calibri" panose="020F0502020204030204" pitchFamily="34" charset="0"/>
+                <a:cs typeface="Consolas" panose="020B0609020204030204" pitchFamily="49" charset="0"/>
+              </a:rPr>
+              <a:t>Enumerable</a:t>
+            </a:r>
+            <a:r>
+              <a:rPr lang="en-US" sz="2400" b="1" smtClean="0">
+                <a:solidFill>
+                  <a:srgbClr val="000000"/>
+                </a:solidFill>
+                <a:latin typeface="Consolas" panose="020B0609020204030204" pitchFamily="49" charset="0"/>
+                <a:ea typeface="Calibri" panose="020F0502020204030204" pitchFamily="34" charset="0"/>
+                <a:cs typeface="Consolas" panose="020B0609020204030204" pitchFamily="49" charset="0"/>
+              </a:rPr>
+              <a:t>.Range(2</a:t>
+            </a:r>
+            <a:r>
+              <a:rPr lang="en-US" sz="2400" b="1">
+                <a:solidFill>
+                  <a:srgbClr val="000000"/>
+                </a:solidFill>
+                <a:latin typeface="Consolas" panose="020B0609020204030204" pitchFamily="49" charset="0"/>
+                <a:ea typeface="Calibri" panose="020F0502020204030204" pitchFamily="34" charset="0"/>
+                <a:cs typeface="Consolas" panose="020B0609020204030204" pitchFamily="49" charset="0"/>
+              </a:rPr>
+              <a:t>, 1000000</a:t>
+            </a:r>
+            <a:r>
+              <a:rPr lang="en-US" sz="2400" b="1" smtClean="0">
+                <a:solidFill>
+                  <a:srgbClr val="000000"/>
+                </a:solidFill>
+                <a:latin typeface="Consolas" panose="020B0609020204030204" pitchFamily="49" charset="0"/>
+                <a:ea typeface="Calibri" panose="020F0502020204030204" pitchFamily="34" charset="0"/>
+                <a:cs typeface="Consolas" panose="020B0609020204030204" pitchFamily="49" charset="0"/>
+              </a:rPr>
+              <a:t>)</a:t>
+            </a:r>
+          </a:p>
+          <a:p>
+            <a:pPr indent="0">
+              <a:spcBef>
+                <a:spcPts val="0"/>
+              </a:spcBef>
+              <a:spcAft>
+                <a:spcPts val="0"/>
+              </a:spcAft>
+              <a:buNone/>
+            </a:pPr>
+            <a:r>
+              <a:rPr lang="en-US" sz="2400" b="1" smtClean="0">
+                <a:solidFill>
+                  <a:srgbClr val="000000"/>
+                </a:solidFill>
+                <a:latin typeface="Consolas" panose="020B0609020204030204" pitchFamily="49" charset="0"/>
+                <a:ea typeface="Calibri" panose="020F0502020204030204" pitchFamily="34" charset="0"/>
+                <a:cs typeface="Consolas" panose="020B0609020204030204" pitchFamily="49" charset="0"/>
+              </a:rPr>
+              <a:t>   		</a:t>
+            </a:r>
+            <a:r>
+              <a:rPr lang="en-US" sz="2400" b="1" smtClean="0">
+                <a:solidFill>
+                  <a:srgbClr val="000000"/>
+                </a:solidFill>
+                <a:highlight>
+                  <a:srgbClr val="FFFF00"/>
+                </a:highlight>
+                <a:latin typeface="Consolas" panose="020B0609020204030204" pitchFamily="49" charset="0"/>
+                <a:ea typeface="Calibri" panose="020F0502020204030204" pitchFamily="34" charset="0"/>
+                <a:cs typeface="Consolas" panose="020B0609020204030204" pitchFamily="49" charset="0"/>
+              </a:rPr>
+              <a:t>.AsParallel()</a:t>
+            </a:r>
+          </a:p>
+          <a:p>
+            <a:pPr indent="0">
+              <a:spcBef>
+                <a:spcPts val="0"/>
+              </a:spcBef>
+              <a:spcAft>
+                <a:spcPts val="0"/>
+              </a:spcAft>
+              <a:buNone/>
+            </a:pPr>
+            <a:r>
+              <a:rPr lang="en-US" sz="2400" b="1">
+                <a:solidFill>
+                  <a:srgbClr val="000000"/>
+                </a:solidFill>
+                <a:latin typeface="Consolas" panose="020B0609020204030204" pitchFamily="49" charset="0"/>
+                <a:ea typeface="Calibri" panose="020F0502020204030204" pitchFamily="34" charset="0"/>
+                <a:cs typeface="Consolas" panose="020B0609020204030204" pitchFamily="49" charset="0"/>
+              </a:rPr>
+              <a:t> 		</a:t>
+            </a:r>
+            <a:r>
+              <a:rPr lang="en-US" sz="2400" b="1" smtClean="0">
+                <a:solidFill>
+                  <a:srgbClr val="000000"/>
+                </a:solidFill>
+                <a:highlight>
+                  <a:srgbClr val="FFFF00"/>
+                </a:highlight>
+                <a:latin typeface="Consolas" panose="020B0609020204030204" pitchFamily="49" charset="0"/>
+                <a:ea typeface="Calibri" panose="020F0502020204030204" pitchFamily="34" charset="0"/>
+                <a:cs typeface="Consolas" panose="020B0609020204030204" pitchFamily="49" charset="0"/>
+              </a:rPr>
+              <a:t>.AsOrdered()</a:t>
+            </a:r>
+            <a:endParaRPr lang="da-DK" sz="2400">
+              <a:latin typeface="Calibri" panose="020F0502020204030204" pitchFamily="34" charset="0"/>
+              <a:ea typeface="Calibri" panose="020F0502020204030204" pitchFamily="34" charset="0"/>
+              <a:cs typeface="Times New Roman" panose="02020603050405020304" pitchFamily="18" charset="0"/>
+            </a:endParaRPr>
+          </a:p>
+          <a:p>
+            <a:pPr indent="0">
+              <a:spcAft>
+                <a:spcPts val="0"/>
+              </a:spcAft>
+              <a:buNone/>
+            </a:pPr>
+            <a:r>
+              <a:rPr lang="en-US" sz="2400" b="1">
+                <a:solidFill>
+                  <a:srgbClr val="000000"/>
+                </a:solidFill>
+                <a:latin typeface="Consolas" panose="020B0609020204030204" pitchFamily="49" charset="0"/>
+                <a:ea typeface="Calibri" panose="020F0502020204030204" pitchFamily="34" charset="0"/>
+                <a:cs typeface="Consolas" panose="020B0609020204030204" pitchFamily="49" charset="0"/>
+              </a:rPr>
+              <a:t>	</a:t>
+            </a:r>
+            <a:r>
+              <a:rPr lang="en-US" sz="2400" b="1" smtClean="0">
+                <a:solidFill>
+                  <a:srgbClr val="000000"/>
+                </a:solidFill>
+                <a:latin typeface="Consolas" panose="020B0609020204030204" pitchFamily="49" charset="0"/>
+                <a:ea typeface="Calibri" panose="020F0502020204030204" pitchFamily="34" charset="0"/>
+                <a:cs typeface="Consolas" panose="020B0609020204030204" pitchFamily="49" charset="0"/>
+              </a:rPr>
+              <a:t>	.</a:t>
+            </a:r>
+            <a:r>
+              <a:rPr lang="en-US" sz="2400" b="1">
+                <a:solidFill>
+                  <a:srgbClr val="000000"/>
+                </a:solidFill>
+                <a:latin typeface="Consolas" panose="020B0609020204030204" pitchFamily="49" charset="0"/>
+                <a:ea typeface="Calibri" panose="020F0502020204030204" pitchFamily="34" charset="0"/>
+                <a:cs typeface="Consolas" panose="020B0609020204030204" pitchFamily="49" charset="0"/>
+              </a:rPr>
+              <a:t>Where(IsPrime);</a:t>
+            </a:r>
+            <a:endParaRPr lang="da-DK" sz="2400">
+              <a:latin typeface="Calibri" panose="020F0502020204030204" pitchFamily="34" charset="0"/>
+              <a:ea typeface="Calibri" panose="020F0502020204030204" pitchFamily="34" charset="0"/>
+              <a:cs typeface="Times New Roman" panose="02020603050405020304" pitchFamily="18" charset="0"/>
+            </a:endParaRPr>
+          </a:p>
+          <a:p>
+            <a:pPr indent="0">
+              <a:spcBef>
+                <a:spcPts val="0"/>
+              </a:spcBef>
+              <a:spcAft>
+                <a:spcPts val="0"/>
+              </a:spcAft>
+              <a:buNone/>
+            </a:pPr>
+            <a:endParaRPr lang="da-DK" sz="2000">
+              <a:latin typeface="Calibri" panose="020F0502020204030204" pitchFamily="34" charset="0"/>
+              <a:ea typeface="Calibri" panose="020F0502020204030204" pitchFamily="34" charset="0"/>
+              <a:cs typeface="Times New Roman" panose="02020603050405020304" pitchFamily="18" charset="0"/>
+            </a:endParaRPr>
+          </a:p>
+          <a:p>
+            <a:pPr indent="0">
+              <a:spcBef>
+                <a:spcPts val="0"/>
+              </a:spcBef>
+              <a:spcAft>
+                <a:spcPts val="0"/>
+              </a:spcAft>
+              <a:buNone/>
+            </a:pPr>
+            <a:endParaRPr lang="en-US" sz="1800" b="1" smtClean="0">
+              <a:solidFill>
+                <a:srgbClr val="000000"/>
+              </a:solidFill>
+              <a:latin typeface="Consolas" panose="020B0609020204030204" pitchFamily="49" charset="0"/>
+              <a:ea typeface="Calibri" panose="020F0502020204030204" pitchFamily="34" charset="0"/>
+              <a:cs typeface="Consolas" panose="020B0609020204030204" pitchFamily="49" charset="0"/>
+            </a:endParaRPr>
+          </a:p>
+          <a:p>
+            <a:pPr indent="0">
+              <a:spcBef>
+                <a:spcPts val="0"/>
+              </a:spcBef>
+              <a:spcAft>
+                <a:spcPts val="0"/>
+              </a:spcAft>
+              <a:buNone/>
+            </a:pPr>
+            <a:endParaRPr lang="en-US" sz="1800" b="1">
+              <a:solidFill>
+                <a:srgbClr val="000000"/>
+              </a:solidFill>
+              <a:latin typeface="Consolas" panose="020B0609020204030204" pitchFamily="49" charset="0"/>
+              <a:ea typeface="Calibri" panose="020F0502020204030204" pitchFamily="34" charset="0"/>
+              <a:cs typeface="Times New Roman" panose="02020603050405020304" pitchFamily="18" charset="0"/>
+            </a:endParaRPr>
+          </a:p>
+          <a:p>
+            <a:pPr indent="0">
+              <a:spcBef>
+                <a:spcPts val="0"/>
+              </a:spcBef>
+              <a:spcAft>
+                <a:spcPts val="0"/>
+              </a:spcAft>
+              <a:buNone/>
+            </a:pPr>
+            <a:endParaRPr lang="da-DK" sz="1800">
+              <a:latin typeface="Calibri" panose="020F0502020204030204" pitchFamily="34" charset="0"/>
+              <a:ea typeface="Calibri" panose="020F0502020204030204" pitchFamily="34" charset="0"/>
+              <a:cs typeface="Times New Roman" panose="02020603050405020304" pitchFamily="18" charset="0"/>
+            </a:endParaRPr>
+          </a:p>
+          <a:p>
+            <a:pPr indent="0">
+              <a:spcBef>
+                <a:spcPts val="0"/>
+              </a:spcBef>
+              <a:spcAft>
+                <a:spcPts val="0"/>
+              </a:spcAft>
+              <a:buNone/>
+            </a:pPr>
+            <a:r>
+              <a:rPr lang="en-US" sz="1800" b="1">
+                <a:solidFill>
+                  <a:srgbClr val="000000"/>
+                </a:solidFill>
+                <a:latin typeface="Consolas" panose="020B0609020204030204" pitchFamily="49" charset="0"/>
+                <a:ea typeface="Calibri" panose="020F0502020204030204" pitchFamily="34" charset="0"/>
+                <a:cs typeface="Consolas" panose="020B0609020204030204" pitchFamily="49" charset="0"/>
+              </a:rPr>
+              <a:t> </a:t>
+            </a:r>
+            <a:endParaRPr lang="da-DK" sz="1800">
+              <a:latin typeface="Calibri" panose="020F0502020204030204" pitchFamily="34" charset="0"/>
+              <a:ea typeface="Calibri" panose="020F0502020204030204" pitchFamily="34" charset="0"/>
+              <a:cs typeface="Times New Roman" panose="02020603050405020304" pitchFamily="18" charset="0"/>
+            </a:endParaRPr>
+          </a:p>
+          <a:p>
+            <a:pPr indent="0">
+              <a:spcBef>
+                <a:spcPts val="0"/>
+              </a:spcBef>
+              <a:spcAft>
+                <a:spcPts val="0"/>
+              </a:spcAft>
+              <a:buNone/>
+            </a:pPr>
+            <a:endParaRPr lang="da-DK" sz="1600">
+              <a:latin typeface="Calibri" panose="020F0502020204030204" pitchFamily="34" charset="0"/>
+              <a:ea typeface="Calibri" panose="020F0502020204030204" pitchFamily="34" charset="0"/>
+              <a:cs typeface="Times New Roman" panose="02020603050405020304" pitchFamily="18" charset="0"/>
+            </a:endParaRPr>
+          </a:p>
+          <a:p>
+            <a:pPr indent="0">
+              <a:spcBef>
+                <a:spcPts val="0"/>
+              </a:spcBef>
+              <a:spcAft>
+                <a:spcPts val="0"/>
+              </a:spcAft>
+              <a:buNone/>
+            </a:pPr>
+            <a:endParaRPr lang="da-DK" sz="1200" b="1">
+              <a:solidFill>
+                <a:srgbClr val="000000"/>
+              </a:solidFill>
+              <a:latin typeface="Consolas" panose="020B0609020204030204" pitchFamily="49" charset="0"/>
+              <a:ea typeface="Calibri" panose="020F0502020204030204" pitchFamily="34" charset="0"/>
+              <a:cs typeface="Consolas" panose="020B0609020204030204" pitchFamily="49" charset="0"/>
+            </a:endParaRPr>
+          </a:p>
+          <a:p>
+            <a:pPr marL="0" indent="0">
+              <a:buNone/>
+            </a:pPr>
+            <a:endParaRPr lang="da-DK" sz="3200" b="1">
+              <a:solidFill>
+                <a:srgbClr val="FF0000"/>
+              </a:solidFill>
+            </a:endParaRPr>
           </a:p>
         </p:txBody>
       </p:sp>
     </p:spTree>
     <p:extLst>
       <p:ext uri="{BB962C8B-B14F-4D97-AF65-F5344CB8AC3E}">
-        <p14:creationId xmlns:p14="http://schemas.microsoft.com/office/powerpoint/2010/main" val="2970705535"/>
+        <p14:creationId xmlns:p14="http://schemas.microsoft.com/office/powerpoint/2010/main" val="3591856946"/>
       </p:ext>
     </p:extLst>
   </p:cSld>
   <p:clrMapOvr>
     <a:masterClrMapping/>
   </p:clrMapOvr>
+  <mc:AlternateContent xmlns:mc="http://schemas.openxmlformats.org/markup-compatibility/2006" xmlns:p14="http://schemas.microsoft.com/office/powerpoint/2010/main">
+    <mc:Choice Requires="p14">
+      <p:transition spd="med" p14:dur="700">
+        <p:fade/>
+      </p:transition>
+    </mc:Choice>
+    <mc:Fallback xmlns="">
+      <p:transition spd="med">
+        <p:fade/>
+      </p:transition>
+    </mc:Fallback>
+  </mc:AlternateContent>
   <p:timing>
     <p:tnLst>
       <p:par>
@@ -7432,7 +7890,7 @@
       </p:sp>
       <p:sp>
         <p:nvSpPr>
-          <p:cNvPr id="4" name="Pladsholder til indhold 3"/>
+          <p:cNvPr id="3" name="Pladsholder til indhold 2"/>
           <p:cNvSpPr>
             <a:spLocks noGrp="1"/>
           </p:cNvSpPr>
@@ -7440,626 +7898,74 @@
             <p:ph idx="1"/>
           </p:nvPr>
         </p:nvSpPr>
-        <p:spPr>
-          <a:xfrm>
-            <a:off x="838200" y="1825625"/>
-            <a:ext cx="8974015" cy="4351338"/>
-          </a:xfrm>
-        </p:spPr>
+        <p:spPr/>
         <p:txBody>
-          <a:bodyPr>
-            <a:normAutofit/>
-          </a:bodyPr>
+          <a:bodyPr/>
           <a:lstStyle/>
           <a:p>
-            <a:pPr marL="0" indent="0">
-              <a:spcBef>
-                <a:spcPts val="0"/>
-              </a:spcBef>
-              <a:buNone/>
-            </a:pPr>
-            <a:r>
-              <a:rPr lang="da-DK" sz="1800" b="1">
-                <a:solidFill>
-                  <a:srgbClr val="2B91AF"/>
-                </a:solidFill>
-                <a:latin typeface="Consolas" panose="020B0609020204030204" pitchFamily="49" charset="0"/>
-                <a:ea typeface="Calibri" panose="020F0502020204030204" pitchFamily="34" charset="0"/>
-                <a:cs typeface="Consolas" panose="020B0609020204030204" pitchFamily="49" charset="0"/>
-              </a:rPr>
-              <a:t>List</a:t>
-            </a:r>
-            <a:r>
-              <a:rPr lang="da-DK" sz="1800" b="1">
-                <a:solidFill>
-                  <a:srgbClr val="000000"/>
-                </a:solidFill>
-                <a:latin typeface="Consolas" panose="020B0609020204030204" pitchFamily="49" charset="0"/>
-              </a:rPr>
-              <a:t>&lt;</a:t>
-            </a:r>
-            <a:r>
-              <a:rPr lang="da-DK" sz="1800" b="1">
-                <a:solidFill>
-                  <a:srgbClr val="0000FF"/>
-                </a:solidFill>
-                <a:latin typeface="Consolas" panose="020B0609020204030204" pitchFamily="49" charset="0"/>
-              </a:rPr>
-              <a:t>int</a:t>
-            </a:r>
-            <a:r>
-              <a:rPr lang="da-DK" sz="1800" b="1">
-                <a:solidFill>
-                  <a:srgbClr val="000000"/>
-                </a:solidFill>
-                <a:latin typeface="Consolas" panose="020B0609020204030204" pitchFamily="49" charset="0"/>
-              </a:rPr>
-              <a:t>&gt; primeList = </a:t>
-            </a:r>
-            <a:r>
-              <a:rPr lang="da-DK" sz="1800" b="1">
-                <a:solidFill>
-                  <a:srgbClr val="0000FF"/>
-                </a:solidFill>
-                <a:latin typeface="Consolas" panose="020B0609020204030204" pitchFamily="49" charset="0"/>
-              </a:rPr>
-              <a:t>new</a:t>
-            </a:r>
-            <a:r>
-              <a:rPr lang="da-DK" sz="1800" b="1">
-                <a:solidFill>
-                  <a:srgbClr val="000000"/>
-                </a:solidFill>
-                <a:latin typeface="Consolas" panose="020B0609020204030204" pitchFamily="49" charset="0"/>
-              </a:rPr>
+            <a:r>
+              <a:rPr lang="da-DK" b="1" smtClean="0"/>
+              <a:t>AsOrdered</a:t>
+            </a:r>
+            <a:r>
+              <a:rPr lang="da-DK" smtClean="0"/>
+              <a:t>: Query </a:t>
+            </a:r>
+            <a:r>
+              <a:rPr lang="da-DK" u="sng" smtClean="0"/>
+              <a:t>must</a:t>
+            </a:r>
+            <a:r>
+              <a:rPr lang="da-DK" smtClean="0"/>
+              <a:t> maintain ordering of items</a:t>
+            </a:r>
+          </a:p>
+          <a:p>
+            <a:r>
+              <a:rPr lang="da-DK" b="1" smtClean="0"/>
+              <a:t>AsUnordered </a:t>
+            </a:r>
+            <a:r>
+              <a:rPr lang="da-DK" smtClean="0"/>
+              <a:t>: </a:t>
+            </a:r>
+            <a:r>
+              <a:rPr lang="da-DK"/>
+              <a:t>Query </a:t>
+            </a:r>
+            <a:r>
+              <a:rPr lang="da-DK" u="sng" smtClean="0"/>
+              <a:t>need not</a:t>
+            </a:r>
+            <a:r>
+              <a:rPr lang="da-DK" smtClean="0"/>
               <a:t> </a:t>
             </a:r>
             <a:r>
-              <a:rPr lang="da-DK" sz="1800" b="1">
-                <a:solidFill>
-                  <a:srgbClr val="2B91AF"/>
-                </a:solidFill>
-                <a:latin typeface="Consolas" panose="020B0609020204030204" pitchFamily="49" charset="0"/>
-                <a:ea typeface="Calibri" panose="020F0502020204030204" pitchFamily="34" charset="0"/>
-                <a:cs typeface="Consolas" panose="020B0609020204030204" pitchFamily="49" charset="0"/>
-              </a:rPr>
-              <a:t>List</a:t>
-            </a:r>
-            <a:r>
-              <a:rPr lang="da-DK" sz="1800" b="1">
-                <a:solidFill>
-                  <a:srgbClr val="000000"/>
-                </a:solidFill>
-                <a:latin typeface="Consolas" panose="020B0609020204030204" pitchFamily="49" charset="0"/>
-              </a:rPr>
-              <a:t>&lt;</a:t>
-            </a:r>
-            <a:r>
-              <a:rPr lang="da-DK" sz="1800" b="1">
-                <a:solidFill>
-                  <a:srgbClr val="0000FF"/>
-                </a:solidFill>
-                <a:latin typeface="Consolas" panose="020B0609020204030204" pitchFamily="49" charset="0"/>
-              </a:rPr>
-              <a:t>int</a:t>
-            </a:r>
-            <a:r>
-              <a:rPr lang="da-DK" sz="1800" b="1">
-                <a:solidFill>
-                  <a:srgbClr val="000000"/>
-                </a:solidFill>
-                <a:latin typeface="Consolas" panose="020B0609020204030204" pitchFamily="49" charset="0"/>
-              </a:rPr>
-              <a:t>&gt;();</a:t>
-            </a:r>
-          </a:p>
-          <a:p>
-            <a:pPr marL="0" indent="0">
-              <a:spcBef>
-                <a:spcPts val="0"/>
-              </a:spcBef>
-              <a:buNone/>
-            </a:pPr>
-            <a:endParaRPr lang="en-US" sz="1800" b="1" smtClean="0">
-              <a:solidFill>
-                <a:srgbClr val="2B91AF"/>
-              </a:solidFill>
-              <a:latin typeface="Consolas" panose="020B0609020204030204" pitchFamily="49" charset="0"/>
-              <a:ea typeface="Calibri" panose="020F0502020204030204" pitchFamily="34" charset="0"/>
-              <a:cs typeface="Consolas" panose="020B0609020204030204" pitchFamily="49" charset="0"/>
-            </a:endParaRPr>
-          </a:p>
-          <a:p>
-            <a:pPr marL="0" indent="0">
-              <a:spcBef>
-                <a:spcPts val="0"/>
-              </a:spcBef>
-              <a:buNone/>
-            </a:pPr>
-            <a:r>
-              <a:rPr lang="en-US" sz="1800" b="1" smtClean="0">
-                <a:solidFill>
-                  <a:srgbClr val="2B91AF"/>
-                </a:solidFill>
-                <a:latin typeface="Consolas" panose="020B0609020204030204" pitchFamily="49" charset="0"/>
-                <a:ea typeface="Calibri" panose="020F0502020204030204" pitchFamily="34" charset="0"/>
-                <a:cs typeface="Consolas" panose="020B0609020204030204" pitchFamily="49" charset="0"/>
-              </a:rPr>
-              <a:t>IEnumerable</a:t>
-            </a:r>
-            <a:r>
-              <a:rPr lang="da-DK" sz="1800" b="1" smtClean="0">
-                <a:solidFill>
-                  <a:srgbClr val="000000"/>
-                </a:solidFill>
-                <a:latin typeface="Consolas" panose="020B0609020204030204" pitchFamily="49" charset="0"/>
-              </a:rPr>
-              <a:t>&lt;</a:t>
-            </a:r>
-            <a:r>
-              <a:rPr lang="da-DK" sz="1800" b="1" smtClean="0">
-                <a:solidFill>
-                  <a:srgbClr val="0000FF"/>
-                </a:solidFill>
-                <a:latin typeface="Consolas" panose="020B0609020204030204" pitchFamily="49" charset="0"/>
-              </a:rPr>
-              <a:t>int</a:t>
-            </a:r>
-            <a:r>
-              <a:rPr lang="da-DK" sz="1800" b="1">
-                <a:solidFill>
-                  <a:srgbClr val="000000"/>
-                </a:solidFill>
-                <a:latin typeface="Consolas" panose="020B0609020204030204" pitchFamily="49" charset="0"/>
-              </a:rPr>
-              <a:t>&gt; manyPrimes = </a:t>
-            </a:r>
-            <a:r>
-              <a:rPr lang="da-DK" sz="1800" b="1">
-                <a:solidFill>
-                  <a:srgbClr val="2B91AF"/>
-                </a:solidFill>
-                <a:latin typeface="Consolas" panose="020B0609020204030204" pitchFamily="49" charset="0"/>
-                <a:ea typeface="Calibri" panose="020F0502020204030204" pitchFamily="34" charset="0"/>
-                <a:cs typeface="Consolas" panose="020B0609020204030204" pitchFamily="49" charset="0"/>
-              </a:rPr>
-              <a:t>Enumerable</a:t>
-            </a:r>
-            <a:r>
-              <a:rPr lang="da-DK" sz="1800" b="1">
-                <a:solidFill>
-                  <a:srgbClr val="000000"/>
-                </a:solidFill>
-                <a:latin typeface="Consolas" panose="020B0609020204030204" pitchFamily="49" charset="0"/>
-              </a:rPr>
-              <a:t>.Range(2, 1000000)</a:t>
-            </a:r>
-          </a:p>
-          <a:p>
-            <a:pPr marL="0" indent="0">
-              <a:spcBef>
-                <a:spcPts val="0"/>
-              </a:spcBef>
-              <a:buNone/>
-            </a:pPr>
-            <a:r>
-              <a:rPr lang="da-DK" sz="1800" b="1" smtClean="0">
-                <a:solidFill>
-                  <a:srgbClr val="000000"/>
-                </a:solidFill>
-                <a:latin typeface="Consolas" panose="020B0609020204030204" pitchFamily="49" charset="0"/>
-              </a:rPr>
-              <a:t>	.</a:t>
-            </a:r>
-            <a:r>
-              <a:rPr lang="da-DK" sz="1800" b="1">
-                <a:solidFill>
-                  <a:srgbClr val="000000"/>
-                </a:solidFill>
-                <a:latin typeface="Consolas" panose="020B0609020204030204" pitchFamily="49" charset="0"/>
-              </a:rPr>
-              <a:t>AsParallel()</a:t>
-            </a:r>
-          </a:p>
-          <a:p>
-            <a:pPr marL="0" indent="0">
-              <a:spcBef>
-                <a:spcPts val="0"/>
-              </a:spcBef>
-              <a:buNone/>
-            </a:pPr>
-            <a:r>
-              <a:rPr lang="da-DK" sz="1800" b="1" smtClean="0">
-                <a:solidFill>
-                  <a:srgbClr val="000000"/>
-                </a:solidFill>
-                <a:latin typeface="Consolas" panose="020B0609020204030204" pitchFamily="49" charset="0"/>
-              </a:rPr>
-              <a:t>	.</a:t>
-            </a:r>
-            <a:r>
-              <a:rPr lang="da-DK" sz="1800" b="1">
-                <a:solidFill>
-                  <a:srgbClr val="000000"/>
-                </a:solidFill>
-                <a:latin typeface="Consolas" panose="020B0609020204030204" pitchFamily="49" charset="0"/>
-              </a:rPr>
-              <a:t>Where(IsPrime);</a:t>
-            </a:r>
-          </a:p>
-          <a:p>
-            <a:pPr marL="0" indent="0">
-              <a:spcBef>
-                <a:spcPts val="0"/>
-              </a:spcBef>
-              <a:buNone/>
-            </a:pPr>
-            <a:endParaRPr lang="da-DK" sz="1800" b="1">
-              <a:solidFill>
-                <a:srgbClr val="000000"/>
-              </a:solidFill>
-              <a:latin typeface="Consolas" panose="020B0609020204030204" pitchFamily="49" charset="0"/>
-            </a:endParaRPr>
-          </a:p>
-          <a:p>
-            <a:pPr marL="0" indent="0">
-              <a:spcBef>
-                <a:spcPts val="0"/>
-              </a:spcBef>
-              <a:buNone/>
-            </a:pPr>
-            <a:r>
-              <a:rPr lang="da-DK" sz="1800" b="1" smtClean="0">
-                <a:solidFill>
-                  <a:srgbClr val="0000FF"/>
-                </a:solidFill>
-                <a:latin typeface="Consolas" panose="020B0609020204030204" pitchFamily="49" charset="0"/>
-              </a:rPr>
-              <a:t>foreach</a:t>
-            </a:r>
-            <a:r>
-              <a:rPr lang="da-DK" sz="1800" b="1" smtClean="0">
-                <a:solidFill>
-                  <a:srgbClr val="000000"/>
-                </a:solidFill>
-                <a:latin typeface="Consolas" panose="020B0609020204030204" pitchFamily="49" charset="0"/>
-              </a:rPr>
-              <a:t> </a:t>
-            </a:r>
-            <a:r>
-              <a:rPr lang="da-DK" sz="1800" b="1">
-                <a:solidFill>
-                  <a:srgbClr val="000000"/>
-                </a:solidFill>
-                <a:latin typeface="Consolas" panose="020B0609020204030204" pitchFamily="49" charset="0"/>
-              </a:rPr>
-              <a:t>(</a:t>
-            </a:r>
-            <a:r>
-              <a:rPr lang="da-DK" sz="1800" b="1">
-                <a:solidFill>
-                  <a:srgbClr val="0000FF"/>
-                </a:solidFill>
-                <a:latin typeface="Consolas" panose="020B0609020204030204" pitchFamily="49" charset="0"/>
-              </a:rPr>
-              <a:t>int</a:t>
-            </a:r>
-            <a:r>
-              <a:rPr lang="da-DK" sz="1800" b="1">
-                <a:solidFill>
-                  <a:srgbClr val="000000"/>
-                </a:solidFill>
-                <a:latin typeface="Consolas" panose="020B0609020204030204" pitchFamily="49" charset="0"/>
-              </a:rPr>
-              <a:t> val </a:t>
-            </a:r>
-            <a:r>
-              <a:rPr lang="da-DK" sz="1800" b="1">
-                <a:solidFill>
-                  <a:srgbClr val="0000FF"/>
-                </a:solidFill>
-                <a:latin typeface="Consolas" panose="020B0609020204030204" pitchFamily="49" charset="0"/>
-              </a:rPr>
-              <a:t>in</a:t>
-            </a:r>
-            <a:r>
-              <a:rPr lang="da-DK" sz="1800" b="1">
-                <a:solidFill>
-                  <a:srgbClr val="000000"/>
-                </a:solidFill>
-                <a:latin typeface="Consolas" panose="020B0609020204030204" pitchFamily="49" charset="0"/>
-              </a:rPr>
-              <a:t> manyPrimes)</a:t>
-            </a:r>
-          </a:p>
-          <a:p>
-            <a:pPr marL="0" indent="0">
-              <a:spcBef>
-                <a:spcPts val="0"/>
-              </a:spcBef>
-              <a:buNone/>
-            </a:pPr>
-            <a:r>
-              <a:rPr lang="da-DK" sz="1800" b="1" smtClean="0">
-                <a:solidFill>
-                  <a:srgbClr val="000000"/>
-                </a:solidFill>
-                <a:latin typeface="Consolas" panose="020B0609020204030204" pitchFamily="49" charset="0"/>
-              </a:rPr>
-              <a:t>{</a:t>
-            </a:r>
-            <a:endParaRPr lang="da-DK" sz="1800" b="1">
-              <a:solidFill>
-                <a:srgbClr val="000000"/>
-              </a:solidFill>
-              <a:latin typeface="Consolas" panose="020B0609020204030204" pitchFamily="49" charset="0"/>
-            </a:endParaRPr>
-          </a:p>
-          <a:p>
-            <a:pPr marL="0" indent="0">
-              <a:spcBef>
-                <a:spcPts val="0"/>
-              </a:spcBef>
-              <a:buNone/>
-            </a:pPr>
-            <a:r>
-              <a:rPr lang="da-DK" sz="1800" b="1" smtClean="0">
-                <a:solidFill>
-                  <a:srgbClr val="000000"/>
-                </a:solidFill>
-                <a:latin typeface="Consolas" panose="020B0609020204030204" pitchFamily="49" charset="0"/>
-              </a:rPr>
-              <a:t>	primeList.Add(val</a:t>
-            </a:r>
-            <a:r>
-              <a:rPr lang="da-DK" sz="1800" b="1">
-                <a:solidFill>
-                  <a:srgbClr val="000000"/>
-                </a:solidFill>
-                <a:latin typeface="Consolas" panose="020B0609020204030204" pitchFamily="49" charset="0"/>
-              </a:rPr>
-              <a:t>);</a:t>
-            </a:r>
-          </a:p>
-          <a:p>
-            <a:pPr marL="0" indent="0">
-              <a:spcBef>
-                <a:spcPts val="0"/>
-              </a:spcBef>
-              <a:buNone/>
-            </a:pPr>
-            <a:r>
-              <a:rPr lang="da-DK" sz="1800" b="1" smtClean="0">
-                <a:solidFill>
-                  <a:srgbClr val="000000"/>
-                </a:solidFill>
-                <a:latin typeface="Consolas" panose="020B0609020204030204" pitchFamily="49" charset="0"/>
-              </a:rPr>
-              <a:t>}</a:t>
-            </a:r>
-          </a:p>
-          <a:p>
-            <a:pPr marL="0" indent="0">
-              <a:spcBef>
-                <a:spcPts val="0"/>
-              </a:spcBef>
-              <a:buNone/>
-            </a:pPr>
-            <a:endParaRPr lang="da-DK" sz="1800" b="1">
-              <a:solidFill>
-                <a:srgbClr val="000000"/>
-              </a:solidFill>
-              <a:latin typeface="Consolas" panose="020B0609020204030204" pitchFamily="49" charset="0"/>
-            </a:endParaRPr>
-          </a:p>
-          <a:p>
-            <a:pPr marL="0" indent="0">
-              <a:spcBef>
-                <a:spcPts val="0"/>
-              </a:spcBef>
-              <a:buNone/>
-            </a:pPr>
-            <a:r>
-              <a:rPr lang="en-US" sz="1800" b="1" smtClean="0">
-                <a:solidFill>
-                  <a:srgbClr val="000000"/>
-                </a:solidFill>
-                <a:latin typeface="Consolas" panose="020B0609020204030204" pitchFamily="49" charset="0"/>
-              </a:rPr>
-              <a:t>Console.WriteLine</a:t>
-            </a:r>
-            <a:r>
-              <a:rPr lang="en-US" sz="1800" b="1">
-                <a:solidFill>
-                  <a:srgbClr val="000000"/>
-                </a:solidFill>
-                <a:latin typeface="Consolas" panose="020B0609020204030204" pitchFamily="49" charset="0"/>
-              </a:rPr>
-              <a:t>(</a:t>
-            </a:r>
-            <a:r>
-              <a:rPr lang="en-US" sz="1800" b="1">
-                <a:solidFill>
-                  <a:srgbClr val="A31515"/>
-                </a:solidFill>
-                <a:latin typeface="Consolas" panose="020B0609020204030204" pitchFamily="49" charset="0"/>
-              </a:rPr>
-              <a:t>$"No. of items in primesList : </a:t>
-            </a:r>
-            <a:r>
-              <a:rPr lang="en-US" sz="1800" b="1">
-                <a:solidFill>
-                  <a:srgbClr val="000000"/>
-                </a:solidFill>
-                <a:latin typeface="Consolas" panose="020B0609020204030204" pitchFamily="49" charset="0"/>
-              </a:rPr>
-              <a:t>{primeList.Count}</a:t>
-            </a:r>
-            <a:r>
-              <a:rPr lang="en-US" sz="1800" b="1">
-                <a:solidFill>
-                  <a:srgbClr val="A31515"/>
-                </a:solidFill>
-                <a:latin typeface="Consolas" panose="020B0609020204030204" pitchFamily="49" charset="0"/>
-              </a:rPr>
-              <a:t>"</a:t>
-            </a:r>
-            <a:r>
-              <a:rPr lang="en-US" sz="1800" b="1">
-                <a:solidFill>
-                  <a:srgbClr val="000000"/>
-                </a:solidFill>
-                <a:latin typeface="Consolas" panose="020B0609020204030204" pitchFamily="49" charset="0"/>
-              </a:rPr>
-              <a:t>);</a:t>
-            </a:r>
-            <a:endParaRPr lang="da-DK" sz="1800" b="1"/>
+              <a:rPr lang="da-DK"/>
+              <a:t>maintain ordering of items</a:t>
+            </a:r>
+            <a:endParaRPr lang="da-DK" smtClean="0"/>
+          </a:p>
+          <a:p>
+            <a:endParaRPr lang="da-DK"/>
           </a:p>
         </p:txBody>
       </p:sp>
-      <p:pic>
-        <p:nvPicPr>
-          <p:cNvPr id="5" name="Picture 2" descr="Billedresultat for tick icon"/>
-          <p:cNvPicPr>
-            <a:picLocks noChangeAspect="1" noChangeArrowheads="1"/>
-          </p:cNvPicPr>
-          <p:nvPr/>
-        </p:nvPicPr>
-        <p:blipFill>
-          <a:blip r:embed="rId2" cstate="print">
-            <a:extLst>
-              <a:ext uri="{28A0092B-C50C-407E-A947-70E740481C1C}">
-                <a14:useLocalDpi xmlns:a14="http://schemas.microsoft.com/office/drawing/2010/main" val="0"/>
-              </a:ext>
-            </a:extLst>
-          </a:blip>
-          <a:srcRect/>
-          <a:stretch>
-            <a:fillRect/>
-          </a:stretch>
-        </p:blipFill>
-        <p:spPr bwMode="auto">
-          <a:xfrm>
-            <a:off x="10142969" y="2834664"/>
-            <a:ext cx="720000" cy="720000"/>
-          </a:xfrm>
-          <a:prstGeom prst="rect">
-            <a:avLst/>
-          </a:prstGeom>
-          <a:noFill/>
-          <a:extLst>
-            <a:ext uri="{909E8E84-426E-40DD-AFC4-6F175D3DCCD1}">
-              <a14:hiddenFill xmlns:a14="http://schemas.microsoft.com/office/drawing/2010/main">
-                <a:solidFill>
-                  <a:srgbClr val="FFFFFF"/>
-                </a:solidFill>
-              </a14:hiddenFill>
-            </a:ext>
-          </a:extLst>
-        </p:spPr>
-      </p:pic>
     </p:spTree>
     <p:extLst>
       <p:ext uri="{BB962C8B-B14F-4D97-AF65-F5344CB8AC3E}">
-        <p14:creationId xmlns:p14="http://schemas.microsoft.com/office/powerpoint/2010/main" val="704785843"/>
+        <p14:creationId xmlns:p14="http://schemas.microsoft.com/office/powerpoint/2010/main" val="2970705535"/>
       </p:ext>
     </p:extLst>
   </p:cSld>
   <p:clrMapOvr>
     <a:masterClrMapping/>
   </p:clrMapOvr>
-  <mc:AlternateContent xmlns:mc="http://schemas.openxmlformats.org/markup-compatibility/2006">
-    <mc:Choice xmlns:p14="http://schemas.microsoft.com/office/powerpoint/2010/main" Requires="p14">
-      <p:transition spd="med" p14:dur="700">
-        <p:fade/>
-      </p:transition>
-    </mc:Choice>
-    <mc:Fallback>
-      <p:transition spd="med">
-        <p:fade/>
-      </p:transition>
-    </mc:Fallback>
-  </mc:AlternateContent>
   <p:timing>
     <p:tnLst>
       <p:par>
-        <p:cTn id="1" dur="indefinite" restart="never" nodeType="tmRoot">
-          <p:childTnLst>
-            <p:seq concurrent="1" nextAc="seek">
-              <p:cTn id="2" dur="indefinite" nodeType="mainSeq">
-                <p:childTnLst>
-                  <p:par>
-                    <p:cTn id="3" fill="hold">
-                      <p:stCondLst>
-                        <p:cond delay="indefinite"/>
-                      </p:stCondLst>
-                      <p:childTnLst>
-                        <p:par>
-                          <p:cTn id="4" fill="hold">
-                            <p:stCondLst>
-                              <p:cond delay="0"/>
-                            </p:stCondLst>
-                            <p:childTnLst>
-                              <p:par>
-                                <p:cTn id="5" presetID="10" presetClass="entr" presetSubtype="0" fill="hold" nodeType="clickEffect">
-                                  <p:stCondLst>
-                                    <p:cond delay="0"/>
-                                  </p:stCondLst>
-                                  <p:childTnLst>
-                                    <p:set>
-                                      <p:cBhvr>
-                                        <p:cTn id="6" dur="1" fill="hold">
-                                          <p:stCondLst>
-                                            <p:cond delay="0"/>
-                                          </p:stCondLst>
-                                        </p:cTn>
-                                        <p:tgtEl>
-                                          <p:spTgt spid="5"/>
-                                        </p:tgtEl>
-                                        <p:attrNameLst>
-                                          <p:attrName>style.visibility</p:attrName>
-                                        </p:attrNameLst>
-                                      </p:cBhvr>
-                                      <p:to>
-                                        <p:strVal val="visible"/>
-                                      </p:to>
-                                    </p:set>
-                                    <p:animEffect transition="in" filter="fade">
-                                      <p:cBhvr>
-                                        <p:cTn id="7" dur="500"/>
-                                        <p:tgtEl>
-                                          <p:spTgt spid="5"/>
-                                        </p:tgtEl>
-                                      </p:cBhvr>
-                                    </p:animEffect>
-                                  </p:childTnLst>
-                                </p:cTn>
-                              </p:par>
-                            </p:childTnLst>
-                          </p:cTn>
-                        </p:par>
-                      </p:childTnLst>
-                    </p:cTn>
-                  </p:par>
-                </p:childTnLst>
-              </p:cTn>
-              <p:prevCondLst>
-                <p:cond evt="onPrev" delay="0">
-                  <p:tgtEl>
-                    <p:sldTgt/>
-                  </p:tgtEl>
-                </p:cond>
-              </p:prevCondLst>
-              <p:nextCondLst>
-                <p:cond evt="onNext" delay="0">
-                  <p:tgtEl>
-                    <p:sldTgt/>
-                  </p:tgtEl>
-                </p:cond>
-              </p:nextCondLst>
-            </p:seq>
-          </p:childTnLst>
-        </p:cTn>
+        <p:cTn id="1" dur="indefinite" restart="never" nodeType="tmRoot"/>
       </p:par>
     </p:tnLst>
   </p:timing>
@@ -8360,16 +8266,7 @@
                 </a:solidFill>
                 <a:latin typeface="Consolas" panose="020B0609020204030204" pitchFamily="49" charset="0"/>
               </a:rPr>
-              <a:t>Where(IsPrime</a:t>
-            </a:r>
-            <a:r>
-              <a:rPr lang="da-DK" sz="1800" b="1" smtClean="0">
-                <a:solidFill>
-                  <a:srgbClr val="000000"/>
-                </a:solidFill>
-                <a:latin typeface="Consolas" panose="020B0609020204030204" pitchFamily="49" charset="0"/>
-              </a:rPr>
-              <a:t>);</a:t>
+              <a:t>Where(IsPrime);</a:t>
             </a:r>
           </a:p>
           <a:p>
@@ -8379,38 +8276,149 @@
               </a:spcBef>
               <a:buNone/>
             </a:pPr>
-            <a:r>
-              <a:rPr lang="da-DK" sz="1800" b="1" smtClean="0">
-                <a:solidFill>
-                  <a:srgbClr val="000000"/>
-                </a:solidFill>
-                <a:latin typeface="Consolas" panose="020B0609020204030204" pitchFamily="49" charset="0"/>
-              </a:rPr>
-              <a:t>	.ToList();</a:t>
-            </a:r>
-          </a:p>
-          <a:p>
-            <a:pPr marL="0" indent="0">
-              <a:spcBef>
-                <a:spcPts val="0"/>
-              </a:spcBef>
-              <a:buNone/>
-            </a:pPr>
-            <a:r>
-              <a:rPr lang="da-DK" sz="1800" b="1" smtClean="0">
-                <a:solidFill>
-                  <a:srgbClr val="000000"/>
-                </a:solidFill>
-                <a:latin typeface="Consolas" panose="020B0609020204030204" pitchFamily="49" charset="0"/>
-              </a:rPr>
-              <a:t>	.ForEach(primeList.Add);</a:t>
-            </a:r>
             <a:endParaRPr lang="da-DK" sz="1800" b="1">
               <a:solidFill>
                 <a:srgbClr val="000000"/>
               </a:solidFill>
               <a:latin typeface="Consolas" panose="020B0609020204030204" pitchFamily="49" charset="0"/>
             </a:endParaRPr>
+          </a:p>
+          <a:p>
+            <a:pPr marL="0" indent="0">
+              <a:spcBef>
+                <a:spcPts val="0"/>
+              </a:spcBef>
+              <a:buNone/>
+            </a:pPr>
+            <a:r>
+              <a:rPr lang="da-DK" sz="1800" b="1" smtClean="0">
+                <a:solidFill>
+                  <a:srgbClr val="0000FF"/>
+                </a:solidFill>
+                <a:latin typeface="Consolas" panose="020B0609020204030204" pitchFamily="49" charset="0"/>
+              </a:rPr>
+              <a:t>foreach</a:t>
+            </a:r>
+            <a:r>
+              <a:rPr lang="da-DK" sz="1800" b="1" smtClean="0">
+                <a:solidFill>
+                  <a:srgbClr val="000000"/>
+                </a:solidFill>
+                <a:latin typeface="Consolas" panose="020B0609020204030204" pitchFamily="49" charset="0"/>
+              </a:rPr>
+              <a:t> </a:t>
+            </a:r>
+            <a:r>
+              <a:rPr lang="da-DK" sz="1800" b="1">
+                <a:solidFill>
+                  <a:srgbClr val="000000"/>
+                </a:solidFill>
+                <a:latin typeface="Consolas" panose="020B0609020204030204" pitchFamily="49" charset="0"/>
+              </a:rPr>
+              <a:t>(</a:t>
+            </a:r>
+            <a:r>
+              <a:rPr lang="da-DK" sz="1800" b="1">
+                <a:solidFill>
+                  <a:srgbClr val="0000FF"/>
+                </a:solidFill>
+                <a:latin typeface="Consolas" panose="020B0609020204030204" pitchFamily="49" charset="0"/>
+              </a:rPr>
+              <a:t>int</a:t>
+            </a:r>
+            <a:r>
+              <a:rPr lang="da-DK" sz="1800" b="1">
+                <a:solidFill>
+                  <a:srgbClr val="000000"/>
+                </a:solidFill>
+                <a:latin typeface="Consolas" panose="020B0609020204030204" pitchFamily="49" charset="0"/>
+              </a:rPr>
+              <a:t> val </a:t>
+            </a:r>
+            <a:r>
+              <a:rPr lang="da-DK" sz="1800" b="1">
+                <a:solidFill>
+                  <a:srgbClr val="0000FF"/>
+                </a:solidFill>
+                <a:latin typeface="Consolas" panose="020B0609020204030204" pitchFamily="49" charset="0"/>
+              </a:rPr>
+              <a:t>in</a:t>
+            </a:r>
+            <a:r>
+              <a:rPr lang="da-DK" sz="1800" b="1">
+                <a:solidFill>
+                  <a:srgbClr val="000000"/>
+                </a:solidFill>
+                <a:latin typeface="Consolas" panose="020B0609020204030204" pitchFamily="49" charset="0"/>
+              </a:rPr>
+              <a:t> manyPrimes)</a:t>
+            </a:r>
+          </a:p>
+          <a:p>
+            <a:pPr marL="0" indent="0">
+              <a:spcBef>
+                <a:spcPts val="0"/>
+              </a:spcBef>
+              <a:buNone/>
+            </a:pPr>
+            <a:r>
+              <a:rPr lang="da-DK" sz="1800" b="1" smtClean="0">
+                <a:solidFill>
+                  <a:srgbClr val="000000"/>
+                </a:solidFill>
+                <a:latin typeface="Consolas" panose="020B0609020204030204" pitchFamily="49" charset="0"/>
+              </a:rPr>
+              <a:t>{</a:t>
+            </a:r>
+            <a:endParaRPr lang="da-DK" sz="1800" b="1">
+              <a:solidFill>
+                <a:srgbClr val="000000"/>
+              </a:solidFill>
+              <a:latin typeface="Consolas" panose="020B0609020204030204" pitchFamily="49" charset="0"/>
+            </a:endParaRPr>
+          </a:p>
+          <a:p>
+            <a:pPr marL="0" indent="0">
+              <a:spcBef>
+                <a:spcPts val="0"/>
+              </a:spcBef>
+              <a:buNone/>
+            </a:pPr>
+            <a:r>
+              <a:rPr lang="da-DK" sz="1800" b="1" smtClean="0">
+                <a:solidFill>
+                  <a:srgbClr val="000000"/>
+                </a:solidFill>
+                <a:latin typeface="Consolas" panose="020B0609020204030204" pitchFamily="49" charset="0"/>
+              </a:rPr>
+              <a:t>	primeList.Add(val</a:t>
+            </a:r>
+            <a:r>
+              <a:rPr lang="da-DK" sz="1800" b="1">
+                <a:solidFill>
+                  <a:srgbClr val="000000"/>
+                </a:solidFill>
+                <a:latin typeface="Consolas" panose="020B0609020204030204" pitchFamily="49" charset="0"/>
+              </a:rPr>
+              <a:t>);</a:t>
+            </a:r>
+          </a:p>
+          <a:p>
+            <a:pPr marL="0" indent="0">
+              <a:spcBef>
+                <a:spcPts val="0"/>
+              </a:spcBef>
+              <a:buNone/>
+            </a:pPr>
+            <a:r>
+              <a:rPr lang="da-DK" sz="1800" b="1" smtClean="0">
+                <a:solidFill>
+                  <a:srgbClr val="000000"/>
+                </a:solidFill>
+                <a:latin typeface="Consolas" panose="020B0609020204030204" pitchFamily="49" charset="0"/>
+              </a:rPr>
+              <a:t>}</a:t>
+            </a:r>
           </a:p>
           <a:p>
             <a:pPr marL="0" indent="0">
@@ -8535,20 +8543,20 @@
     </p:spTree>
     <p:extLst>
       <p:ext uri="{BB962C8B-B14F-4D97-AF65-F5344CB8AC3E}">
-        <p14:creationId xmlns:p14="http://schemas.microsoft.com/office/powerpoint/2010/main" val="683796270"/>
+        <p14:creationId xmlns:p14="http://schemas.microsoft.com/office/powerpoint/2010/main" val="704785843"/>
       </p:ext>
     </p:extLst>
   </p:cSld>
   <p:clrMapOvr>
     <a:masterClrMapping/>
   </p:clrMapOvr>
-  <mc:AlternateContent xmlns:mc="http://schemas.openxmlformats.org/markup-compatibility/2006">
-    <mc:Choice xmlns:p14="http://schemas.microsoft.com/office/powerpoint/2010/main" Requires="p14">
+  <mc:AlternateContent xmlns:mc="http://schemas.openxmlformats.org/markup-compatibility/2006" xmlns:p14="http://schemas.microsoft.com/office/powerpoint/2010/main">
+    <mc:Choice Requires="p14">
       <p:transition spd="med" p14:dur="700">
         <p:fade/>
       </p:transition>
     </mc:Choice>
-    <mc:Fallback>
+    <mc:Fallback xmlns="">
       <p:transition spd="med">
         <p:fade/>
       </p:transition>
@@ -8674,15 +8682,7 @@
           <a:p>
             <a:r>
               <a:rPr lang="da-DK" b="1" smtClean="0"/>
-              <a:t>ASWC Day </a:t>
-            </a:r>
-            <a:r>
-              <a:rPr lang="da-DK" b="1" smtClean="0"/>
-              <a:t>2 </a:t>
-            </a:r>
-            <a:r>
-              <a:rPr lang="da-DK" b="1" smtClean="0"/>
-              <a:t>- agenda</a:t>
+              <a:t>ASWC Day 2 - agenda</a:t>
             </a:r>
             <a:endParaRPr lang="da-DK" b="1"/>
           </a:p>
@@ -8705,11 +8705,7 @@
           <a:p>
             <a:r>
               <a:rPr lang="da-DK" smtClean="0"/>
-              <a:t>Follow-up on </a:t>
-            </a:r>
-            <a:r>
-              <a:rPr lang="da-DK" smtClean="0"/>
-              <a:t>previous exercises (on request)</a:t>
+              <a:t>Follow-up on previous exercises (on request)</a:t>
             </a:r>
           </a:p>
           <a:p>
@@ -8717,30 +8713,19 @@
               <a:rPr lang="da-DK" smtClean="0"/>
               <a:t>Small demo on functions as parameters</a:t>
             </a:r>
-            <a:endParaRPr lang="da-DK" smtClean="0"/>
           </a:p>
           <a:p>
             <a:r>
               <a:rPr lang="da-DK" smtClean="0"/>
-              <a:t>LINQ – </a:t>
-            </a:r>
-            <a:r>
-              <a:rPr lang="da-DK" smtClean="0"/>
-              <a:t>set-oriented methods</a:t>
-            </a:r>
-            <a:endParaRPr lang="da-DK" smtClean="0"/>
+              <a:t>LINQ – set-oriented methods</a:t>
+            </a:r>
           </a:p>
           <a:p>
             <a:pPr lvl="1"/>
             <a:r>
               <a:rPr lang="da-DK" i="1" smtClean="0"/>
-              <a:t>Exercise </a:t>
-            </a:r>
-            <a:r>
-              <a:rPr lang="da-DK" i="1" smtClean="0"/>
-              <a:t>Pro.3.13</a:t>
-            </a:r>
-            <a:endParaRPr lang="da-DK" i="1" smtClean="0"/>
+              <a:t>Exercise Pro.3.13</a:t>
+            </a:r>
           </a:p>
           <a:p>
             <a:r>
@@ -8755,7 +8740,6 @@
               <a:rPr lang="da-DK" i="1" smtClean="0"/>
               <a:t>Demo only</a:t>
             </a:r>
-            <a:endParaRPr lang="da-DK" i="1" smtClean="0"/>
           </a:p>
           <a:p>
             <a:r>
@@ -8798,6 +8782,580 @@
 </file>
 
 <file path=ppt/slides/slide20.xml><?xml version="1.0" encoding="utf-8"?>
+<p:sld xmlns:a="http://schemas.openxmlformats.org/drawingml/2006/main" xmlns:r="http://schemas.openxmlformats.org/officeDocument/2006/relationships" xmlns:p="http://schemas.openxmlformats.org/presentationml/2006/main">
+  <p:cSld>
+    <p:spTree>
+      <p:nvGrpSpPr>
+        <p:cNvPr id="1" name=""/>
+        <p:cNvGrpSpPr/>
+        <p:nvPr/>
+      </p:nvGrpSpPr>
+      <p:grpSpPr>
+        <a:xfrm>
+          <a:off x="0" y="0"/>
+          <a:ext cx="0" cy="0"/>
+          <a:chOff x="0" y="0"/>
+          <a:chExt cx="0" cy="0"/>
+        </a:xfrm>
+      </p:grpSpPr>
+      <p:sp>
+        <p:nvSpPr>
+          <p:cNvPr id="2" name="Titel 1"/>
+          <p:cNvSpPr>
+            <a:spLocks noGrp="1"/>
+          </p:cNvSpPr>
+          <p:nvPr>
+            <p:ph type="title"/>
+          </p:nvPr>
+        </p:nvSpPr>
+        <p:spPr/>
+        <p:txBody>
+          <a:bodyPr/>
+          <a:lstStyle/>
+          <a:p>
+            <a:r>
+              <a:rPr lang="da-DK" b="1" smtClean="0"/>
+              <a:t>Parallel LINQ</a:t>
+            </a:r>
+            <a:endParaRPr lang="da-DK" b="1"/>
+          </a:p>
+        </p:txBody>
+      </p:sp>
+      <p:sp>
+        <p:nvSpPr>
+          <p:cNvPr id="4" name="Pladsholder til indhold 3"/>
+          <p:cNvSpPr>
+            <a:spLocks noGrp="1"/>
+          </p:cNvSpPr>
+          <p:nvPr>
+            <p:ph idx="1"/>
+          </p:nvPr>
+        </p:nvSpPr>
+        <p:spPr>
+          <a:xfrm>
+            <a:off x="838200" y="1825625"/>
+            <a:ext cx="8974015" cy="4351338"/>
+          </a:xfrm>
+        </p:spPr>
+        <p:txBody>
+          <a:bodyPr>
+            <a:normAutofit/>
+          </a:bodyPr>
+          <a:lstStyle/>
+          <a:p>
+            <a:pPr marL="0" indent="0">
+              <a:spcBef>
+                <a:spcPts val="0"/>
+              </a:spcBef>
+              <a:buNone/>
+            </a:pPr>
+            <a:r>
+              <a:rPr lang="da-DK" sz="1800" b="1">
+                <a:solidFill>
+                  <a:srgbClr val="2B91AF"/>
+                </a:solidFill>
+                <a:latin typeface="Consolas" panose="020B0609020204030204" pitchFamily="49" charset="0"/>
+                <a:ea typeface="Calibri" panose="020F0502020204030204" pitchFamily="34" charset="0"/>
+                <a:cs typeface="Consolas" panose="020B0609020204030204" pitchFamily="49" charset="0"/>
+              </a:rPr>
+              <a:t>List</a:t>
+            </a:r>
+            <a:r>
+              <a:rPr lang="da-DK" sz="1800" b="1">
+                <a:solidFill>
+                  <a:srgbClr val="000000"/>
+                </a:solidFill>
+                <a:latin typeface="Consolas" panose="020B0609020204030204" pitchFamily="49" charset="0"/>
+              </a:rPr>
+              <a:t>&lt;</a:t>
+            </a:r>
+            <a:r>
+              <a:rPr lang="da-DK" sz="1800" b="1">
+                <a:solidFill>
+                  <a:srgbClr val="0000FF"/>
+                </a:solidFill>
+                <a:latin typeface="Consolas" panose="020B0609020204030204" pitchFamily="49" charset="0"/>
+              </a:rPr>
+              <a:t>int</a:t>
+            </a:r>
+            <a:r>
+              <a:rPr lang="da-DK" sz="1800" b="1">
+                <a:solidFill>
+                  <a:srgbClr val="000000"/>
+                </a:solidFill>
+                <a:latin typeface="Consolas" panose="020B0609020204030204" pitchFamily="49" charset="0"/>
+              </a:rPr>
+              <a:t>&gt; primeList = </a:t>
+            </a:r>
+            <a:r>
+              <a:rPr lang="da-DK" sz="1800" b="1">
+                <a:solidFill>
+                  <a:srgbClr val="0000FF"/>
+                </a:solidFill>
+                <a:latin typeface="Consolas" panose="020B0609020204030204" pitchFamily="49" charset="0"/>
+              </a:rPr>
+              <a:t>new</a:t>
+            </a:r>
+            <a:r>
+              <a:rPr lang="da-DK" sz="1800" b="1">
+                <a:solidFill>
+                  <a:srgbClr val="000000"/>
+                </a:solidFill>
+                <a:latin typeface="Consolas" panose="020B0609020204030204" pitchFamily="49" charset="0"/>
+              </a:rPr>
+              <a:t> </a:t>
+            </a:r>
+            <a:r>
+              <a:rPr lang="da-DK" sz="1800" b="1">
+                <a:solidFill>
+                  <a:srgbClr val="2B91AF"/>
+                </a:solidFill>
+                <a:latin typeface="Consolas" panose="020B0609020204030204" pitchFamily="49" charset="0"/>
+                <a:ea typeface="Calibri" panose="020F0502020204030204" pitchFamily="34" charset="0"/>
+                <a:cs typeface="Consolas" panose="020B0609020204030204" pitchFamily="49" charset="0"/>
+              </a:rPr>
+              <a:t>List</a:t>
+            </a:r>
+            <a:r>
+              <a:rPr lang="da-DK" sz="1800" b="1">
+                <a:solidFill>
+                  <a:srgbClr val="000000"/>
+                </a:solidFill>
+                <a:latin typeface="Consolas" panose="020B0609020204030204" pitchFamily="49" charset="0"/>
+              </a:rPr>
+              <a:t>&lt;</a:t>
+            </a:r>
+            <a:r>
+              <a:rPr lang="da-DK" sz="1800" b="1">
+                <a:solidFill>
+                  <a:srgbClr val="0000FF"/>
+                </a:solidFill>
+                <a:latin typeface="Consolas" panose="020B0609020204030204" pitchFamily="49" charset="0"/>
+              </a:rPr>
+              <a:t>int</a:t>
+            </a:r>
+            <a:r>
+              <a:rPr lang="da-DK" sz="1800" b="1">
+                <a:solidFill>
+                  <a:srgbClr val="000000"/>
+                </a:solidFill>
+                <a:latin typeface="Consolas" panose="020B0609020204030204" pitchFamily="49" charset="0"/>
+              </a:rPr>
+              <a:t>&gt;();</a:t>
+            </a:r>
+          </a:p>
+          <a:p>
+            <a:pPr marL="0" indent="0">
+              <a:spcBef>
+                <a:spcPts val="0"/>
+              </a:spcBef>
+              <a:buNone/>
+            </a:pPr>
+            <a:endParaRPr lang="en-US" sz="1800" b="1" smtClean="0">
+              <a:solidFill>
+                <a:srgbClr val="2B91AF"/>
+              </a:solidFill>
+              <a:latin typeface="Consolas" panose="020B0609020204030204" pitchFamily="49" charset="0"/>
+              <a:ea typeface="Calibri" panose="020F0502020204030204" pitchFamily="34" charset="0"/>
+              <a:cs typeface="Consolas" panose="020B0609020204030204" pitchFamily="49" charset="0"/>
+            </a:endParaRPr>
+          </a:p>
+          <a:p>
+            <a:pPr marL="0" indent="0">
+              <a:spcBef>
+                <a:spcPts val="0"/>
+              </a:spcBef>
+              <a:buNone/>
+            </a:pPr>
+            <a:r>
+              <a:rPr lang="en-US" sz="1800" b="1" smtClean="0">
+                <a:solidFill>
+                  <a:srgbClr val="2B91AF"/>
+                </a:solidFill>
+                <a:latin typeface="Consolas" panose="020B0609020204030204" pitchFamily="49" charset="0"/>
+                <a:ea typeface="Calibri" panose="020F0502020204030204" pitchFamily="34" charset="0"/>
+                <a:cs typeface="Consolas" panose="020B0609020204030204" pitchFamily="49" charset="0"/>
+              </a:rPr>
+              <a:t>IEnumerable</a:t>
+            </a:r>
+            <a:r>
+              <a:rPr lang="da-DK" sz="1800" b="1" smtClean="0">
+                <a:solidFill>
+                  <a:srgbClr val="000000"/>
+                </a:solidFill>
+                <a:latin typeface="Consolas" panose="020B0609020204030204" pitchFamily="49" charset="0"/>
+              </a:rPr>
+              <a:t>&lt;</a:t>
+            </a:r>
+            <a:r>
+              <a:rPr lang="da-DK" sz="1800" b="1" smtClean="0">
+                <a:solidFill>
+                  <a:srgbClr val="0000FF"/>
+                </a:solidFill>
+                <a:latin typeface="Consolas" panose="020B0609020204030204" pitchFamily="49" charset="0"/>
+              </a:rPr>
+              <a:t>int</a:t>
+            </a:r>
+            <a:r>
+              <a:rPr lang="da-DK" sz="1800" b="1">
+                <a:solidFill>
+                  <a:srgbClr val="000000"/>
+                </a:solidFill>
+                <a:latin typeface="Consolas" panose="020B0609020204030204" pitchFamily="49" charset="0"/>
+              </a:rPr>
+              <a:t>&gt; manyPrimes = </a:t>
+            </a:r>
+            <a:r>
+              <a:rPr lang="da-DK" sz="1800" b="1">
+                <a:solidFill>
+                  <a:srgbClr val="2B91AF"/>
+                </a:solidFill>
+                <a:latin typeface="Consolas" panose="020B0609020204030204" pitchFamily="49" charset="0"/>
+                <a:ea typeface="Calibri" panose="020F0502020204030204" pitchFamily="34" charset="0"/>
+                <a:cs typeface="Consolas" panose="020B0609020204030204" pitchFamily="49" charset="0"/>
+              </a:rPr>
+              <a:t>Enumerable</a:t>
+            </a:r>
+            <a:r>
+              <a:rPr lang="da-DK" sz="1800" b="1">
+                <a:solidFill>
+                  <a:srgbClr val="000000"/>
+                </a:solidFill>
+                <a:latin typeface="Consolas" panose="020B0609020204030204" pitchFamily="49" charset="0"/>
+              </a:rPr>
+              <a:t>.Range(2, 1000000)</a:t>
+            </a:r>
+          </a:p>
+          <a:p>
+            <a:pPr marL="0" indent="0">
+              <a:spcBef>
+                <a:spcPts val="0"/>
+              </a:spcBef>
+              <a:buNone/>
+            </a:pPr>
+            <a:r>
+              <a:rPr lang="da-DK" sz="1800" b="1" smtClean="0">
+                <a:solidFill>
+                  <a:srgbClr val="000000"/>
+                </a:solidFill>
+                <a:latin typeface="Consolas" panose="020B0609020204030204" pitchFamily="49" charset="0"/>
+              </a:rPr>
+              <a:t>	.</a:t>
+            </a:r>
+            <a:r>
+              <a:rPr lang="da-DK" sz="1800" b="1">
+                <a:solidFill>
+                  <a:srgbClr val="000000"/>
+                </a:solidFill>
+                <a:latin typeface="Consolas" panose="020B0609020204030204" pitchFamily="49" charset="0"/>
+              </a:rPr>
+              <a:t>AsParallel()</a:t>
+            </a:r>
+          </a:p>
+          <a:p>
+            <a:pPr marL="0" indent="0">
+              <a:spcBef>
+                <a:spcPts val="0"/>
+              </a:spcBef>
+              <a:buNone/>
+            </a:pPr>
+            <a:r>
+              <a:rPr lang="da-DK" sz="1800" b="1" smtClean="0">
+                <a:solidFill>
+                  <a:srgbClr val="000000"/>
+                </a:solidFill>
+                <a:latin typeface="Consolas" panose="020B0609020204030204" pitchFamily="49" charset="0"/>
+              </a:rPr>
+              <a:t>	.</a:t>
+            </a:r>
+            <a:r>
+              <a:rPr lang="da-DK" sz="1800" b="1">
+                <a:solidFill>
+                  <a:srgbClr val="000000"/>
+                </a:solidFill>
+                <a:latin typeface="Consolas" panose="020B0609020204030204" pitchFamily="49" charset="0"/>
+              </a:rPr>
+              <a:t>Where(IsPrime</a:t>
+            </a:r>
+            <a:r>
+              <a:rPr lang="da-DK" sz="1800" b="1" smtClean="0">
+                <a:solidFill>
+                  <a:srgbClr val="000000"/>
+                </a:solidFill>
+                <a:latin typeface="Consolas" panose="020B0609020204030204" pitchFamily="49" charset="0"/>
+              </a:rPr>
+              <a:t>);</a:t>
+            </a:r>
+          </a:p>
+          <a:p>
+            <a:pPr marL="0" indent="0">
+              <a:spcBef>
+                <a:spcPts val="0"/>
+              </a:spcBef>
+              <a:buNone/>
+            </a:pPr>
+            <a:r>
+              <a:rPr lang="da-DK" sz="1800" b="1" smtClean="0">
+                <a:solidFill>
+                  <a:srgbClr val="000000"/>
+                </a:solidFill>
+                <a:latin typeface="Consolas" panose="020B0609020204030204" pitchFamily="49" charset="0"/>
+              </a:rPr>
+              <a:t>	.ToList();</a:t>
+            </a:r>
+          </a:p>
+          <a:p>
+            <a:pPr marL="0" indent="0">
+              <a:spcBef>
+                <a:spcPts val="0"/>
+              </a:spcBef>
+              <a:buNone/>
+            </a:pPr>
+            <a:r>
+              <a:rPr lang="da-DK" sz="1800" b="1" smtClean="0">
+                <a:solidFill>
+                  <a:srgbClr val="000000"/>
+                </a:solidFill>
+                <a:latin typeface="Consolas" panose="020B0609020204030204" pitchFamily="49" charset="0"/>
+              </a:rPr>
+              <a:t>	.ForEach(primeList.Add);</a:t>
+            </a:r>
+            <a:endParaRPr lang="da-DK" sz="1800" b="1">
+              <a:solidFill>
+                <a:srgbClr val="000000"/>
+              </a:solidFill>
+              <a:latin typeface="Consolas" panose="020B0609020204030204" pitchFamily="49" charset="0"/>
+            </a:endParaRPr>
+          </a:p>
+          <a:p>
+            <a:pPr marL="0" indent="0">
+              <a:spcBef>
+                <a:spcPts val="0"/>
+              </a:spcBef>
+              <a:buNone/>
+            </a:pPr>
+            <a:endParaRPr lang="da-DK" sz="1800" b="1">
+              <a:solidFill>
+                <a:srgbClr val="000000"/>
+              </a:solidFill>
+              <a:latin typeface="Consolas" panose="020B0609020204030204" pitchFamily="49" charset="0"/>
+            </a:endParaRPr>
+          </a:p>
+          <a:p>
+            <a:pPr marL="0" indent="0">
+              <a:spcBef>
+                <a:spcPts val="0"/>
+              </a:spcBef>
+              <a:buNone/>
+            </a:pPr>
+            <a:r>
+              <a:rPr lang="en-US" sz="1800" b="1" smtClean="0">
+                <a:solidFill>
+                  <a:srgbClr val="000000"/>
+                </a:solidFill>
+                <a:latin typeface="Consolas" panose="020B0609020204030204" pitchFamily="49" charset="0"/>
+              </a:rPr>
+              <a:t>Console.WriteLine</a:t>
+            </a:r>
+            <a:r>
+              <a:rPr lang="en-US" sz="1800" b="1">
+                <a:solidFill>
+                  <a:srgbClr val="000000"/>
+                </a:solidFill>
+                <a:latin typeface="Consolas" panose="020B0609020204030204" pitchFamily="49" charset="0"/>
+              </a:rPr>
+              <a:t>(</a:t>
+            </a:r>
+            <a:r>
+              <a:rPr lang="en-US" sz="1800" b="1">
+                <a:solidFill>
+                  <a:srgbClr val="A31515"/>
+                </a:solidFill>
+                <a:latin typeface="Consolas" panose="020B0609020204030204" pitchFamily="49" charset="0"/>
+              </a:rPr>
+              <a:t>$"No. of items in primesList : </a:t>
+            </a:r>
+            <a:r>
+              <a:rPr lang="en-US" sz="1800" b="1">
+                <a:solidFill>
+                  <a:srgbClr val="000000"/>
+                </a:solidFill>
+                <a:latin typeface="Consolas" panose="020B0609020204030204" pitchFamily="49" charset="0"/>
+              </a:rPr>
+              <a:t>{primeList.Count}</a:t>
+            </a:r>
+            <a:r>
+              <a:rPr lang="en-US" sz="1800" b="1">
+                <a:solidFill>
+                  <a:srgbClr val="A31515"/>
+                </a:solidFill>
+                <a:latin typeface="Consolas" panose="020B0609020204030204" pitchFamily="49" charset="0"/>
+              </a:rPr>
+              <a:t>"</a:t>
+            </a:r>
+            <a:r>
+              <a:rPr lang="en-US" sz="1800" b="1">
+                <a:solidFill>
+                  <a:srgbClr val="000000"/>
+                </a:solidFill>
+                <a:latin typeface="Consolas" panose="020B0609020204030204" pitchFamily="49" charset="0"/>
+              </a:rPr>
+              <a:t>);</a:t>
+            </a:r>
+            <a:endParaRPr lang="da-DK" sz="1800" b="1"/>
+          </a:p>
+        </p:txBody>
+      </p:sp>
+      <p:pic>
+        <p:nvPicPr>
+          <p:cNvPr id="5" name="Picture 2" descr="Billedresultat for tick icon"/>
+          <p:cNvPicPr>
+            <a:picLocks noChangeAspect="1" noChangeArrowheads="1"/>
+          </p:cNvPicPr>
+          <p:nvPr/>
+        </p:nvPicPr>
+        <p:blipFill>
+          <a:blip r:embed="rId2" cstate="print">
+            <a:extLst>
+              <a:ext uri="{28A0092B-C50C-407E-A947-70E740481C1C}">
+                <a14:useLocalDpi xmlns:a14="http://schemas.microsoft.com/office/drawing/2010/main" val="0"/>
+              </a:ext>
+            </a:extLst>
+          </a:blip>
+          <a:srcRect/>
+          <a:stretch>
+            <a:fillRect/>
+          </a:stretch>
+        </p:blipFill>
+        <p:spPr bwMode="auto">
+          <a:xfrm>
+            <a:off x="10142969" y="2834664"/>
+            <a:ext cx="720000" cy="720000"/>
+          </a:xfrm>
+          <a:prstGeom prst="rect">
+            <a:avLst/>
+          </a:prstGeom>
+          <a:noFill/>
+          <a:extLst>
+            <a:ext uri="{909E8E84-426E-40DD-AFC4-6F175D3DCCD1}">
+              <a14:hiddenFill xmlns:a14="http://schemas.microsoft.com/office/drawing/2010/main">
+                <a:solidFill>
+                  <a:srgbClr val="FFFFFF"/>
+                </a:solidFill>
+              </a14:hiddenFill>
+            </a:ext>
+          </a:extLst>
+        </p:spPr>
+      </p:pic>
+    </p:spTree>
+    <p:extLst>
+      <p:ext uri="{BB962C8B-B14F-4D97-AF65-F5344CB8AC3E}">
+        <p14:creationId xmlns:p14="http://schemas.microsoft.com/office/powerpoint/2010/main" val="683796270"/>
+      </p:ext>
+    </p:extLst>
+  </p:cSld>
+  <p:clrMapOvr>
+    <a:masterClrMapping/>
+  </p:clrMapOvr>
+  <mc:AlternateContent xmlns:mc="http://schemas.openxmlformats.org/markup-compatibility/2006" xmlns:p14="http://schemas.microsoft.com/office/powerpoint/2010/main">
+    <mc:Choice Requires="p14">
+      <p:transition spd="med" p14:dur="700">
+        <p:fade/>
+      </p:transition>
+    </mc:Choice>
+    <mc:Fallback xmlns="">
+      <p:transition spd="med">
+        <p:fade/>
+      </p:transition>
+    </mc:Fallback>
+  </mc:AlternateContent>
+  <p:timing>
+    <p:tnLst>
+      <p:par>
+        <p:cTn id="1" dur="indefinite" restart="never" nodeType="tmRoot">
+          <p:childTnLst>
+            <p:seq concurrent="1" nextAc="seek">
+              <p:cTn id="2" dur="indefinite" nodeType="mainSeq">
+                <p:childTnLst>
+                  <p:par>
+                    <p:cTn id="3" fill="hold">
+                      <p:stCondLst>
+                        <p:cond delay="indefinite"/>
+                      </p:stCondLst>
+                      <p:childTnLst>
+                        <p:par>
+                          <p:cTn id="4" fill="hold">
+                            <p:stCondLst>
+                              <p:cond delay="0"/>
+                            </p:stCondLst>
+                            <p:childTnLst>
+                              <p:par>
+                                <p:cTn id="5" presetID="10" presetClass="entr" presetSubtype="0" fill="hold" nodeType="clickEffect">
+                                  <p:stCondLst>
+                                    <p:cond delay="0"/>
+                                  </p:stCondLst>
+                                  <p:childTnLst>
+                                    <p:set>
+                                      <p:cBhvr>
+                                        <p:cTn id="6" dur="1" fill="hold">
+                                          <p:stCondLst>
+                                            <p:cond delay="0"/>
+                                          </p:stCondLst>
+                                        </p:cTn>
+                                        <p:tgtEl>
+                                          <p:spTgt spid="5"/>
+                                        </p:tgtEl>
+                                        <p:attrNameLst>
+                                          <p:attrName>style.visibility</p:attrName>
+                                        </p:attrNameLst>
+                                      </p:cBhvr>
+                                      <p:to>
+                                        <p:strVal val="visible"/>
+                                      </p:to>
+                                    </p:set>
+                                    <p:animEffect transition="in" filter="fade">
+                                      <p:cBhvr>
+                                        <p:cTn id="7" dur="500"/>
+                                        <p:tgtEl>
+                                          <p:spTgt spid="5"/>
+                                        </p:tgtEl>
+                                      </p:cBhvr>
+                                    </p:animEffect>
+                                  </p:childTnLst>
+                                </p:cTn>
+                              </p:par>
+                            </p:childTnLst>
+                          </p:cTn>
+                        </p:par>
+                      </p:childTnLst>
+                    </p:cTn>
+                  </p:par>
+                </p:childTnLst>
+              </p:cTn>
+              <p:prevCondLst>
+                <p:cond evt="onPrev" delay="0">
+                  <p:tgtEl>
+                    <p:sldTgt/>
+                  </p:tgtEl>
+                </p:cond>
+              </p:prevCondLst>
+              <p:nextCondLst>
+                <p:cond evt="onNext" delay="0">
+                  <p:tgtEl>
+                    <p:sldTgt/>
+                  </p:tgtEl>
+                </p:cond>
+              </p:nextCondLst>
+            </p:seq>
+          </p:childTnLst>
+        </p:cTn>
+      </p:par>
+    </p:tnLst>
+  </p:timing>
+</p:sld>
+</file>
+
+<file path=ppt/slides/slide21.xml><?xml version="1.0" encoding="utf-8"?>
 <p:sld xmlns:a="http://schemas.openxmlformats.org/drawingml/2006/main" xmlns:r="http://schemas.openxmlformats.org/officeDocument/2006/relationships" xmlns:p="http://schemas.openxmlformats.org/presentationml/2006/main">
   <p:cSld>
     <p:spTree>
@@ -9256,13 +9814,13 @@
   <p:clrMapOvr>
     <a:masterClrMapping/>
   </p:clrMapOvr>
-  <mc:AlternateContent xmlns:mc="http://schemas.openxmlformats.org/markup-compatibility/2006">
-    <mc:Choice xmlns:p14="http://schemas.microsoft.com/office/powerpoint/2010/main" Requires="p14">
+  <mc:AlternateContent xmlns:mc="http://schemas.openxmlformats.org/markup-compatibility/2006" xmlns:p14="http://schemas.microsoft.com/office/powerpoint/2010/main">
+    <mc:Choice Requires="p14">
       <p:transition spd="med" p14:dur="700">
         <p:fade/>
       </p:transition>
     </mc:Choice>
-    <mc:Fallback>
+    <mc:Fallback xmlns="">
       <p:transition spd="med">
         <p:fade/>
       </p:transition>
@@ -9354,7 +9912,7 @@
 </p:sld>
 </file>
 
-<file path=ppt/slides/slide21.xml><?xml version="1.0" encoding="utf-8"?>
+<file path=ppt/slides/slide22.xml><?xml version="1.0" encoding="utf-8"?>
 <p:sld xmlns:a="http://schemas.openxmlformats.org/drawingml/2006/main" xmlns:r="http://schemas.openxmlformats.org/officeDocument/2006/relationships" xmlns:p="http://schemas.openxmlformats.org/presentationml/2006/main">
   <p:cSld>
     <p:spTree>
@@ -9747,16 +10305,7 @@
                 </a:solidFill>
                 <a:latin typeface="Consolas" panose="020B0609020204030204" pitchFamily="49" charset="0"/>
               </a:rPr>
-              <a:t>$"No. of items </a:t>
-            </a:r>
-            <a:r>
-              <a:rPr lang="en-US" sz="1800" b="1">
-                <a:solidFill>
-                  <a:srgbClr val="A31515"/>
-                </a:solidFill>
-                <a:latin typeface="Consolas" panose="020B0609020204030204" pitchFamily="49" charset="0"/>
-              </a:rPr>
-              <a:t>in </a:t>
+              <a:t>$"No. of items in </a:t>
             </a:r>
             <a:r>
               <a:rPr lang="en-US" sz="1800" b="1" smtClean="0">
@@ -9885,13 +10434,13 @@
   <p:clrMapOvr>
     <a:masterClrMapping/>
   </p:clrMapOvr>
-  <mc:AlternateContent xmlns:mc="http://schemas.openxmlformats.org/markup-compatibility/2006">
-    <mc:Choice xmlns:p14="http://schemas.microsoft.com/office/powerpoint/2010/main" Requires="p14">
+  <mc:AlternateContent xmlns:mc="http://schemas.openxmlformats.org/markup-compatibility/2006" xmlns:p14="http://schemas.microsoft.com/office/powerpoint/2010/main">
+    <mc:Choice Requires="p14">
       <p:transition spd="med" p14:dur="700">
         <p:fade/>
       </p:transition>
     </mc:Choice>
-    <mc:Fallback>
+    <mc:Fallback xmlns="">
       <p:transition spd="med">
         <p:fade/>
       </p:transition>
@@ -10051,13 +10600,13 @@
   <p:clrMapOvr>
     <a:masterClrMapping/>
   </p:clrMapOvr>
-  <mc:AlternateContent xmlns:mc="http://schemas.openxmlformats.org/markup-compatibility/2006">
-    <mc:Choice xmlns:p14="http://schemas.microsoft.com/office/powerpoint/2010/main" Requires="p14">
+  <mc:AlternateContent xmlns:mc="http://schemas.openxmlformats.org/markup-compatibility/2006" xmlns:p14="http://schemas.microsoft.com/office/powerpoint/2010/main">
+    <mc:Choice Requires="p14">
       <p:transition spd="med" p14:dur="700">
         <p:fade/>
       </p:transition>
     </mc:Choice>
-    <mc:Fallback>
+    <mc:Fallback xmlns="">
       <p:transition spd="med">
         <p:fade/>
       </p:transition>
@@ -10240,13 +10789,13 @@
   <p:clrMapOvr>
     <a:masterClrMapping/>
   </p:clrMapOvr>
-  <mc:AlternateContent xmlns:mc="http://schemas.openxmlformats.org/markup-compatibility/2006">
-    <mc:Choice xmlns:p14="http://schemas.microsoft.com/office/powerpoint/2010/main" Requires="p14">
+  <mc:AlternateContent xmlns:mc="http://schemas.openxmlformats.org/markup-compatibility/2006" xmlns:p14="http://schemas.microsoft.com/office/powerpoint/2010/main">
+    <mc:Choice Requires="p14">
       <p:transition spd="med" p14:dur="700">
         <p:fade/>
       </p:transition>
     </mc:Choice>
-    <mc:Fallback>
+    <mc:Fallback xmlns="">
       <p:transition spd="med">
         <p:fade/>
       </p:transition>
@@ -10472,95 +11021,326 @@
           <a:chExt cx="0" cy="0"/>
         </a:xfrm>
       </p:grpSpPr>
-      <p:sp>
-        <p:nvSpPr>
-          <p:cNvPr id="2" name="Titel 1"/>
-          <p:cNvSpPr>
-            <a:spLocks noGrp="1"/>
-          </p:cNvSpPr>
+      <p:graphicFrame>
+        <p:nvGraphicFramePr>
+          <p:cNvPr id="4" name="Tabel 3"/>
+          <p:cNvGraphicFramePr>
+            <a:graphicFrameLocks noGrp="1"/>
+          </p:cNvGraphicFramePr>
           <p:nvPr>
-            <p:ph type="ctrTitle"/>
+            <p:extLst>
+              <p:ext uri="{D42A27DB-BD31-4B8C-83A1-F6EECF244321}">
+                <p14:modId xmlns:p14="http://schemas.microsoft.com/office/powerpoint/2010/main" val="1657154793"/>
+              </p:ext>
+            </p:extLst>
           </p:nvPr>
-        </p:nvSpPr>
-        <p:spPr>
-          <a:xfrm>
-            <a:off x="339811" y="345988"/>
-            <a:ext cx="11491784" cy="4331043"/>
-          </a:xfrm>
-        </p:spPr>
-        <p:txBody>
-          <a:bodyPr>
-            <a:noAutofit/>
-          </a:bodyPr>
-          <a:lstStyle/>
-          <a:p>
-            <a:r>
-              <a:rPr lang="da-DK" sz="19200" b="1" smtClean="0"/>
-              <a:t>LINQ</a:t>
-            </a:r>
-            <a:endParaRPr lang="da-DK" sz="19200" b="1"/>
-          </a:p>
-        </p:txBody>
-      </p:sp>
-      <p:sp>
-        <p:nvSpPr>
-          <p:cNvPr id="3" name="Undertitel 2"/>
-          <p:cNvSpPr>
-            <a:spLocks noGrp="1"/>
-          </p:cNvSpPr>
-          <p:nvPr>
-            <p:ph type="subTitle" idx="1"/>
-          </p:nvPr>
-        </p:nvSpPr>
-        <p:spPr>
-          <a:xfrm>
-            <a:off x="1505464" y="5016843"/>
-            <a:ext cx="9144000" cy="562232"/>
-          </a:xfrm>
-        </p:spPr>
-        <p:txBody>
-          <a:bodyPr>
-            <a:noAutofit/>
-          </a:bodyPr>
-          <a:lstStyle/>
-          <a:p>
-            <a:r>
-              <a:rPr lang="da-DK" sz="4000" i="1" smtClean="0">
-                <a:solidFill>
-                  <a:schemeClr val="accent6">
-                    <a:lumMod val="75000"/>
-                  </a:schemeClr>
-                </a:solidFill>
-              </a:rPr>
-              <a:t>…the worst is over.</a:t>
-            </a:r>
-            <a:endParaRPr lang="da-DK" sz="4000" i="1">
-              <a:solidFill>
-                <a:schemeClr val="accent6">
-                  <a:lumMod val="75000"/>
-                </a:schemeClr>
-              </a:solidFill>
-            </a:endParaRPr>
-          </a:p>
-        </p:txBody>
-      </p:sp>
+        </p:nvGraphicFramePr>
+        <p:xfrm>
+          <a:off x="1187941" y="1985759"/>
+          <a:ext cx="9433167" cy="2468880"/>
+        </p:xfrm>
+        <a:graphic>
+          <a:graphicData uri="http://schemas.openxmlformats.org/drawingml/2006/table">
+            <a:tbl>
+              <a:tblPr firstRow="1" bandRow="1">
+                <a:tableStyleId>{5940675A-B579-460E-94D1-54222C63F5DA}</a:tableStyleId>
+              </a:tblPr>
+              <a:tblGrid>
+                <a:gridCol w="3144389">
+                  <a:extLst>
+                    <a:ext uri="{9D8B030D-6E8A-4147-A177-3AD203B41FA5}">
+                      <a16:colId xmlns:a16="http://schemas.microsoft.com/office/drawing/2014/main" val="3296546662"/>
+                    </a:ext>
+                  </a:extLst>
+                </a:gridCol>
+                <a:gridCol w="3144389">
+                  <a:extLst>
+                    <a:ext uri="{9D8B030D-6E8A-4147-A177-3AD203B41FA5}">
+                      <a16:colId xmlns:a16="http://schemas.microsoft.com/office/drawing/2014/main" val="4066254446"/>
+                    </a:ext>
+                  </a:extLst>
+                </a:gridCol>
+                <a:gridCol w="3144389">
+                  <a:extLst>
+                    <a:ext uri="{9D8B030D-6E8A-4147-A177-3AD203B41FA5}">
+                      <a16:colId xmlns:a16="http://schemas.microsoft.com/office/drawing/2014/main" val="3609581178"/>
+                    </a:ext>
+                  </a:extLst>
+                </a:gridCol>
+              </a:tblGrid>
+              <a:tr h="370840">
+                <a:tc>
+                  <a:txBody>
+                    <a:bodyPr/>
+                    <a:lstStyle/>
+                    <a:p>
+                      <a:endParaRPr lang="da-DK" sz="2400"/>
+                    </a:p>
+                  </a:txBody>
+                  <a:tcPr/>
+                </a:tc>
+                <a:tc>
+                  <a:txBody>
+                    <a:bodyPr/>
+                    <a:lstStyle/>
+                    <a:p>
+                      <a:pPr algn="ctr"/>
+                      <a:r>
+                        <a:rPr lang="da-DK" sz="3600" b="1" smtClean="0">
+                          <a:solidFill>
+                            <a:srgbClr val="FF0000"/>
+                          </a:solidFill>
+                        </a:rPr>
+                        <a:t>C# LINQ</a:t>
+                      </a:r>
+                      <a:endParaRPr lang="da-DK" sz="3600" b="1">
+                        <a:solidFill>
+                          <a:srgbClr val="FF0000"/>
+                        </a:solidFill>
+                      </a:endParaRPr>
+                    </a:p>
+                  </a:txBody>
+                  <a:tcPr/>
+                </a:tc>
+                <a:tc>
+                  <a:txBody>
+                    <a:bodyPr/>
+                    <a:lstStyle/>
+                    <a:p>
+                      <a:pPr algn="ctr"/>
+                      <a:r>
+                        <a:rPr lang="da-DK" sz="3600" b="1" smtClean="0">
+                          <a:solidFill>
+                            <a:srgbClr val="FF0000"/>
+                          </a:solidFill>
+                        </a:rPr>
+                        <a:t>JavaScript</a:t>
+                      </a:r>
+                      <a:endParaRPr lang="da-DK" sz="3600" b="1">
+                        <a:solidFill>
+                          <a:srgbClr val="FF0000"/>
+                        </a:solidFill>
+                      </a:endParaRPr>
+                    </a:p>
+                  </a:txBody>
+                  <a:tcPr/>
+                </a:tc>
+                <a:extLst>
+                  <a:ext uri="{0D108BD9-81ED-4DB2-BD59-A6C34878D82A}">
+                    <a16:rowId xmlns:a16="http://schemas.microsoft.com/office/drawing/2014/main" val="4159905522"/>
+                  </a:ext>
+                </a:extLst>
+              </a:tr>
+              <a:tr h="370840">
+                <a:tc>
+                  <a:txBody>
+                    <a:bodyPr/>
+                    <a:lstStyle/>
+                    <a:p>
+                      <a:r>
+                        <a:rPr lang="da-DK" sz="2400" b="1" smtClean="0"/>
+                        <a:t>Operates on</a:t>
+                      </a:r>
+                      <a:endParaRPr lang="da-DK" sz="2400" b="1"/>
+                    </a:p>
+                  </a:txBody>
+                  <a:tcPr/>
+                </a:tc>
+                <a:tc>
+                  <a:txBody>
+                    <a:bodyPr/>
+                    <a:lstStyle/>
+                    <a:p>
+                      <a:r>
+                        <a:rPr lang="da-DK" sz="2400" i="1" smtClean="0"/>
+                        <a:t>IEnumerable&lt;T&gt;</a:t>
+                      </a:r>
+                      <a:endParaRPr lang="da-DK" sz="2400" i="1"/>
+                    </a:p>
+                  </a:txBody>
+                  <a:tcPr/>
+                </a:tc>
+                <a:tc>
+                  <a:txBody>
+                    <a:bodyPr/>
+                    <a:lstStyle/>
+                    <a:p>
+                      <a:r>
+                        <a:rPr lang="da-DK" sz="2400" i="1" smtClean="0"/>
+                        <a:t>Array</a:t>
+                      </a:r>
+                      <a:endParaRPr lang="da-DK" sz="2400" i="1"/>
+                    </a:p>
+                  </a:txBody>
+                  <a:tcPr/>
+                </a:tc>
+                <a:extLst>
+                  <a:ext uri="{0D108BD9-81ED-4DB2-BD59-A6C34878D82A}">
+                    <a16:rowId xmlns:a16="http://schemas.microsoft.com/office/drawing/2014/main" val="3970073487"/>
+                  </a:ext>
+                </a:extLst>
+              </a:tr>
+              <a:tr h="370840">
+                <a:tc>
+                  <a:txBody>
+                    <a:bodyPr/>
+                    <a:lstStyle/>
+                    <a:p>
+                      <a:r>
+                        <a:rPr lang="da-DK" sz="2400" b="1" smtClean="0"/>
+                        <a:t>Transformation</a:t>
+                      </a:r>
+                      <a:endParaRPr lang="da-DK" sz="2400" b="1"/>
+                    </a:p>
+                  </a:txBody>
+                  <a:tcPr/>
+                </a:tc>
+                <a:tc>
+                  <a:txBody>
+                    <a:bodyPr/>
+                    <a:lstStyle/>
+                    <a:p>
+                      <a:r>
+                        <a:rPr lang="da-DK" sz="2400" i="1" smtClean="0"/>
+                        <a:t>Select</a:t>
+                      </a:r>
+                      <a:endParaRPr lang="da-DK" sz="2400" i="1"/>
+                    </a:p>
+                  </a:txBody>
+                  <a:tcPr/>
+                </a:tc>
+                <a:tc>
+                  <a:txBody>
+                    <a:bodyPr/>
+                    <a:lstStyle/>
+                    <a:p>
+                      <a:r>
+                        <a:rPr lang="da-DK" sz="2400" i="1" smtClean="0"/>
+                        <a:t>map</a:t>
+                      </a:r>
+                      <a:endParaRPr lang="da-DK" sz="2400" i="1"/>
+                    </a:p>
+                  </a:txBody>
+                  <a:tcPr/>
+                </a:tc>
+                <a:extLst>
+                  <a:ext uri="{0D108BD9-81ED-4DB2-BD59-A6C34878D82A}">
+                    <a16:rowId xmlns:a16="http://schemas.microsoft.com/office/drawing/2014/main" val="1309211570"/>
+                  </a:ext>
+                </a:extLst>
+              </a:tr>
+              <a:tr h="370840">
+                <a:tc>
+                  <a:txBody>
+                    <a:bodyPr/>
+                    <a:lstStyle/>
+                    <a:p>
+                      <a:r>
+                        <a:rPr lang="da-DK" sz="2400" b="1" smtClean="0"/>
+                        <a:t>Filtering</a:t>
+                      </a:r>
+                      <a:endParaRPr lang="da-DK" sz="2400" b="1"/>
+                    </a:p>
+                  </a:txBody>
+                  <a:tcPr/>
+                </a:tc>
+                <a:tc>
+                  <a:txBody>
+                    <a:bodyPr/>
+                    <a:lstStyle/>
+                    <a:p>
+                      <a:r>
+                        <a:rPr lang="da-DK" sz="2400" i="1" smtClean="0"/>
+                        <a:t>Where</a:t>
+                      </a:r>
+                      <a:endParaRPr lang="da-DK" sz="2400" i="1"/>
+                    </a:p>
+                  </a:txBody>
+                  <a:tcPr/>
+                </a:tc>
+                <a:tc>
+                  <a:txBody>
+                    <a:bodyPr/>
+                    <a:lstStyle/>
+                    <a:p>
+                      <a:r>
+                        <a:rPr lang="da-DK" sz="2400" i="1" smtClean="0"/>
+                        <a:t>filter</a:t>
+                      </a:r>
+                      <a:endParaRPr lang="da-DK" sz="2400" i="1"/>
+                    </a:p>
+                  </a:txBody>
+                  <a:tcPr/>
+                </a:tc>
+                <a:extLst>
+                  <a:ext uri="{0D108BD9-81ED-4DB2-BD59-A6C34878D82A}">
+                    <a16:rowId xmlns:a16="http://schemas.microsoft.com/office/drawing/2014/main" val="875713079"/>
+                  </a:ext>
+                </a:extLst>
+              </a:tr>
+              <a:tr h="370840">
+                <a:tc>
+                  <a:txBody>
+                    <a:bodyPr/>
+                    <a:lstStyle/>
+                    <a:p>
+                      <a:r>
+                        <a:rPr lang="da-DK" sz="2400" b="1" smtClean="0"/>
+                        <a:t>Calculation</a:t>
+                      </a:r>
+                      <a:endParaRPr lang="da-DK" sz="2400" b="1"/>
+                    </a:p>
+                  </a:txBody>
+                  <a:tcPr/>
+                </a:tc>
+                <a:tc>
+                  <a:txBody>
+                    <a:bodyPr/>
+                    <a:lstStyle/>
+                    <a:p>
+                      <a:r>
+                        <a:rPr lang="da-DK" sz="2400" i="1" smtClean="0"/>
+                        <a:t>Aggregate</a:t>
+                      </a:r>
+                      <a:endParaRPr lang="da-DK" sz="2400" i="1"/>
+                    </a:p>
+                  </a:txBody>
+                  <a:tcPr/>
+                </a:tc>
+                <a:tc>
+                  <a:txBody>
+                    <a:bodyPr/>
+                    <a:lstStyle/>
+                    <a:p>
+                      <a:r>
+                        <a:rPr lang="da-DK" sz="2400" i="1" smtClean="0"/>
+                        <a:t>reduce</a:t>
+                      </a:r>
+                      <a:endParaRPr lang="da-DK" sz="2400" i="1"/>
+                    </a:p>
+                  </a:txBody>
+                  <a:tcPr/>
+                </a:tc>
+                <a:extLst>
+                  <a:ext uri="{0D108BD9-81ED-4DB2-BD59-A6C34878D82A}">
+                    <a16:rowId xmlns:a16="http://schemas.microsoft.com/office/drawing/2014/main" val="2406122486"/>
+                  </a:ext>
+                </a:extLst>
+              </a:tr>
+            </a:tbl>
+          </a:graphicData>
+        </a:graphic>
+      </p:graphicFrame>
     </p:spTree>
     <p:extLst>
       <p:ext uri="{BB962C8B-B14F-4D97-AF65-F5344CB8AC3E}">
-        <p14:creationId xmlns:p14="http://schemas.microsoft.com/office/powerpoint/2010/main" val="4127558096"/>
+        <p14:creationId xmlns:p14="http://schemas.microsoft.com/office/powerpoint/2010/main" val="1021887537"/>
       </p:ext>
     </p:extLst>
   </p:cSld>
   <p:clrMapOvr>
     <a:masterClrMapping/>
   </p:clrMapOvr>
-  <p:timing>
-    <p:tnLst>
-      <p:par>
-        <p:cTn id="1" dur="indefinite" restart="never" nodeType="tmRoot"/>
-      </p:par>
-    </p:tnLst>
-  </p:timing>
 </p:sld>
 </file>
 
@@ -10641,7 +11421,7 @@
                   </a:schemeClr>
                 </a:solidFill>
               </a:rPr>
-              <a:t>Set-oriented methods</a:t>
+              <a:t>…the worst is over.</a:t>
             </a:r>
             <a:endParaRPr lang="da-DK" sz="4000" i="1">
               <a:solidFill>
@@ -10656,25 +11436,13 @@
     </p:spTree>
     <p:extLst>
       <p:ext uri="{BB962C8B-B14F-4D97-AF65-F5344CB8AC3E}">
-        <p14:creationId xmlns:p14="http://schemas.microsoft.com/office/powerpoint/2010/main" val="4179451191"/>
+        <p14:creationId xmlns:p14="http://schemas.microsoft.com/office/powerpoint/2010/main" val="230756504"/>
       </p:ext>
     </p:extLst>
   </p:cSld>
   <p:clrMapOvr>
     <a:masterClrMapping/>
   </p:clrMapOvr>
-  <mc:AlternateContent xmlns:mc="http://schemas.openxmlformats.org/markup-compatibility/2006">
-    <mc:Choice xmlns:p14="http://schemas.microsoft.com/office/powerpoint/2010/main" Requires="p14">
-      <p:transition spd="med" p14:dur="700">
-        <p:fade/>
-      </p:transition>
-    </mc:Choice>
-    <mc:Fallback>
-      <p:transition spd="med">
-        <p:fade/>
-      </p:transition>
-    </mc:Fallback>
-  </mc:AlternateContent>
   <p:timing>
     <p:tnLst>
       <p:par>
@@ -10709,1012 +11477,66 @@
             <a:spLocks noGrp="1"/>
           </p:cNvSpPr>
           <p:nvPr>
-            <p:ph type="title"/>
+            <p:ph type="ctrTitle"/>
           </p:nvPr>
         </p:nvSpPr>
-        <p:spPr/>
+        <p:spPr>
+          <a:xfrm>
+            <a:off x="339811" y="345988"/>
+            <a:ext cx="11491784" cy="4331043"/>
+          </a:xfrm>
+        </p:spPr>
         <p:txBody>
-          <a:bodyPr/>
+          <a:bodyPr>
+            <a:noAutofit/>
+          </a:bodyPr>
           <a:lstStyle/>
           <a:p>
             <a:r>
-              <a:rPr lang="da-DK" b="1"/>
-              <a:t>LINQ – set-oriented methods</a:t>
-            </a:r>
-            <a:endParaRPr lang="da-DK" b="1"/>
+              <a:rPr lang="da-DK" sz="19200" b="1" smtClean="0"/>
+              <a:t>LINQ</a:t>
+            </a:r>
+            <a:endParaRPr lang="da-DK" sz="19200" b="1"/>
           </a:p>
         </p:txBody>
       </p:sp>
       <p:sp>
         <p:nvSpPr>
-          <p:cNvPr id="3" name="Pladsholder til indhold 2"/>
+          <p:cNvPr id="3" name="Undertitel 2"/>
           <p:cNvSpPr>
             <a:spLocks noGrp="1"/>
           </p:cNvSpPr>
           <p:nvPr>
-            <p:ph idx="1"/>
+            <p:ph type="subTitle" idx="1"/>
           </p:nvPr>
         </p:nvSpPr>
         <p:spPr>
           <a:xfrm>
-            <a:off x="838200" y="1690688"/>
-            <a:ext cx="10515600" cy="4722469"/>
+            <a:off x="1505464" y="5016843"/>
+            <a:ext cx="9144000" cy="562232"/>
           </a:xfrm>
         </p:spPr>
         <p:txBody>
           <a:bodyPr>
-            <a:normAutofit/>
+            <a:noAutofit/>
           </a:bodyPr>
           <a:lstStyle/>
           <a:p>
-            <a:pPr indent="0">
-              <a:spcBef>
-                <a:spcPts val="0"/>
-              </a:spcBef>
-              <a:spcAft>
-                <a:spcPts val="0"/>
-              </a:spcAft>
-              <a:buNone/>
-            </a:pPr>
-            <a:r>
-              <a:rPr lang="en-US" sz="1800" b="1" smtClean="0">
-                <a:solidFill>
-                  <a:srgbClr val="2B91AF"/>
-                </a:solidFill>
-                <a:latin typeface="Consolas" panose="020B0609020204030204" pitchFamily="49" charset="0"/>
-                <a:ea typeface="Calibri" panose="020F0502020204030204" pitchFamily="34" charset="0"/>
-                <a:cs typeface="Consolas" panose="020B0609020204030204" pitchFamily="49" charset="0"/>
-              </a:rPr>
-              <a:t>List</a:t>
-            </a:r>
-            <a:r>
-              <a:rPr lang="en-US" sz="1800" b="1" smtClean="0">
-                <a:solidFill>
-                  <a:srgbClr val="000000"/>
-                </a:solidFill>
-                <a:latin typeface="Consolas" panose="020B0609020204030204" pitchFamily="49" charset="0"/>
-                <a:ea typeface="Calibri" panose="020F0502020204030204" pitchFamily="34" charset="0"/>
-                <a:cs typeface="Consolas" panose="020B0609020204030204" pitchFamily="49" charset="0"/>
-              </a:rPr>
-              <a:t>&lt;</a:t>
-            </a:r>
-            <a:r>
-              <a:rPr lang="en-US" sz="1800" b="1" smtClean="0">
-                <a:solidFill>
-                  <a:srgbClr val="0000FF"/>
-                </a:solidFill>
-                <a:latin typeface="Consolas" panose="020B0609020204030204" pitchFamily="49" charset="0"/>
-                <a:ea typeface="Calibri" panose="020F0502020204030204" pitchFamily="34" charset="0"/>
-                <a:cs typeface="Consolas" panose="020B0609020204030204" pitchFamily="49" charset="0"/>
-              </a:rPr>
-              <a:t>int</a:t>
-            </a:r>
-            <a:r>
-              <a:rPr lang="en-US" sz="1800" b="1">
-                <a:solidFill>
-                  <a:srgbClr val="000000"/>
-                </a:solidFill>
-                <a:latin typeface="Consolas" panose="020B0609020204030204" pitchFamily="49" charset="0"/>
-                <a:ea typeface="Calibri" panose="020F0502020204030204" pitchFamily="34" charset="0"/>
-                <a:cs typeface="Consolas" panose="020B0609020204030204" pitchFamily="49" charset="0"/>
-              </a:rPr>
-              <a:t>&gt; setA = </a:t>
-            </a:r>
-            <a:r>
-              <a:rPr lang="en-US" sz="1800" b="1">
-                <a:solidFill>
-                  <a:srgbClr val="0000FF"/>
-                </a:solidFill>
-                <a:latin typeface="Consolas" panose="020B0609020204030204" pitchFamily="49" charset="0"/>
-                <a:ea typeface="Calibri" panose="020F0502020204030204" pitchFamily="34" charset="0"/>
-                <a:cs typeface="Consolas" panose="020B0609020204030204" pitchFamily="49" charset="0"/>
-              </a:rPr>
-              <a:t>new</a:t>
-            </a:r>
-            <a:r>
-              <a:rPr lang="en-US" sz="1800" b="1">
-                <a:solidFill>
-                  <a:srgbClr val="000000"/>
-                </a:solidFill>
-                <a:latin typeface="Consolas" panose="020B0609020204030204" pitchFamily="49" charset="0"/>
-                <a:ea typeface="Calibri" panose="020F0502020204030204" pitchFamily="34" charset="0"/>
-                <a:cs typeface="Consolas" panose="020B0609020204030204" pitchFamily="49" charset="0"/>
-              </a:rPr>
-              <a:t> </a:t>
-            </a:r>
-            <a:r>
-              <a:rPr lang="en-US" sz="1800" b="1">
-                <a:solidFill>
-                  <a:srgbClr val="2B91AF"/>
-                </a:solidFill>
-                <a:latin typeface="Consolas" panose="020B0609020204030204" pitchFamily="49" charset="0"/>
-                <a:ea typeface="Calibri" panose="020F0502020204030204" pitchFamily="34" charset="0"/>
-                <a:cs typeface="Consolas" panose="020B0609020204030204" pitchFamily="49" charset="0"/>
-              </a:rPr>
-              <a:t>List</a:t>
-            </a:r>
-            <a:r>
-              <a:rPr lang="en-US" sz="1800" b="1">
-                <a:solidFill>
-                  <a:srgbClr val="000000"/>
-                </a:solidFill>
-                <a:latin typeface="Consolas" panose="020B0609020204030204" pitchFamily="49" charset="0"/>
-                <a:ea typeface="Calibri" panose="020F0502020204030204" pitchFamily="34" charset="0"/>
-                <a:cs typeface="Consolas" panose="020B0609020204030204" pitchFamily="49" charset="0"/>
-              </a:rPr>
-              <a:t>&lt;</a:t>
-            </a:r>
-            <a:r>
-              <a:rPr lang="en-US" sz="1800" b="1">
-                <a:solidFill>
-                  <a:srgbClr val="0000FF"/>
-                </a:solidFill>
-                <a:latin typeface="Consolas" panose="020B0609020204030204" pitchFamily="49" charset="0"/>
-                <a:ea typeface="Calibri" panose="020F0502020204030204" pitchFamily="34" charset="0"/>
-                <a:cs typeface="Consolas" panose="020B0609020204030204" pitchFamily="49" charset="0"/>
-              </a:rPr>
-              <a:t>int</a:t>
-            </a:r>
-            <a:r>
-              <a:rPr lang="en-US" sz="1800" b="1">
-                <a:solidFill>
-                  <a:srgbClr val="000000"/>
-                </a:solidFill>
-                <a:latin typeface="Consolas" panose="020B0609020204030204" pitchFamily="49" charset="0"/>
-                <a:ea typeface="Calibri" panose="020F0502020204030204" pitchFamily="34" charset="0"/>
-                <a:cs typeface="Consolas" panose="020B0609020204030204" pitchFamily="49" charset="0"/>
-              </a:rPr>
-              <a:t>&gt;{ 2, 6, 12, 9, 3, 7 };</a:t>
-            </a:r>
-            <a:endParaRPr lang="da-DK" sz="1800">
-              <a:latin typeface="Calibri" panose="020F0502020204030204" pitchFamily="34" charset="0"/>
-              <a:ea typeface="Calibri" panose="020F0502020204030204" pitchFamily="34" charset="0"/>
-              <a:cs typeface="Times New Roman" panose="02020603050405020304" pitchFamily="18" charset="0"/>
-            </a:endParaRPr>
-          </a:p>
-          <a:p>
-            <a:pPr indent="0">
-              <a:spcBef>
-                <a:spcPts val="0"/>
-              </a:spcBef>
-              <a:spcAft>
-                <a:spcPts val="0"/>
-              </a:spcAft>
-              <a:buNone/>
-            </a:pPr>
-            <a:r>
-              <a:rPr lang="en-US" sz="1800" b="1">
-                <a:solidFill>
-                  <a:srgbClr val="2B91AF"/>
-                </a:solidFill>
-                <a:latin typeface="Consolas" panose="020B0609020204030204" pitchFamily="49" charset="0"/>
-                <a:ea typeface="Calibri" panose="020F0502020204030204" pitchFamily="34" charset="0"/>
-                <a:cs typeface="Consolas" panose="020B0609020204030204" pitchFamily="49" charset="0"/>
-              </a:rPr>
-              <a:t>List</a:t>
-            </a:r>
-            <a:r>
-              <a:rPr lang="en-US" sz="1800" b="1">
-                <a:solidFill>
-                  <a:srgbClr val="000000"/>
-                </a:solidFill>
-                <a:latin typeface="Consolas" panose="020B0609020204030204" pitchFamily="49" charset="0"/>
-                <a:ea typeface="Calibri" panose="020F0502020204030204" pitchFamily="34" charset="0"/>
-                <a:cs typeface="Consolas" panose="020B0609020204030204" pitchFamily="49" charset="0"/>
-              </a:rPr>
-              <a:t>&lt;</a:t>
-            </a:r>
-            <a:r>
-              <a:rPr lang="en-US" sz="1800" b="1">
-                <a:solidFill>
-                  <a:srgbClr val="0000FF"/>
-                </a:solidFill>
-                <a:latin typeface="Consolas" panose="020B0609020204030204" pitchFamily="49" charset="0"/>
-                <a:ea typeface="Calibri" panose="020F0502020204030204" pitchFamily="34" charset="0"/>
-                <a:cs typeface="Consolas" panose="020B0609020204030204" pitchFamily="49" charset="0"/>
-              </a:rPr>
-              <a:t>int</a:t>
-            </a:r>
-            <a:r>
-              <a:rPr lang="en-US" sz="1800" b="1">
-                <a:solidFill>
-                  <a:srgbClr val="000000"/>
-                </a:solidFill>
-                <a:latin typeface="Consolas" panose="020B0609020204030204" pitchFamily="49" charset="0"/>
-                <a:ea typeface="Calibri" panose="020F0502020204030204" pitchFamily="34" charset="0"/>
-                <a:cs typeface="Consolas" panose="020B0609020204030204" pitchFamily="49" charset="0"/>
-              </a:rPr>
-              <a:t>&gt; setB = </a:t>
-            </a:r>
-            <a:r>
-              <a:rPr lang="en-US" sz="1800" b="1">
-                <a:solidFill>
-                  <a:srgbClr val="0000FF"/>
-                </a:solidFill>
-                <a:latin typeface="Consolas" panose="020B0609020204030204" pitchFamily="49" charset="0"/>
-                <a:ea typeface="Calibri" panose="020F0502020204030204" pitchFamily="34" charset="0"/>
-                <a:cs typeface="Consolas" panose="020B0609020204030204" pitchFamily="49" charset="0"/>
-              </a:rPr>
-              <a:t>new</a:t>
-            </a:r>
-            <a:r>
-              <a:rPr lang="en-US" sz="1800" b="1">
-                <a:solidFill>
-                  <a:srgbClr val="000000"/>
-                </a:solidFill>
-                <a:latin typeface="Consolas" panose="020B0609020204030204" pitchFamily="49" charset="0"/>
-                <a:ea typeface="Calibri" panose="020F0502020204030204" pitchFamily="34" charset="0"/>
-                <a:cs typeface="Consolas" panose="020B0609020204030204" pitchFamily="49" charset="0"/>
-              </a:rPr>
-              <a:t> </a:t>
-            </a:r>
-            <a:r>
-              <a:rPr lang="en-US" sz="1800" b="1">
-                <a:solidFill>
-                  <a:srgbClr val="2B91AF"/>
-                </a:solidFill>
-                <a:latin typeface="Consolas" panose="020B0609020204030204" pitchFamily="49" charset="0"/>
-                <a:ea typeface="Calibri" panose="020F0502020204030204" pitchFamily="34" charset="0"/>
-                <a:cs typeface="Consolas" panose="020B0609020204030204" pitchFamily="49" charset="0"/>
-              </a:rPr>
-              <a:t>List</a:t>
-            </a:r>
-            <a:r>
-              <a:rPr lang="en-US" sz="1800" b="1">
-                <a:solidFill>
-                  <a:srgbClr val="000000"/>
-                </a:solidFill>
-                <a:latin typeface="Consolas" panose="020B0609020204030204" pitchFamily="49" charset="0"/>
-                <a:ea typeface="Calibri" panose="020F0502020204030204" pitchFamily="34" charset="0"/>
-                <a:cs typeface="Consolas" panose="020B0609020204030204" pitchFamily="49" charset="0"/>
-              </a:rPr>
-              <a:t>&lt;</a:t>
-            </a:r>
-            <a:r>
-              <a:rPr lang="en-US" sz="1800" b="1">
-                <a:solidFill>
-                  <a:srgbClr val="0000FF"/>
-                </a:solidFill>
-                <a:latin typeface="Consolas" panose="020B0609020204030204" pitchFamily="49" charset="0"/>
-                <a:ea typeface="Calibri" panose="020F0502020204030204" pitchFamily="34" charset="0"/>
-                <a:cs typeface="Consolas" panose="020B0609020204030204" pitchFamily="49" charset="0"/>
-              </a:rPr>
-              <a:t>int</a:t>
-            </a:r>
-            <a:r>
-              <a:rPr lang="en-US" sz="1800" b="1">
-                <a:solidFill>
-                  <a:srgbClr val="000000"/>
-                </a:solidFill>
-                <a:latin typeface="Consolas" panose="020B0609020204030204" pitchFamily="49" charset="0"/>
-                <a:ea typeface="Calibri" panose="020F0502020204030204" pitchFamily="34" charset="0"/>
-                <a:cs typeface="Consolas" panose="020B0609020204030204" pitchFamily="49" charset="0"/>
-              </a:rPr>
-              <a:t>&gt;{ 12, 8, 3, 71, 13 };</a:t>
-            </a:r>
-            <a:endParaRPr lang="da-DK" sz="1800">
-              <a:latin typeface="Calibri" panose="020F0502020204030204" pitchFamily="34" charset="0"/>
-              <a:ea typeface="Calibri" panose="020F0502020204030204" pitchFamily="34" charset="0"/>
-              <a:cs typeface="Times New Roman" panose="02020603050405020304" pitchFamily="18" charset="0"/>
-            </a:endParaRPr>
-          </a:p>
-          <a:p>
-            <a:pPr indent="0">
-              <a:spcBef>
-                <a:spcPts val="0"/>
-              </a:spcBef>
-              <a:spcAft>
-                <a:spcPts val="0"/>
-              </a:spcAft>
-              <a:buNone/>
-            </a:pPr>
-            <a:r>
-              <a:rPr lang="en-US" sz="1800" b="1">
-                <a:solidFill>
-                  <a:srgbClr val="2B91AF"/>
-                </a:solidFill>
-                <a:latin typeface="Consolas" panose="020B0609020204030204" pitchFamily="49" charset="0"/>
-                <a:ea typeface="Calibri" panose="020F0502020204030204" pitchFamily="34" charset="0"/>
-                <a:cs typeface="Consolas" panose="020B0609020204030204" pitchFamily="49" charset="0"/>
-              </a:rPr>
-              <a:t>List</a:t>
-            </a:r>
-            <a:r>
-              <a:rPr lang="en-US" sz="1800" b="1">
-                <a:solidFill>
-                  <a:srgbClr val="000000"/>
-                </a:solidFill>
-                <a:latin typeface="Consolas" panose="020B0609020204030204" pitchFamily="49" charset="0"/>
-                <a:ea typeface="Calibri" panose="020F0502020204030204" pitchFamily="34" charset="0"/>
-                <a:cs typeface="Consolas" panose="020B0609020204030204" pitchFamily="49" charset="0"/>
-              </a:rPr>
-              <a:t>&lt;</a:t>
-            </a:r>
-            <a:r>
-              <a:rPr lang="en-US" sz="1800" b="1">
-                <a:solidFill>
-                  <a:srgbClr val="0000FF"/>
-                </a:solidFill>
-                <a:latin typeface="Consolas" panose="020B0609020204030204" pitchFamily="49" charset="0"/>
-                <a:ea typeface="Calibri" panose="020F0502020204030204" pitchFamily="34" charset="0"/>
-                <a:cs typeface="Consolas" panose="020B0609020204030204" pitchFamily="49" charset="0"/>
-              </a:rPr>
-              <a:t>int</a:t>
-            </a:r>
-            <a:r>
-              <a:rPr lang="en-US" sz="1800" b="1">
-                <a:solidFill>
-                  <a:srgbClr val="000000"/>
-                </a:solidFill>
-                <a:latin typeface="Consolas" panose="020B0609020204030204" pitchFamily="49" charset="0"/>
-                <a:ea typeface="Calibri" panose="020F0502020204030204" pitchFamily="34" charset="0"/>
-                <a:cs typeface="Consolas" panose="020B0609020204030204" pitchFamily="49" charset="0"/>
-              </a:rPr>
-              <a:t>&gt; setResult = </a:t>
-            </a:r>
-            <a:r>
-              <a:rPr lang="en-US" sz="1800" b="1">
-                <a:solidFill>
-                  <a:srgbClr val="0000FF"/>
-                </a:solidFill>
-                <a:latin typeface="Consolas" panose="020B0609020204030204" pitchFamily="49" charset="0"/>
-                <a:ea typeface="Calibri" panose="020F0502020204030204" pitchFamily="34" charset="0"/>
-                <a:cs typeface="Consolas" panose="020B0609020204030204" pitchFamily="49" charset="0"/>
-              </a:rPr>
-              <a:t>new</a:t>
-            </a:r>
-            <a:r>
-              <a:rPr lang="en-US" sz="1800" b="1">
-                <a:solidFill>
-                  <a:srgbClr val="000000"/>
-                </a:solidFill>
-                <a:latin typeface="Consolas" panose="020B0609020204030204" pitchFamily="49" charset="0"/>
-                <a:ea typeface="Calibri" panose="020F0502020204030204" pitchFamily="34" charset="0"/>
-                <a:cs typeface="Consolas" panose="020B0609020204030204" pitchFamily="49" charset="0"/>
-              </a:rPr>
-              <a:t> </a:t>
-            </a:r>
-            <a:r>
-              <a:rPr lang="en-US" sz="1800" b="1">
-                <a:solidFill>
-                  <a:srgbClr val="2B91AF"/>
-                </a:solidFill>
-                <a:latin typeface="Consolas" panose="020B0609020204030204" pitchFamily="49" charset="0"/>
-                <a:ea typeface="Calibri" panose="020F0502020204030204" pitchFamily="34" charset="0"/>
-                <a:cs typeface="Consolas" panose="020B0609020204030204" pitchFamily="49" charset="0"/>
-              </a:rPr>
-              <a:t>List</a:t>
-            </a:r>
-            <a:r>
-              <a:rPr lang="en-US" sz="1800" b="1">
-                <a:solidFill>
-                  <a:srgbClr val="000000"/>
-                </a:solidFill>
-                <a:latin typeface="Consolas" panose="020B0609020204030204" pitchFamily="49" charset="0"/>
-                <a:ea typeface="Calibri" panose="020F0502020204030204" pitchFamily="34" charset="0"/>
-                <a:cs typeface="Consolas" panose="020B0609020204030204" pitchFamily="49" charset="0"/>
-              </a:rPr>
-              <a:t> &lt;</a:t>
-            </a:r>
-            <a:r>
-              <a:rPr lang="en-US" sz="1800" b="1">
-                <a:solidFill>
-                  <a:srgbClr val="0000FF"/>
-                </a:solidFill>
-                <a:latin typeface="Consolas" panose="020B0609020204030204" pitchFamily="49" charset="0"/>
-                <a:ea typeface="Calibri" panose="020F0502020204030204" pitchFamily="34" charset="0"/>
-                <a:cs typeface="Consolas" panose="020B0609020204030204" pitchFamily="49" charset="0"/>
-              </a:rPr>
-              <a:t>int</a:t>
-            </a:r>
-            <a:r>
-              <a:rPr lang="en-US" sz="1800" b="1">
-                <a:solidFill>
-                  <a:srgbClr val="000000"/>
-                </a:solidFill>
-                <a:latin typeface="Consolas" panose="020B0609020204030204" pitchFamily="49" charset="0"/>
-                <a:ea typeface="Calibri" panose="020F0502020204030204" pitchFamily="34" charset="0"/>
-                <a:cs typeface="Consolas" panose="020B0609020204030204" pitchFamily="49" charset="0"/>
-              </a:rPr>
-              <a:t>&gt;();</a:t>
-            </a:r>
-            <a:endParaRPr lang="da-DK" sz="1800">
-              <a:latin typeface="Calibri" panose="020F0502020204030204" pitchFamily="34" charset="0"/>
-              <a:ea typeface="Calibri" panose="020F0502020204030204" pitchFamily="34" charset="0"/>
-              <a:cs typeface="Times New Roman" panose="02020603050405020304" pitchFamily="18" charset="0"/>
-            </a:endParaRPr>
-          </a:p>
-          <a:p>
-            <a:pPr indent="0">
-              <a:spcBef>
-                <a:spcPts val="0"/>
-              </a:spcBef>
-              <a:spcAft>
-                <a:spcPts val="0"/>
-              </a:spcAft>
-              <a:buNone/>
-            </a:pPr>
-            <a:r>
-              <a:rPr lang="en-US" sz="1800" b="1">
-                <a:solidFill>
-                  <a:srgbClr val="000000"/>
-                </a:solidFill>
-                <a:latin typeface="Consolas" panose="020B0609020204030204" pitchFamily="49" charset="0"/>
-                <a:ea typeface="Calibri" panose="020F0502020204030204" pitchFamily="34" charset="0"/>
-                <a:cs typeface="Consolas" panose="020B0609020204030204" pitchFamily="49" charset="0"/>
-              </a:rPr>
-              <a:t> </a:t>
-            </a:r>
-            <a:endParaRPr lang="da-DK" sz="1800">
-              <a:latin typeface="Calibri" panose="020F0502020204030204" pitchFamily="34" charset="0"/>
-              <a:ea typeface="Calibri" panose="020F0502020204030204" pitchFamily="34" charset="0"/>
-              <a:cs typeface="Times New Roman" panose="02020603050405020304" pitchFamily="18" charset="0"/>
-            </a:endParaRPr>
-          </a:p>
-          <a:p>
-            <a:pPr indent="0">
-              <a:spcBef>
-                <a:spcPts val="0"/>
-              </a:spcBef>
-              <a:spcAft>
-                <a:spcPts val="0"/>
-              </a:spcAft>
-              <a:buNone/>
-            </a:pPr>
-            <a:r>
-              <a:rPr lang="en-US" sz="1800" b="1">
-                <a:solidFill>
-                  <a:srgbClr val="0000FF"/>
-                </a:solidFill>
-                <a:latin typeface="Consolas" panose="020B0609020204030204" pitchFamily="49" charset="0"/>
-                <a:ea typeface="Calibri" panose="020F0502020204030204" pitchFamily="34" charset="0"/>
-                <a:cs typeface="Consolas" panose="020B0609020204030204" pitchFamily="49" charset="0"/>
-              </a:rPr>
-              <a:t>foreach</a:t>
-            </a:r>
-            <a:r>
-              <a:rPr lang="en-US" sz="1800" b="1">
-                <a:solidFill>
-                  <a:srgbClr val="000000"/>
-                </a:solidFill>
-                <a:latin typeface="Consolas" panose="020B0609020204030204" pitchFamily="49" charset="0"/>
-                <a:ea typeface="Calibri" panose="020F0502020204030204" pitchFamily="34" charset="0"/>
-                <a:cs typeface="Consolas" panose="020B0609020204030204" pitchFamily="49" charset="0"/>
-              </a:rPr>
-              <a:t> (</a:t>
-            </a:r>
-            <a:r>
-              <a:rPr lang="en-US" sz="1800" b="1">
-                <a:solidFill>
-                  <a:srgbClr val="0000FF"/>
-                </a:solidFill>
-                <a:latin typeface="Consolas" panose="020B0609020204030204" pitchFamily="49" charset="0"/>
-                <a:ea typeface="Calibri" panose="020F0502020204030204" pitchFamily="34" charset="0"/>
-                <a:cs typeface="Consolas" panose="020B0609020204030204" pitchFamily="49" charset="0"/>
-              </a:rPr>
-              <a:t>int</a:t>
-            </a:r>
-            <a:r>
-              <a:rPr lang="en-US" sz="1800" b="1">
-                <a:solidFill>
-                  <a:srgbClr val="000000"/>
-                </a:solidFill>
-                <a:latin typeface="Consolas" panose="020B0609020204030204" pitchFamily="49" charset="0"/>
-                <a:ea typeface="Calibri" panose="020F0502020204030204" pitchFamily="34" charset="0"/>
-                <a:cs typeface="Consolas" panose="020B0609020204030204" pitchFamily="49" charset="0"/>
-              </a:rPr>
-              <a:t> val </a:t>
-            </a:r>
-            <a:r>
-              <a:rPr lang="en-US" sz="1800" b="1">
-                <a:solidFill>
-                  <a:srgbClr val="0000FF"/>
-                </a:solidFill>
-                <a:latin typeface="Consolas" panose="020B0609020204030204" pitchFamily="49" charset="0"/>
-                <a:ea typeface="Calibri" panose="020F0502020204030204" pitchFamily="34" charset="0"/>
-                <a:cs typeface="Consolas" panose="020B0609020204030204" pitchFamily="49" charset="0"/>
-              </a:rPr>
-              <a:t>in</a:t>
-            </a:r>
-            <a:r>
-              <a:rPr lang="en-US" sz="1800" b="1">
-                <a:solidFill>
-                  <a:srgbClr val="000000"/>
-                </a:solidFill>
-                <a:latin typeface="Consolas" panose="020B0609020204030204" pitchFamily="49" charset="0"/>
-                <a:ea typeface="Calibri" panose="020F0502020204030204" pitchFamily="34" charset="0"/>
-                <a:cs typeface="Consolas" panose="020B0609020204030204" pitchFamily="49" charset="0"/>
-              </a:rPr>
-              <a:t> setA)</a:t>
-            </a:r>
-            <a:endParaRPr lang="da-DK" sz="1800">
-              <a:latin typeface="Calibri" panose="020F0502020204030204" pitchFamily="34" charset="0"/>
-              <a:ea typeface="Calibri" panose="020F0502020204030204" pitchFamily="34" charset="0"/>
-              <a:cs typeface="Times New Roman" panose="02020603050405020304" pitchFamily="18" charset="0"/>
-            </a:endParaRPr>
-          </a:p>
-          <a:p>
-            <a:pPr indent="0">
-              <a:spcBef>
-                <a:spcPts val="0"/>
-              </a:spcBef>
-              <a:spcAft>
-                <a:spcPts val="0"/>
-              </a:spcAft>
-              <a:buNone/>
-            </a:pPr>
-            <a:r>
-              <a:rPr lang="en-US" sz="1800" b="1">
-                <a:solidFill>
-                  <a:srgbClr val="000000"/>
-                </a:solidFill>
-                <a:latin typeface="Consolas" panose="020B0609020204030204" pitchFamily="49" charset="0"/>
-                <a:ea typeface="Calibri" panose="020F0502020204030204" pitchFamily="34" charset="0"/>
-                <a:cs typeface="Consolas" panose="020B0609020204030204" pitchFamily="49" charset="0"/>
-              </a:rPr>
-              <a:t>{</a:t>
-            </a:r>
-            <a:endParaRPr lang="da-DK" sz="1800">
-              <a:latin typeface="Calibri" panose="020F0502020204030204" pitchFamily="34" charset="0"/>
-              <a:ea typeface="Calibri" panose="020F0502020204030204" pitchFamily="34" charset="0"/>
-              <a:cs typeface="Times New Roman" panose="02020603050405020304" pitchFamily="18" charset="0"/>
-            </a:endParaRPr>
-          </a:p>
-          <a:p>
-            <a:pPr marL="457200" indent="0">
-              <a:spcBef>
-                <a:spcPts val="0"/>
-              </a:spcBef>
-              <a:spcAft>
-                <a:spcPts val="0"/>
-              </a:spcAft>
-              <a:buNone/>
-            </a:pPr>
-            <a:r>
-              <a:rPr lang="en-US" sz="1800" b="1">
-                <a:solidFill>
-                  <a:srgbClr val="0000FF"/>
-                </a:solidFill>
-                <a:latin typeface="Consolas" panose="020B0609020204030204" pitchFamily="49" charset="0"/>
-                <a:ea typeface="Calibri" panose="020F0502020204030204" pitchFamily="34" charset="0"/>
-                <a:cs typeface="Consolas" panose="020B0609020204030204" pitchFamily="49" charset="0"/>
-              </a:rPr>
-              <a:t>if</a:t>
-            </a:r>
-            <a:r>
-              <a:rPr lang="en-US" sz="1800" b="1">
-                <a:solidFill>
-                  <a:srgbClr val="000000"/>
-                </a:solidFill>
-                <a:latin typeface="Consolas" panose="020B0609020204030204" pitchFamily="49" charset="0"/>
-                <a:ea typeface="Calibri" panose="020F0502020204030204" pitchFamily="34" charset="0"/>
-                <a:cs typeface="Consolas" panose="020B0609020204030204" pitchFamily="49" charset="0"/>
-              </a:rPr>
-              <a:t> (!setB.Contains(val))</a:t>
-            </a:r>
-            <a:endParaRPr lang="da-DK" sz="1800">
-              <a:latin typeface="Calibri" panose="020F0502020204030204" pitchFamily="34" charset="0"/>
-              <a:ea typeface="Calibri" panose="020F0502020204030204" pitchFamily="34" charset="0"/>
-              <a:cs typeface="Times New Roman" panose="02020603050405020304" pitchFamily="18" charset="0"/>
-            </a:endParaRPr>
-          </a:p>
-          <a:p>
-            <a:pPr marL="457200" indent="0">
-              <a:spcBef>
-                <a:spcPts val="0"/>
-              </a:spcBef>
-              <a:spcAft>
-                <a:spcPts val="0"/>
-              </a:spcAft>
-              <a:buNone/>
-            </a:pPr>
-            <a:r>
-              <a:rPr lang="en-US" sz="1800" b="1">
-                <a:solidFill>
-                  <a:srgbClr val="000000"/>
-                </a:solidFill>
-                <a:latin typeface="Consolas" panose="020B0609020204030204" pitchFamily="49" charset="0"/>
-                <a:ea typeface="Calibri" panose="020F0502020204030204" pitchFamily="34" charset="0"/>
-                <a:cs typeface="Consolas" panose="020B0609020204030204" pitchFamily="49" charset="0"/>
-              </a:rPr>
-              <a:t>{</a:t>
-            </a:r>
-            <a:endParaRPr lang="da-DK" sz="1800">
-              <a:latin typeface="Calibri" panose="020F0502020204030204" pitchFamily="34" charset="0"/>
-              <a:ea typeface="Calibri" panose="020F0502020204030204" pitchFamily="34" charset="0"/>
-              <a:cs typeface="Times New Roman" panose="02020603050405020304" pitchFamily="18" charset="0"/>
-            </a:endParaRPr>
-          </a:p>
-          <a:p>
-            <a:pPr marL="914400" indent="0">
-              <a:spcBef>
-                <a:spcPts val="0"/>
-              </a:spcBef>
-              <a:spcAft>
-                <a:spcPts val="0"/>
-              </a:spcAft>
-              <a:buNone/>
-            </a:pPr>
-            <a:r>
-              <a:rPr lang="en-US" sz="1800" b="1">
-                <a:solidFill>
-                  <a:srgbClr val="000000"/>
-                </a:solidFill>
-                <a:latin typeface="Consolas" panose="020B0609020204030204" pitchFamily="49" charset="0"/>
-                <a:ea typeface="Calibri" panose="020F0502020204030204" pitchFamily="34" charset="0"/>
-                <a:cs typeface="Consolas" panose="020B0609020204030204" pitchFamily="49" charset="0"/>
-              </a:rPr>
-              <a:t>setResult.Add(val);</a:t>
-            </a:r>
-            <a:endParaRPr lang="da-DK" sz="1800">
-              <a:latin typeface="Calibri" panose="020F0502020204030204" pitchFamily="34" charset="0"/>
-              <a:ea typeface="Calibri" panose="020F0502020204030204" pitchFamily="34" charset="0"/>
-              <a:cs typeface="Times New Roman" panose="02020603050405020304" pitchFamily="18" charset="0"/>
-            </a:endParaRPr>
-          </a:p>
-          <a:p>
-            <a:pPr marL="457200" indent="0">
-              <a:spcBef>
-                <a:spcPts val="0"/>
-              </a:spcBef>
-              <a:spcAft>
-                <a:spcPts val="0"/>
-              </a:spcAft>
-              <a:buNone/>
-            </a:pPr>
-            <a:r>
-              <a:rPr lang="en-US" sz="1800" b="1">
-                <a:solidFill>
-                  <a:srgbClr val="000000"/>
-                </a:solidFill>
-                <a:latin typeface="Consolas" panose="020B0609020204030204" pitchFamily="49" charset="0"/>
-                <a:ea typeface="Calibri" panose="020F0502020204030204" pitchFamily="34" charset="0"/>
-                <a:cs typeface="Consolas" panose="020B0609020204030204" pitchFamily="49" charset="0"/>
-              </a:rPr>
-              <a:t>}</a:t>
-            </a:r>
-            <a:endParaRPr lang="da-DK" sz="1800">
-              <a:latin typeface="Calibri" panose="020F0502020204030204" pitchFamily="34" charset="0"/>
-              <a:ea typeface="Calibri" panose="020F0502020204030204" pitchFamily="34" charset="0"/>
-              <a:cs typeface="Times New Roman" panose="02020603050405020304" pitchFamily="18" charset="0"/>
-            </a:endParaRPr>
-          </a:p>
-          <a:p>
-            <a:pPr indent="0">
-              <a:spcBef>
-                <a:spcPts val="0"/>
-              </a:spcBef>
-              <a:spcAft>
-                <a:spcPts val="0"/>
-              </a:spcAft>
-              <a:buNone/>
-            </a:pPr>
-            <a:r>
-              <a:rPr lang="en-US" sz="1800" b="1" smtClean="0">
-                <a:solidFill>
-                  <a:srgbClr val="000000"/>
-                </a:solidFill>
-                <a:latin typeface="Consolas" panose="020B0609020204030204" pitchFamily="49" charset="0"/>
-                <a:ea typeface="Calibri" panose="020F0502020204030204" pitchFamily="34" charset="0"/>
-                <a:cs typeface="Consolas" panose="020B0609020204030204" pitchFamily="49" charset="0"/>
-              </a:rPr>
-              <a:t>}</a:t>
-            </a:r>
-          </a:p>
-          <a:p>
-            <a:pPr indent="0">
-              <a:spcBef>
-                <a:spcPts val="0"/>
-              </a:spcBef>
-              <a:spcAft>
-                <a:spcPts val="0"/>
-              </a:spcAft>
-              <a:buNone/>
-            </a:pPr>
-            <a:endParaRPr lang="en-US" sz="1800" b="1" smtClean="0">
+            <a:r>
+              <a:rPr lang="da-DK" sz="4000" i="1" smtClean="0">
+                <a:solidFill>
+                  <a:schemeClr val="accent6">
+                    <a:lumMod val="75000"/>
+                  </a:schemeClr>
+                </a:solidFill>
+              </a:rPr>
+              <a:t>Set-oriented methods</a:t>
+            </a:r>
+            <a:endParaRPr lang="da-DK" sz="4000" i="1">
               <a:solidFill>
-                <a:srgbClr val="000000"/>
-              </a:solidFill>
-              <a:latin typeface="Consolas" panose="020B0609020204030204" pitchFamily="49" charset="0"/>
-              <a:ea typeface="Calibri" panose="020F0502020204030204" pitchFamily="34" charset="0"/>
-              <a:cs typeface="Consolas" panose="020B0609020204030204" pitchFamily="49" charset="0"/>
-            </a:endParaRPr>
-          </a:p>
-          <a:p>
-            <a:pPr indent="0">
-              <a:spcBef>
-                <a:spcPts val="0"/>
-              </a:spcBef>
-              <a:spcAft>
-                <a:spcPts val="0"/>
-              </a:spcAft>
-              <a:buNone/>
-            </a:pPr>
-            <a:endParaRPr lang="en-US" sz="1800" b="1">
-              <a:solidFill>
-                <a:srgbClr val="000000"/>
-              </a:solidFill>
-              <a:latin typeface="Consolas" panose="020B0609020204030204" pitchFamily="49" charset="0"/>
-              <a:ea typeface="Calibri" panose="020F0502020204030204" pitchFamily="34" charset="0"/>
-              <a:cs typeface="Times New Roman" panose="02020603050405020304" pitchFamily="18" charset="0"/>
-            </a:endParaRPr>
-          </a:p>
-          <a:p>
-            <a:pPr indent="0">
-              <a:spcBef>
-                <a:spcPts val="0"/>
-              </a:spcBef>
-              <a:spcAft>
-                <a:spcPts val="0"/>
-              </a:spcAft>
-              <a:buNone/>
-            </a:pPr>
-            <a:r>
-              <a:rPr lang="en-US" sz="1800" b="1">
-                <a:solidFill>
-                  <a:srgbClr val="2B91AF"/>
-                </a:solidFill>
-                <a:latin typeface="Consolas" panose="020B0609020204030204" pitchFamily="49" charset="0"/>
-                <a:ea typeface="Calibri" panose="020F0502020204030204" pitchFamily="34" charset="0"/>
-                <a:cs typeface="Consolas" panose="020B0609020204030204" pitchFamily="49" charset="0"/>
-              </a:rPr>
-              <a:t>Console</a:t>
-            </a:r>
-            <a:r>
-              <a:rPr lang="en-US" sz="1800" b="1">
-                <a:solidFill>
-                  <a:srgbClr val="000000"/>
-                </a:solidFill>
-                <a:latin typeface="Consolas" panose="020B0609020204030204" pitchFamily="49" charset="0"/>
-                <a:ea typeface="Calibri" panose="020F0502020204030204" pitchFamily="34" charset="0"/>
-                <a:cs typeface="Consolas" panose="020B0609020204030204" pitchFamily="49" charset="0"/>
-              </a:rPr>
-              <a:t>.WriteLine(</a:t>
-            </a:r>
-            <a:r>
-              <a:rPr lang="en-US" sz="1800" b="1">
-                <a:solidFill>
-                  <a:srgbClr val="A31515"/>
-                </a:solidFill>
-                <a:latin typeface="Consolas" panose="020B0609020204030204" pitchFamily="49" charset="0"/>
-                <a:ea typeface="Calibri" panose="020F0502020204030204" pitchFamily="34" charset="0"/>
-                <a:cs typeface="Consolas" panose="020B0609020204030204" pitchFamily="49" charset="0"/>
-              </a:rPr>
-              <a:t>"In A but not in B: "</a:t>
-            </a:r>
-            <a:r>
-              <a:rPr lang="en-US" sz="1800" b="1">
-                <a:solidFill>
-                  <a:srgbClr val="000000"/>
-                </a:solidFill>
-                <a:latin typeface="Consolas" panose="020B0609020204030204" pitchFamily="49" charset="0"/>
-                <a:ea typeface="Calibri" panose="020F0502020204030204" pitchFamily="34" charset="0"/>
-                <a:cs typeface="Consolas" panose="020B0609020204030204" pitchFamily="49" charset="0"/>
-              </a:rPr>
-              <a:t>);</a:t>
-            </a:r>
-            <a:endParaRPr lang="da-DK" sz="1800">
-              <a:latin typeface="Calibri" panose="020F0502020204030204" pitchFamily="34" charset="0"/>
-              <a:ea typeface="Calibri" panose="020F0502020204030204" pitchFamily="34" charset="0"/>
-              <a:cs typeface="Times New Roman" panose="02020603050405020304" pitchFamily="18" charset="0"/>
-            </a:endParaRPr>
-          </a:p>
-          <a:p>
-            <a:pPr indent="0">
-              <a:spcBef>
-                <a:spcPts val="0"/>
-              </a:spcBef>
-              <a:spcAft>
-                <a:spcPts val="0"/>
-              </a:spcAft>
-              <a:buNone/>
-            </a:pPr>
-            <a:r>
-              <a:rPr lang="en-US" sz="1800" b="1">
-                <a:solidFill>
-                  <a:srgbClr val="0000FF"/>
-                </a:solidFill>
-                <a:latin typeface="Consolas" panose="020B0609020204030204" pitchFamily="49" charset="0"/>
-                <a:ea typeface="Calibri" panose="020F0502020204030204" pitchFamily="34" charset="0"/>
-                <a:cs typeface="Consolas" panose="020B0609020204030204" pitchFamily="49" charset="0"/>
-              </a:rPr>
-              <a:t>foreach</a:t>
-            </a:r>
-            <a:r>
-              <a:rPr lang="en-US" sz="1800" b="1">
-                <a:solidFill>
-                  <a:srgbClr val="000000"/>
-                </a:solidFill>
-                <a:latin typeface="Consolas" panose="020B0609020204030204" pitchFamily="49" charset="0"/>
-                <a:ea typeface="Calibri" panose="020F0502020204030204" pitchFamily="34" charset="0"/>
-                <a:cs typeface="Consolas" panose="020B0609020204030204" pitchFamily="49" charset="0"/>
-              </a:rPr>
-              <a:t> (</a:t>
-            </a:r>
-            <a:r>
-              <a:rPr lang="en-US" sz="1800" b="1">
-                <a:solidFill>
-                  <a:srgbClr val="0000FF"/>
-                </a:solidFill>
-                <a:latin typeface="Consolas" panose="020B0609020204030204" pitchFamily="49" charset="0"/>
-                <a:ea typeface="Calibri" panose="020F0502020204030204" pitchFamily="34" charset="0"/>
-                <a:cs typeface="Consolas" panose="020B0609020204030204" pitchFamily="49" charset="0"/>
-              </a:rPr>
-              <a:t>int</a:t>
-            </a:r>
-            <a:r>
-              <a:rPr lang="en-US" sz="1800" b="1">
-                <a:solidFill>
-                  <a:srgbClr val="000000"/>
-                </a:solidFill>
-                <a:latin typeface="Consolas" panose="020B0609020204030204" pitchFamily="49" charset="0"/>
-                <a:ea typeface="Calibri" panose="020F0502020204030204" pitchFamily="34" charset="0"/>
-                <a:cs typeface="Consolas" panose="020B0609020204030204" pitchFamily="49" charset="0"/>
-              </a:rPr>
-              <a:t> val </a:t>
-            </a:r>
-            <a:r>
-              <a:rPr lang="en-US" sz="1800" b="1">
-                <a:solidFill>
-                  <a:srgbClr val="0000FF"/>
-                </a:solidFill>
-                <a:latin typeface="Consolas" panose="020B0609020204030204" pitchFamily="49" charset="0"/>
-                <a:ea typeface="Calibri" panose="020F0502020204030204" pitchFamily="34" charset="0"/>
-                <a:cs typeface="Consolas" panose="020B0609020204030204" pitchFamily="49" charset="0"/>
-              </a:rPr>
-              <a:t>in</a:t>
-            </a:r>
-            <a:r>
-              <a:rPr lang="en-US" sz="1800" b="1">
-                <a:solidFill>
-                  <a:srgbClr val="000000"/>
-                </a:solidFill>
-                <a:latin typeface="Consolas" panose="020B0609020204030204" pitchFamily="49" charset="0"/>
-                <a:ea typeface="Calibri" panose="020F0502020204030204" pitchFamily="34" charset="0"/>
-                <a:cs typeface="Consolas" panose="020B0609020204030204" pitchFamily="49" charset="0"/>
-              </a:rPr>
-              <a:t> setResult)</a:t>
-            </a:r>
-            <a:endParaRPr lang="da-DK" sz="1800">
-              <a:latin typeface="Calibri" panose="020F0502020204030204" pitchFamily="34" charset="0"/>
-              <a:ea typeface="Calibri" panose="020F0502020204030204" pitchFamily="34" charset="0"/>
-              <a:cs typeface="Times New Roman" panose="02020603050405020304" pitchFamily="18" charset="0"/>
-            </a:endParaRPr>
-          </a:p>
-          <a:p>
-            <a:pPr indent="0">
-              <a:spcBef>
-                <a:spcPts val="0"/>
-              </a:spcBef>
-              <a:spcAft>
-                <a:spcPts val="0"/>
-              </a:spcAft>
-              <a:buNone/>
-            </a:pPr>
-            <a:r>
-              <a:rPr lang="en-US" sz="1800" b="1">
-                <a:solidFill>
-                  <a:srgbClr val="000000"/>
-                </a:solidFill>
-                <a:latin typeface="Consolas" panose="020B0609020204030204" pitchFamily="49" charset="0"/>
-                <a:ea typeface="Calibri" panose="020F0502020204030204" pitchFamily="34" charset="0"/>
-                <a:cs typeface="Consolas" panose="020B0609020204030204" pitchFamily="49" charset="0"/>
-              </a:rPr>
-              <a:t>{</a:t>
-            </a:r>
-            <a:endParaRPr lang="da-DK" sz="1800">
-              <a:latin typeface="Calibri" panose="020F0502020204030204" pitchFamily="34" charset="0"/>
-              <a:ea typeface="Calibri" panose="020F0502020204030204" pitchFamily="34" charset="0"/>
-              <a:cs typeface="Times New Roman" panose="02020603050405020304" pitchFamily="18" charset="0"/>
-            </a:endParaRPr>
-          </a:p>
-          <a:p>
-            <a:pPr marL="457200" indent="0">
-              <a:spcBef>
-                <a:spcPts val="0"/>
-              </a:spcBef>
-              <a:spcAft>
-                <a:spcPts val="0"/>
-              </a:spcAft>
-              <a:buNone/>
-            </a:pPr>
-            <a:r>
-              <a:rPr lang="en-US" sz="1800" b="1">
-                <a:solidFill>
-                  <a:srgbClr val="2B91AF"/>
-                </a:solidFill>
-                <a:latin typeface="Consolas" panose="020B0609020204030204" pitchFamily="49" charset="0"/>
-                <a:ea typeface="Calibri" panose="020F0502020204030204" pitchFamily="34" charset="0"/>
-                <a:cs typeface="Consolas" panose="020B0609020204030204" pitchFamily="49" charset="0"/>
-              </a:rPr>
-              <a:t>Console</a:t>
-            </a:r>
-            <a:r>
-              <a:rPr lang="en-US" sz="1800" b="1">
-                <a:solidFill>
-                  <a:srgbClr val="000000"/>
-                </a:solidFill>
-                <a:latin typeface="Consolas" panose="020B0609020204030204" pitchFamily="49" charset="0"/>
-                <a:ea typeface="Calibri" panose="020F0502020204030204" pitchFamily="34" charset="0"/>
-                <a:cs typeface="Consolas" panose="020B0609020204030204" pitchFamily="49" charset="0"/>
-              </a:rPr>
-              <a:t>.WriteLine(val);</a:t>
-            </a:r>
-            <a:endParaRPr lang="da-DK" sz="1800">
-              <a:latin typeface="Calibri" panose="020F0502020204030204" pitchFamily="34" charset="0"/>
-              <a:ea typeface="Calibri" panose="020F0502020204030204" pitchFamily="34" charset="0"/>
-              <a:cs typeface="Times New Roman" panose="02020603050405020304" pitchFamily="18" charset="0"/>
-            </a:endParaRPr>
-          </a:p>
-          <a:p>
-            <a:pPr indent="0">
-              <a:spcBef>
-                <a:spcPts val="0"/>
-              </a:spcBef>
-              <a:spcAft>
-                <a:spcPts val="0"/>
-              </a:spcAft>
-              <a:buNone/>
-            </a:pPr>
-            <a:r>
-              <a:rPr lang="en-US" sz="1800" b="1">
-                <a:solidFill>
-                  <a:srgbClr val="000000"/>
-                </a:solidFill>
-                <a:latin typeface="Consolas" panose="020B0609020204030204" pitchFamily="49" charset="0"/>
-                <a:ea typeface="Calibri" panose="020F0502020204030204" pitchFamily="34" charset="0"/>
-                <a:cs typeface="Consolas" panose="020B0609020204030204" pitchFamily="49" charset="0"/>
-              </a:rPr>
-              <a:t>}</a:t>
-            </a:r>
-            <a:endParaRPr lang="da-DK" sz="1800">
-              <a:latin typeface="Calibri" panose="020F0502020204030204" pitchFamily="34" charset="0"/>
-              <a:ea typeface="Calibri" panose="020F0502020204030204" pitchFamily="34" charset="0"/>
-              <a:cs typeface="Times New Roman" panose="02020603050405020304" pitchFamily="18" charset="0"/>
-            </a:endParaRPr>
-          </a:p>
-          <a:p>
-            <a:pPr indent="0">
-              <a:spcBef>
-                <a:spcPts val="0"/>
-              </a:spcBef>
-              <a:spcAft>
-                <a:spcPts val="0"/>
-              </a:spcAft>
-              <a:buNone/>
-            </a:pPr>
-            <a:endParaRPr lang="da-DK" sz="1600">
-              <a:latin typeface="Calibri" panose="020F0502020204030204" pitchFamily="34" charset="0"/>
-              <a:ea typeface="Calibri" panose="020F0502020204030204" pitchFamily="34" charset="0"/>
-              <a:cs typeface="Times New Roman" panose="02020603050405020304" pitchFamily="18" charset="0"/>
-            </a:endParaRPr>
-          </a:p>
-          <a:p>
-            <a:pPr indent="0">
-              <a:spcBef>
-                <a:spcPts val="0"/>
-              </a:spcBef>
-              <a:spcAft>
-                <a:spcPts val="0"/>
-              </a:spcAft>
-              <a:buNone/>
-            </a:pPr>
-            <a:endParaRPr lang="da-DK" sz="1200" b="1">
-              <a:solidFill>
-                <a:srgbClr val="000000"/>
-              </a:solidFill>
-              <a:latin typeface="Consolas" panose="020B0609020204030204" pitchFamily="49" charset="0"/>
-              <a:ea typeface="Calibri" panose="020F0502020204030204" pitchFamily="34" charset="0"/>
-              <a:cs typeface="Consolas" panose="020B0609020204030204" pitchFamily="49" charset="0"/>
-            </a:endParaRPr>
-          </a:p>
-          <a:p>
-            <a:pPr marL="0" indent="0">
-              <a:buNone/>
-            </a:pPr>
-            <a:endParaRPr lang="da-DK" sz="3200" b="1">
-              <a:solidFill>
-                <a:srgbClr val="FF0000"/>
+                <a:schemeClr val="accent6">
+                  <a:lumMod val="75000"/>
+                </a:schemeClr>
               </a:solidFill>
             </a:endParaRPr>
           </a:p>
@@ -11723,13 +11545,25 @@
     </p:spTree>
     <p:extLst>
       <p:ext uri="{BB962C8B-B14F-4D97-AF65-F5344CB8AC3E}">
-        <p14:creationId xmlns:p14="http://schemas.microsoft.com/office/powerpoint/2010/main" val="1645382438"/>
+        <p14:creationId xmlns:p14="http://schemas.microsoft.com/office/powerpoint/2010/main" val="4179451191"/>
       </p:ext>
     </p:extLst>
   </p:cSld>
   <p:clrMapOvr>
     <a:masterClrMapping/>
   </p:clrMapOvr>
+  <mc:AlternateContent xmlns:mc="http://schemas.openxmlformats.org/markup-compatibility/2006" xmlns:p14="http://schemas.microsoft.com/office/powerpoint/2010/main">
+    <mc:Choice Requires="p14">
+      <p:transition spd="med" p14:dur="700">
+        <p:fade/>
+      </p:transition>
+    </mc:Choice>
+    <mc:Fallback xmlns="">
+      <p:transition spd="med">
+        <p:fade/>
+      </p:transition>
+    </mc:Fallback>
+  </mc:AlternateContent>
   <p:timing>
     <p:tnLst>
       <p:par>
@@ -11776,7 +11610,6 @@
               <a:rPr lang="da-DK" b="1"/>
               <a:t>LINQ – set-oriented methods</a:t>
             </a:r>
-            <a:endParaRPr lang="da-DK" b="1"/>
           </a:p>
         </p:txBody>
       </p:sp>
@@ -12063,6 +11896,409 @@
               </a:spcAft>
               <a:buNone/>
             </a:pPr>
+            <a:r>
+              <a:rPr lang="en-US" sz="1800" b="1">
+                <a:solidFill>
+                  <a:srgbClr val="2B91AF"/>
+                </a:solidFill>
+                <a:latin typeface="Consolas" panose="020B0609020204030204" pitchFamily="49" charset="0"/>
+                <a:ea typeface="Calibri" panose="020F0502020204030204" pitchFamily="34" charset="0"/>
+                <a:cs typeface="Consolas" panose="020B0609020204030204" pitchFamily="49" charset="0"/>
+              </a:rPr>
+              <a:t>List</a:t>
+            </a:r>
+            <a:r>
+              <a:rPr lang="en-US" sz="1800" b="1">
+                <a:solidFill>
+                  <a:srgbClr val="000000"/>
+                </a:solidFill>
+                <a:latin typeface="Consolas" panose="020B0609020204030204" pitchFamily="49" charset="0"/>
+                <a:ea typeface="Calibri" panose="020F0502020204030204" pitchFamily="34" charset="0"/>
+                <a:cs typeface="Consolas" panose="020B0609020204030204" pitchFamily="49" charset="0"/>
+              </a:rPr>
+              <a:t>&lt;</a:t>
+            </a:r>
+            <a:r>
+              <a:rPr lang="en-US" sz="1800" b="1">
+                <a:solidFill>
+                  <a:srgbClr val="0000FF"/>
+                </a:solidFill>
+                <a:latin typeface="Consolas" panose="020B0609020204030204" pitchFamily="49" charset="0"/>
+                <a:ea typeface="Calibri" panose="020F0502020204030204" pitchFamily="34" charset="0"/>
+                <a:cs typeface="Consolas" panose="020B0609020204030204" pitchFamily="49" charset="0"/>
+              </a:rPr>
+              <a:t>int</a:t>
+            </a:r>
+            <a:r>
+              <a:rPr lang="en-US" sz="1800" b="1">
+                <a:solidFill>
+                  <a:srgbClr val="000000"/>
+                </a:solidFill>
+                <a:latin typeface="Consolas" panose="020B0609020204030204" pitchFamily="49" charset="0"/>
+                <a:ea typeface="Calibri" panose="020F0502020204030204" pitchFamily="34" charset="0"/>
+                <a:cs typeface="Consolas" panose="020B0609020204030204" pitchFamily="49" charset="0"/>
+              </a:rPr>
+              <a:t>&gt; setResult = </a:t>
+            </a:r>
+            <a:r>
+              <a:rPr lang="en-US" sz="1800" b="1">
+                <a:solidFill>
+                  <a:srgbClr val="0000FF"/>
+                </a:solidFill>
+                <a:latin typeface="Consolas" panose="020B0609020204030204" pitchFamily="49" charset="0"/>
+                <a:ea typeface="Calibri" panose="020F0502020204030204" pitchFamily="34" charset="0"/>
+                <a:cs typeface="Consolas" panose="020B0609020204030204" pitchFamily="49" charset="0"/>
+              </a:rPr>
+              <a:t>new</a:t>
+            </a:r>
+            <a:r>
+              <a:rPr lang="en-US" sz="1800" b="1">
+                <a:solidFill>
+                  <a:srgbClr val="000000"/>
+                </a:solidFill>
+                <a:latin typeface="Consolas" panose="020B0609020204030204" pitchFamily="49" charset="0"/>
+                <a:ea typeface="Calibri" panose="020F0502020204030204" pitchFamily="34" charset="0"/>
+                <a:cs typeface="Consolas" panose="020B0609020204030204" pitchFamily="49" charset="0"/>
+              </a:rPr>
+              <a:t> </a:t>
+            </a:r>
+            <a:r>
+              <a:rPr lang="en-US" sz="1800" b="1">
+                <a:solidFill>
+                  <a:srgbClr val="2B91AF"/>
+                </a:solidFill>
+                <a:latin typeface="Consolas" panose="020B0609020204030204" pitchFamily="49" charset="0"/>
+                <a:ea typeface="Calibri" panose="020F0502020204030204" pitchFamily="34" charset="0"/>
+                <a:cs typeface="Consolas" panose="020B0609020204030204" pitchFamily="49" charset="0"/>
+              </a:rPr>
+              <a:t>List</a:t>
+            </a:r>
+            <a:r>
+              <a:rPr lang="en-US" sz="1800" b="1">
+                <a:solidFill>
+                  <a:srgbClr val="000000"/>
+                </a:solidFill>
+                <a:latin typeface="Consolas" panose="020B0609020204030204" pitchFamily="49" charset="0"/>
+                <a:ea typeface="Calibri" panose="020F0502020204030204" pitchFamily="34" charset="0"/>
+                <a:cs typeface="Consolas" panose="020B0609020204030204" pitchFamily="49" charset="0"/>
+              </a:rPr>
+              <a:t> &lt;</a:t>
+            </a:r>
+            <a:r>
+              <a:rPr lang="en-US" sz="1800" b="1">
+                <a:solidFill>
+                  <a:srgbClr val="0000FF"/>
+                </a:solidFill>
+                <a:latin typeface="Consolas" panose="020B0609020204030204" pitchFamily="49" charset="0"/>
+                <a:ea typeface="Calibri" panose="020F0502020204030204" pitchFamily="34" charset="0"/>
+                <a:cs typeface="Consolas" panose="020B0609020204030204" pitchFamily="49" charset="0"/>
+              </a:rPr>
+              <a:t>int</a:t>
+            </a:r>
+            <a:r>
+              <a:rPr lang="en-US" sz="1800" b="1">
+                <a:solidFill>
+                  <a:srgbClr val="000000"/>
+                </a:solidFill>
+                <a:latin typeface="Consolas" panose="020B0609020204030204" pitchFamily="49" charset="0"/>
+                <a:ea typeface="Calibri" panose="020F0502020204030204" pitchFamily="34" charset="0"/>
+                <a:cs typeface="Consolas" panose="020B0609020204030204" pitchFamily="49" charset="0"/>
+              </a:rPr>
+              <a:t>&gt;();</a:t>
+            </a:r>
+            <a:endParaRPr lang="da-DK" sz="1800">
+              <a:latin typeface="Calibri" panose="020F0502020204030204" pitchFamily="34" charset="0"/>
+              <a:ea typeface="Calibri" panose="020F0502020204030204" pitchFamily="34" charset="0"/>
+              <a:cs typeface="Times New Roman" panose="02020603050405020304" pitchFamily="18" charset="0"/>
+            </a:endParaRPr>
+          </a:p>
+          <a:p>
+            <a:pPr indent="0">
+              <a:spcBef>
+                <a:spcPts val="0"/>
+              </a:spcBef>
+              <a:spcAft>
+                <a:spcPts val="0"/>
+              </a:spcAft>
+              <a:buNone/>
+            </a:pPr>
+            <a:r>
+              <a:rPr lang="en-US" sz="1800" b="1">
+                <a:solidFill>
+                  <a:srgbClr val="000000"/>
+                </a:solidFill>
+                <a:latin typeface="Consolas" panose="020B0609020204030204" pitchFamily="49" charset="0"/>
+                <a:ea typeface="Calibri" panose="020F0502020204030204" pitchFamily="34" charset="0"/>
+                <a:cs typeface="Consolas" panose="020B0609020204030204" pitchFamily="49" charset="0"/>
+              </a:rPr>
+              <a:t> </a:t>
+            </a:r>
+            <a:endParaRPr lang="da-DK" sz="1800">
+              <a:latin typeface="Calibri" panose="020F0502020204030204" pitchFamily="34" charset="0"/>
+              <a:ea typeface="Calibri" panose="020F0502020204030204" pitchFamily="34" charset="0"/>
+              <a:cs typeface="Times New Roman" panose="02020603050405020304" pitchFamily="18" charset="0"/>
+            </a:endParaRPr>
+          </a:p>
+          <a:p>
+            <a:pPr indent="0">
+              <a:spcBef>
+                <a:spcPts val="0"/>
+              </a:spcBef>
+              <a:spcAft>
+                <a:spcPts val="0"/>
+              </a:spcAft>
+              <a:buNone/>
+            </a:pPr>
+            <a:r>
+              <a:rPr lang="en-US" sz="1800" b="1">
+                <a:solidFill>
+                  <a:srgbClr val="0000FF"/>
+                </a:solidFill>
+                <a:latin typeface="Consolas" panose="020B0609020204030204" pitchFamily="49" charset="0"/>
+                <a:ea typeface="Calibri" panose="020F0502020204030204" pitchFamily="34" charset="0"/>
+                <a:cs typeface="Consolas" panose="020B0609020204030204" pitchFamily="49" charset="0"/>
+              </a:rPr>
+              <a:t>foreach</a:t>
+            </a:r>
+            <a:r>
+              <a:rPr lang="en-US" sz="1800" b="1">
+                <a:solidFill>
+                  <a:srgbClr val="000000"/>
+                </a:solidFill>
+                <a:latin typeface="Consolas" panose="020B0609020204030204" pitchFamily="49" charset="0"/>
+                <a:ea typeface="Calibri" panose="020F0502020204030204" pitchFamily="34" charset="0"/>
+                <a:cs typeface="Consolas" panose="020B0609020204030204" pitchFamily="49" charset="0"/>
+              </a:rPr>
+              <a:t> (</a:t>
+            </a:r>
+            <a:r>
+              <a:rPr lang="en-US" sz="1800" b="1">
+                <a:solidFill>
+                  <a:srgbClr val="0000FF"/>
+                </a:solidFill>
+                <a:latin typeface="Consolas" panose="020B0609020204030204" pitchFamily="49" charset="0"/>
+                <a:ea typeface="Calibri" panose="020F0502020204030204" pitchFamily="34" charset="0"/>
+                <a:cs typeface="Consolas" panose="020B0609020204030204" pitchFamily="49" charset="0"/>
+              </a:rPr>
+              <a:t>int</a:t>
+            </a:r>
+            <a:r>
+              <a:rPr lang="en-US" sz="1800" b="1">
+                <a:solidFill>
+                  <a:srgbClr val="000000"/>
+                </a:solidFill>
+                <a:latin typeface="Consolas" panose="020B0609020204030204" pitchFamily="49" charset="0"/>
+                <a:ea typeface="Calibri" panose="020F0502020204030204" pitchFamily="34" charset="0"/>
+                <a:cs typeface="Consolas" panose="020B0609020204030204" pitchFamily="49" charset="0"/>
+              </a:rPr>
+              <a:t> val </a:t>
+            </a:r>
+            <a:r>
+              <a:rPr lang="en-US" sz="1800" b="1">
+                <a:solidFill>
+                  <a:srgbClr val="0000FF"/>
+                </a:solidFill>
+                <a:latin typeface="Consolas" panose="020B0609020204030204" pitchFamily="49" charset="0"/>
+                <a:ea typeface="Calibri" panose="020F0502020204030204" pitchFamily="34" charset="0"/>
+                <a:cs typeface="Consolas" panose="020B0609020204030204" pitchFamily="49" charset="0"/>
+              </a:rPr>
+              <a:t>in</a:t>
+            </a:r>
+            <a:r>
+              <a:rPr lang="en-US" sz="1800" b="1">
+                <a:solidFill>
+                  <a:srgbClr val="000000"/>
+                </a:solidFill>
+                <a:latin typeface="Consolas" panose="020B0609020204030204" pitchFamily="49" charset="0"/>
+                <a:ea typeface="Calibri" panose="020F0502020204030204" pitchFamily="34" charset="0"/>
+                <a:cs typeface="Consolas" panose="020B0609020204030204" pitchFamily="49" charset="0"/>
+              </a:rPr>
+              <a:t> setA)</a:t>
+            </a:r>
+            <a:endParaRPr lang="da-DK" sz="1800">
+              <a:latin typeface="Calibri" panose="020F0502020204030204" pitchFamily="34" charset="0"/>
+              <a:ea typeface="Calibri" panose="020F0502020204030204" pitchFamily="34" charset="0"/>
+              <a:cs typeface="Times New Roman" panose="02020603050405020304" pitchFamily="18" charset="0"/>
+            </a:endParaRPr>
+          </a:p>
+          <a:p>
+            <a:pPr indent="0">
+              <a:spcBef>
+                <a:spcPts val="0"/>
+              </a:spcBef>
+              <a:spcAft>
+                <a:spcPts val="0"/>
+              </a:spcAft>
+              <a:buNone/>
+            </a:pPr>
+            <a:r>
+              <a:rPr lang="en-US" sz="1800" b="1">
+                <a:solidFill>
+                  <a:srgbClr val="000000"/>
+                </a:solidFill>
+                <a:latin typeface="Consolas" panose="020B0609020204030204" pitchFamily="49" charset="0"/>
+                <a:ea typeface="Calibri" panose="020F0502020204030204" pitchFamily="34" charset="0"/>
+                <a:cs typeface="Consolas" panose="020B0609020204030204" pitchFamily="49" charset="0"/>
+              </a:rPr>
+              <a:t>{</a:t>
+            </a:r>
+            <a:endParaRPr lang="da-DK" sz="1800">
+              <a:latin typeface="Calibri" panose="020F0502020204030204" pitchFamily="34" charset="0"/>
+              <a:ea typeface="Calibri" panose="020F0502020204030204" pitchFamily="34" charset="0"/>
+              <a:cs typeface="Times New Roman" panose="02020603050405020304" pitchFamily="18" charset="0"/>
+            </a:endParaRPr>
+          </a:p>
+          <a:p>
+            <a:pPr marL="457200" indent="0">
+              <a:spcBef>
+                <a:spcPts val="0"/>
+              </a:spcBef>
+              <a:spcAft>
+                <a:spcPts val="0"/>
+              </a:spcAft>
+              <a:buNone/>
+            </a:pPr>
+            <a:r>
+              <a:rPr lang="en-US" sz="1800" b="1">
+                <a:solidFill>
+                  <a:srgbClr val="0000FF"/>
+                </a:solidFill>
+                <a:latin typeface="Consolas" panose="020B0609020204030204" pitchFamily="49" charset="0"/>
+                <a:ea typeface="Calibri" panose="020F0502020204030204" pitchFamily="34" charset="0"/>
+                <a:cs typeface="Consolas" panose="020B0609020204030204" pitchFamily="49" charset="0"/>
+              </a:rPr>
+              <a:t>if</a:t>
+            </a:r>
+            <a:r>
+              <a:rPr lang="en-US" sz="1800" b="1">
+                <a:solidFill>
+                  <a:srgbClr val="000000"/>
+                </a:solidFill>
+                <a:latin typeface="Consolas" panose="020B0609020204030204" pitchFamily="49" charset="0"/>
+                <a:ea typeface="Calibri" panose="020F0502020204030204" pitchFamily="34" charset="0"/>
+                <a:cs typeface="Consolas" panose="020B0609020204030204" pitchFamily="49" charset="0"/>
+              </a:rPr>
+              <a:t> (!setB.Contains(val))</a:t>
+            </a:r>
+            <a:endParaRPr lang="da-DK" sz="1800">
+              <a:latin typeface="Calibri" panose="020F0502020204030204" pitchFamily="34" charset="0"/>
+              <a:ea typeface="Calibri" panose="020F0502020204030204" pitchFamily="34" charset="0"/>
+              <a:cs typeface="Times New Roman" panose="02020603050405020304" pitchFamily="18" charset="0"/>
+            </a:endParaRPr>
+          </a:p>
+          <a:p>
+            <a:pPr marL="457200" indent="0">
+              <a:spcBef>
+                <a:spcPts val="0"/>
+              </a:spcBef>
+              <a:spcAft>
+                <a:spcPts val="0"/>
+              </a:spcAft>
+              <a:buNone/>
+            </a:pPr>
+            <a:r>
+              <a:rPr lang="en-US" sz="1800" b="1">
+                <a:solidFill>
+                  <a:srgbClr val="000000"/>
+                </a:solidFill>
+                <a:latin typeface="Consolas" panose="020B0609020204030204" pitchFamily="49" charset="0"/>
+                <a:ea typeface="Calibri" panose="020F0502020204030204" pitchFamily="34" charset="0"/>
+                <a:cs typeface="Consolas" panose="020B0609020204030204" pitchFamily="49" charset="0"/>
+              </a:rPr>
+              <a:t>{</a:t>
+            </a:r>
+            <a:endParaRPr lang="da-DK" sz="1800">
+              <a:latin typeface="Calibri" panose="020F0502020204030204" pitchFamily="34" charset="0"/>
+              <a:ea typeface="Calibri" panose="020F0502020204030204" pitchFamily="34" charset="0"/>
+              <a:cs typeface="Times New Roman" panose="02020603050405020304" pitchFamily="18" charset="0"/>
+            </a:endParaRPr>
+          </a:p>
+          <a:p>
+            <a:pPr marL="914400" indent="0">
+              <a:spcBef>
+                <a:spcPts val="0"/>
+              </a:spcBef>
+              <a:spcAft>
+                <a:spcPts val="0"/>
+              </a:spcAft>
+              <a:buNone/>
+            </a:pPr>
+            <a:r>
+              <a:rPr lang="en-US" sz="1800" b="1">
+                <a:solidFill>
+                  <a:srgbClr val="000000"/>
+                </a:solidFill>
+                <a:latin typeface="Consolas" panose="020B0609020204030204" pitchFamily="49" charset="0"/>
+                <a:ea typeface="Calibri" panose="020F0502020204030204" pitchFamily="34" charset="0"/>
+                <a:cs typeface="Consolas" panose="020B0609020204030204" pitchFamily="49" charset="0"/>
+              </a:rPr>
+              <a:t>setResult.Add(val);</a:t>
+            </a:r>
+            <a:endParaRPr lang="da-DK" sz="1800">
+              <a:latin typeface="Calibri" panose="020F0502020204030204" pitchFamily="34" charset="0"/>
+              <a:ea typeface="Calibri" panose="020F0502020204030204" pitchFamily="34" charset="0"/>
+              <a:cs typeface="Times New Roman" panose="02020603050405020304" pitchFamily="18" charset="0"/>
+            </a:endParaRPr>
+          </a:p>
+          <a:p>
+            <a:pPr marL="457200" indent="0">
+              <a:spcBef>
+                <a:spcPts val="0"/>
+              </a:spcBef>
+              <a:spcAft>
+                <a:spcPts val="0"/>
+              </a:spcAft>
+              <a:buNone/>
+            </a:pPr>
+            <a:r>
+              <a:rPr lang="en-US" sz="1800" b="1">
+                <a:solidFill>
+                  <a:srgbClr val="000000"/>
+                </a:solidFill>
+                <a:latin typeface="Consolas" panose="020B0609020204030204" pitchFamily="49" charset="0"/>
+                <a:ea typeface="Calibri" panose="020F0502020204030204" pitchFamily="34" charset="0"/>
+                <a:cs typeface="Consolas" panose="020B0609020204030204" pitchFamily="49" charset="0"/>
+              </a:rPr>
+              <a:t>}</a:t>
+            </a:r>
+            <a:endParaRPr lang="da-DK" sz="1800">
+              <a:latin typeface="Calibri" panose="020F0502020204030204" pitchFamily="34" charset="0"/>
+              <a:ea typeface="Calibri" panose="020F0502020204030204" pitchFamily="34" charset="0"/>
+              <a:cs typeface="Times New Roman" panose="02020603050405020304" pitchFamily="18" charset="0"/>
+            </a:endParaRPr>
+          </a:p>
+          <a:p>
+            <a:pPr indent="0">
+              <a:spcBef>
+                <a:spcPts val="0"/>
+              </a:spcBef>
+              <a:spcAft>
+                <a:spcPts val="0"/>
+              </a:spcAft>
+              <a:buNone/>
+            </a:pPr>
+            <a:r>
+              <a:rPr lang="en-US" sz="1800" b="1" smtClean="0">
+                <a:solidFill>
+                  <a:srgbClr val="000000"/>
+                </a:solidFill>
+                <a:latin typeface="Consolas" panose="020B0609020204030204" pitchFamily="49" charset="0"/>
+                <a:ea typeface="Calibri" panose="020F0502020204030204" pitchFamily="34" charset="0"/>
+                <a:cs typeface="Consolas" panose="020B0609020204030204" pitchFamily="49" charset="0"/>
+              </a:rPr>
+              <a:t>}</a:t>
+            </a:r>
+          </a:p>
+          <a:p>
+            <a:pPr indent="0">
+              <a:spcBef>
+                <a:spcPts val="0"/>
+              </a:spcBef>
+              <a:spcAft>
+                <a:spcPts val="0"/>
+              </a:spcAft>
+              <a:buNone/>
+            </a:pPr>
             <a:endParaRPr lang="en-US" sz="1800" b="1" smtClean="0">
               <a:solidFill>
                 <a:srgbClr val="000000"/>
@@ -12225,32 +12461,7 @@
                 <a:ea typeface="Calibri" panose="020F0502020204030204" pitchFamily="34" charset="0"/>
                 <a:cs typeface="Consolas" panose="020B0609020204030204" pitchFamily="49" charset="0"/>
               </a:rPr>
-              <a:t> </a:t>
-            </a:r>
-            <a:r>
-              <a:rPr lang="en-US" sz="1800" b="1" smtClean="0">
-                <a:solidFill>
-                  <a:srgbClr val="000000"/>
-                </a:solidFill>
-                <a:highlight>
-                  <a:srgbClr val="FFFF00"/>
-                </a:highlight>
-                <a:latin typeface="Consolas" panose="020B0609020204030204" pitchFamily="49" charset="0"/>
-                <a:ea typeface="Calibri" panose="020F0502020204030204" pitchFamily="34" charset="0"/>
-                <a:cs typeface="Consolas" panose="020B0609020204030204" pitchFamily="49" charset="0"/>
-              </a:rPr>
-              <a:t>setA.Except(setB)</a:t>
-            </a:r>
-            <a:r>
-              <a:rPr lang="en-US" sz="1800" b="1" smtClean="0">
-                <a:solidFill>
-                  <a:srgbClr val="000000"/>
-                </a:solidFill>
-                <a:latin typeface="Consolas" panose="020B0609020204030204" pitchFamily="49" charset="0"/>
-                <a:ea typeface="Calibri" panose="020F0502020204030204" pitchFamily="34" charset="0"/>
-                <a:cs typeface="Consolas" panose="020B0609020204030204" pitchFamily="49" charset="0"/>
-              </a:rPr>
-              <a:t>)</a:t>
+              <a:t> setResult)</a:t>
             </a:r>
             <a:endParaRPr lang="da-DK" sz="1800">
               <a:latin typeface="Calibri" panose="020F0502020204030204" pitchFamily="34" charset="0"/>
@@ -12400,25 +12611,13 @@
     </p:spTree>
     <p:extLst>
       <p:ext uri="{BB962C8B-B14F-4D97-AF65-F5344CB8AC3E}">
-        <p14:creationId xmlns:p14="http://schemas.microsoft.com/office/powerpoint/2010/main" val="1444394972"/>
+        <p14:creationId xmlns:p14="http://schemas.microsoft.com/office/powerpoint/2010/main" val="1645382438"/>
       </p:ext>
     </p:extLst>
   </p:cSld>
   <p:clrMapOvr>
     <a:masterClrMapping/>
   </p:clrMapOvr>
-  <mc:AlternateContent xmlns:mc="http://schemas.openxmlformats.org/markup-compatibility/2006">
-    <mc:Choice xmlns:p14="http://schemas.microsoft.com/office/powerpoint/2010/main" Requires="p14">
-      <p:transition spd="med" p14:dur="700">
-        <p:fade/>
-      </p:transition>
-    </mc:Choice>
-    <mc:Fallback>
-      <p:transition spd="med">
-        <p:fade/>
-      </p:transition>
-    </mc:Fallback>
-  </mc:AlternateContent>
   <p:timing>
     <p:tnLst>
       <p:par>
